--- a/slides/04-direct-contrapositive.pptx
+++ b/slides/04-direct-contrapositive.pptx
@@ -5,37 +5,38 @@
     <p:sldMasterId id="2147483852" r:id="rId1"/>
   </p:sldMasterIdLst>
   <p:notesMasterIdLst>
-    <p:notesMasterId r:id="rId30"/>
+    <p:notesMasterId r:id="rId31"/>
   </p:notesMasterIdLst>
   <p:sldIdLst>
     <p:sldId id="256" r:id="rId2"/>
-    <p:sldId id="257" r:id="rId3"/>
-    <p:sldId id="328" r:id="rId4"/>
-    <p:sldId id="420" r:id="rId5"/>
-    <p:sldId id="421" r:id="rId6"/>
-    <p:sldId id="422" r:id="rId7"/>
-    <p:sldId id="423" r:id="rId8"/>
-    <p:sldId id="424" r:id="rId9"/>
-    <p:sldId id="425" r:id="rId10"/>
-    <p:sldId id="426" r:id="rId11"/>
-    <p:sldId id="427" r:id="rId12"/>
-    <p:sldId id="428" r:id="rId13"/>
-    <p:sldId id="429" r:id="rId14"/>
-    <p:sldId id="430" r:id="rId15"/>
-    <p:sldId id="432" r:id="rId16"/>
-    <p:sldId id="433" r:id="rId17"/>
-    <p:sldId id="431" r:id="rId18"/>
-    <p:sldId id="434" r:id="rId19"/>
-    <p:sldId id="435" r:id="rId20"/>
-    <p:sldId id="436" r:id="rId21"/>
-    <p:sldId id="438" r:id="rId22"/>
-    <p:sldId id="437" r:id="rId23"/>
-    <p:sldId id="439" r:id="rId24"/>
-    <p:sldId id="440" r:id="rId25"/>
-    <p:sldId id="441" r:id="rId26"/>
-    <p:sldId id="442" r:id="rId27"/>
-    <p:sldId id="443" r:id="rId28"/>
-    <p:sldId id="444" r:id="rId29"/>
+    <p:sldId id="445" r:id="rId3"/>
+    <p:sldId id="257" r:id="rId4"/>
+    <p:sldId id="328" r:id="rId5"/>
+    <p:sldId id="420" r:id="rId6"/>
+    <p:sldId id="421" r:id="rId7"/>
+    <p:sldId id="422" r:id="rId8"/>
+    <p:sldId id="423" r:id="rId9"/>
+    <p:sldId id="424" r:id="rId10"/>
+    <p:sldId id="425" r:id="rId11"/>
+    <p:sldId id="426" r:id="rId12"/>
+    <p:sldId id="427" r:id="rId13"/>
+    <p:sldId id="428" r:id="rId14"/>
+    <p:sldId id="429" r:id="rId15"/>
+    <p:sldId id="430" r:id="rId16"/>
+    <p:sldId id="432" r:id="rId17"/>
+    <p:sldId id="433" r:id="rId18"/>
+    <p:sldId id="431" r:id="rId19"/>
+    <p:sldId id="434" r:id="rId20"/>
+    <p:sldId id="435" r:id="rId21"/>
+    <p:sldId id="436" r:id="rId22"/>
+    <p:sldId id="438" r:id="rId23"/>
+    <p:sldId id="437" r:id="rId24"/>
+    <p:sldId id="439" r:id="rId25"/>
+    <p:sldId id="440" r:id="rId26"/>
+    <p:sldId id="441" r:id="rId27"/>
+    <p:sldId id="442" r:id="rId28"/>
+    <p:sldId id="443" r:id="rId29"/>
+    <p:sldId id="444" r:id="rId30"/>
   </p:sldIdLst>
   <p:sldSz cx="12192000" cy="6858000"/>
   <p:notesSz cx="6858000" cy="9144000"/>
@@ -224,7 +225,7 @@
           <a:p>
             <a:fld id="{3CBB8A52-8AC5-C74C-97FB-632C448F3674}" type="datetimeFigureOut">
               <a:rPr lang="en-US" smtClean="0"/>
-              <a:t>1/18/24</a:t>
+              <a:t>1/23/24</a:t>
             </a:fld>
             <a:endParaRPr lang="en-US"/>
           </a:p>
@@ -620,7 +621,7 @@
           <a:p>
             <a:fld id="{77F12483-E947-6F4E-A75E-B2E677827779}" type="slidenum">
               <a:rPr lang="en-US" smtClean="0"/>
-              <a:t>3</a:t>
+              <a:t>4</a:t>
             </a:fld>
             <a:endParaRPr lang="en-US"/>
           </a:p>
@@ -704,7 +705,7 @@
           <a:p>
             <a:fld id="{77F12483-E947-6F4E-A75E-B2E677827779}" type="slidenum">
               <a:rPr lang="en-US" smtClean="0"/>
-              <a:t>12</a:t>
+              <a:t>13</a:t>
             </a:fld>
             <a:endParaRPr lang="en-US"/>
           </a:p>
@@ -788,7 +789,7 @@
           <a:p>
             <a:fld id="{77F12483-E947-6F4E-A75E-B2E677827779}" type="slidenum">
               <a:rPr lang="en-US" smtClean="0"/>
-              <a:t>13</a:t>
+              <a:t>14</a:t>
             </a:fld>
             <a:endParaRPr lang="en-US"/>
           </a:p>
@@ -882,7 +883,7 @@
           <a:p>
             <a:fld id="{77F12483-E947-6F4E-A75E-B2E677827779}" type="slidenum">
               <a:rPr lang="en-US" smtClean="0"/>
-              <a:t>14</a:t>
+              <a:t>15</a:t>
             </a:fld>
             <a:endParaRPr lang="en-US"/>
           </a:p>
@@ -966,7 +967,7 @@
           <a:p>
             <a:fld id="{77F12483-E947-6F4E-A75E-B2E677827779}" type="slidenum">
               <a:rPr lang="en-US" smtClean="0"/>
-              <a:t>15</a:t>
+              <a:t>16</a:t>
             </a:fld>
             <a:endParaRPr lang="en-US"/>
           </a:p>
@@ -1050,7 +1051,7 @@
           <a:p>
             <a:fld id="{77F12483-E947-6F4E-A75E-B2E677827779}" type="slidenum">
               <a:rPr lang="en-US" smtClean="0"/>
-              <a:t>16</a:t>
+              <a:t>17</a:t>
             </a:fld>
             <a:endParaRPr lang="en-US"/>
           </a:p>
@@ -1144,7 +1145,7 @@
           <a:p>
             <a:fld id="{77F12483-E947-6F4E-A75E-B2E677827779}" type="slidenum">
               <a:rPr lang="en-US" smtClean="0"/>
-              <a:t>17</a:t>
+              <a:t>18</a:t>
             </a:fld>
             <a:endParaRPr lang="en-US"/>
           </a:p>
@@ -1228,7 +1229,7 @@
           <a:p>
             <a:fld id="{77F12483-E947-6F4E-A75E-B2E677827779}" type="slidenum">
               <a:rPr lang="en-US" smtClean="0"/>
-              <a:t>18</a:t>
+              <a:t>19</a:t>
             </a:fld>
             <a:endParaRPr lang="en-US"/>
           </a:p>
@@ -1312,7 +1313,7 @@
           <a:p>
             <a:fld id="{77F12483-E947-6F4E-A75E-B2E677827779}" type="slidenum">
               <a:rPr lang="en-US" smtClean="0"/>
-              <a:t>19</a:t>
+              <a:t>20</a:t>
             </a:fld>
             <a:endParaRPr lang="en-US"/>
           </a:p>
@@ -1396,7 +1397,7 @@
           <a:p>
             <a:fld id="{77F12483-E947-6F4E-A75E-B2E677827779}" type="slidenum">
               <a:rPr lang="en-US" smtClean="0"/>
-              <a:t>20</a:t>
+              <a:t>21</a:t>
             </a:fld>
             <a:endParaRPr lang="en-US"/>
           </a:p>
@@ -1480,7 +1481,7 @@
           <a:p>
             <a:fld id="{77F12483-E947-6F4E-A75E-B2E677827779}" type="slidenum">
               <a:rPr lang="en-US" smtClean="0"/>
-              <a:t>21</a:t>
+              <a:t>22</a:t>
             </a:fld>
             <a:endParaRPr lang="en-US"/>
           </a:p>
@@ -1564,7 +1565,7 @@
           <a:p>
             <a:fld id="{77F12483-E947-6F4E-A75E-B2E677827779}" type="slidenum">
               <a:rPr lang="en-US" smtClean="0"/>
-              <a:t>4</a:t>
+              <a:t>5</a:t>
             </a:fld>
             <a:endParaRPr lang="en-US"/>
           </a:p>
@@ -1648,7 +1649,7 @@
           <a:p>
             <a:fld id="{77F12483-E947-6F4E-A75E-B2E677827779}" type="slidenum">
               <a:rPr lang="en-US" smtClean="0"/>
-              <a:t>22</a:t>
+              <a:t>23</a:t>
             </a:fld>
             <a:endParaRPr lang="en-US"/>
           </a:p>
@@ -1808,7 +1809,7 @@
           <a:p>
             <a:fld id="{77F12483-E947-6F4E-A75E-B2E677827779}" type="slidenum">
               <a:rPr lang="en-US" smtClean="0"/>
-              <a:t>23</a:t>
+              <a:t>24</a:t>
             </a:fld>
             <a:endParaRPr lang="en-US"/>
           </a:p>
@@ -1922,7 +1923,7 @@
           <a:p>
             <a:fld id="{77F12483-E947-6F4E-A75E-B2E677827779}" type="slidenum">
               <a:rPr lang="en-US" smtClean="0"/>
-              <a:t>24</a:t>
+              <a:t>25</a:t>
             </a:fld>
             <a:endParaRPr lang="en-US"/>
           </a:p>
@@ -2007,7 +2008,7 @@
           <a:p>
             <a:fld id="{77F12483-E947-6F4E-A75E-B2E677827779}" type="slidenum">
               <a:rPr lang="en-US" smtClean="0"/>
-              <a:t>25</a:t>
+              <a:t>26</a:t>
             </a:fld>
             <a:endParaRPr lang="en-US"/>
           </a:p>
@@ -2102,7 +2103,7 @@
           <a:p>
             <a:fld id="{77F12483-E947-6F4E-A75E-B2E677827779}" type="slidenum">
               <a:rPr lang="en-US" smtClean="0"/>
-              <a:t>26</a:t>
+              <a:t>27</a:t>
             </a:fld>
             <a:endParaRPr lang="en-US"/>
           </a:p>
@@ -2233,7 +2234,7 @@
           <a:p>
             <a:fld id="{77F12483-E947-6F4E-A75E-B2E677827779}" type="slidenum">
               <a:rPr lang="en-US" smtClean="0"/>
-              <a:t>27</a:t>
+              <a:t>28</a:t>
             </a:fld>
             <a:endParaRPr lang="en-US"/>
           </a:p>
@@ -2376,7 +2377,7 @@
           <a:p>
             <a:fld id="{77F12483-E947-6F4E-A75E-B2E677827779}" type="slidenum">
               <a:rPr lang="en-US" smtClean="0"/>
-              <a:t>28</a:t>
+              <a:t>29</a:t>
             </a:fld>
             <a:endParaRPr lang="en-US"/>
           </a:p>
@@ -2460,7 +2461,7 @@
           <a:p>
             <a:fld id="{77F12483-E947-6F4E-A75E-B2E677827779}" type="slidenum">
               <a:rPr lang="en-US" smtClean="0"/>
-              <a:t>5</a:t>
+              <a:t>6</a:t>
             </a:fld>
             <a:endParaRPr lang="en-US"/>
           </a:p>
@@ -2544,7 +2545,7 @@
           <a:p>
             <a:fld id="{77F12483-E947-6F4E-A75E-B2E677827779}" type="slidenum">
               <a:rPr lang="en-US" smtClean="0"/>
-              <a:t>6</a:t>
+              <a:t>7</a:t>
             </a:fld>
             <a:endParaRPr lang="en-US"/>
           </a:p>
@@ -2628,7 +2629,7 @@
           <a:p>
             <a:fld id="{77F12483-E947-6F4E-A75E-B2E677827779}" type="slidenum">
               <a:rPr lang="en-US" smtClean="0"/>
-              <a:t>7</a:t>
+              <a:t>8</a:t>
             </a:fld>
             <a:endParaRPr lang="en-US"/>
           </a:p>
@@ -2712,7 +2713,7 @@
           <a:p>
             <a:fld id="{77F12483-E947-6F4E-A75E-B2E677827779}" type="slidenum">
               <a:rPr lang="en-US" smtClean="0"/>
-              <a:t>8</a:t>
+              <a:t>9</a:t>
             </a:fld>
             <a:endParaRPr lang="en-US"/>
           </a:p>
@@ -2796,7 +2797,7 @@
           <a:p>
             <a:fld id="{77F12483-E947-6F4E-A75E-B2E677827779}" type="slidenum">
               <a:rPr lang="en-US" smtClean="0"/>
-              <a:t>9</a:t>
+              <a:t>10</a:t>
             </a:fld>
             <a:endParaRPr lang="en-US"/>
           </a:p>
@@ -2880,7 +2881,7 @@
           <a:p>
             <a:fld id="{77F12483-E947-6F4E-A75E-B2E677827779}" type="slidenum">
               <a:rPr lang="en-US" smtClean="0"/>
-              <a:t>10</a:t>
+              <a:t>11</a:t>
             </a:fld>
             <a:endParaRPr lang="en-US"/>
           </a:p>
@@ -2964,7 +2965,7 @@
           <a:p>
             <a:fld id="{77F12483-E947-6F4E-A75E-B2E677827779}" type="slidenum">
               <a:rPr lang="en-US" smtClean="0"/>
-              <a:t>11</a:t>
+              <a:t>12</a:t>
             </a:fld>
             <a:endParaRPr lang="en-US"/>
           </a:p>
@@ -3208,7 +3209,7 @@
             <a:fld id="{5586B75A-687E-405C-8A0B-8D00578BA2C3}" type="datetimeFigureOut">
               <a:rPr lang="en-US" smtClean="0"/>
               <a:pPr/>
-              <a:t>1/18/24</a:t>
+              <a:t>1/23/24</a:t>
             </a:fld>
             <a:endParaRPr lang="en-US" dirty="0"/>
           </a:p>
@@ -3380,7 +3381,7 @@
             <a:fld id="{5586B75A-687E-405C-8A0B-8D00578BA2C3}" type="datetimeFigureOut">
               <a:rPr lang="en-US" smtClean="0"/>
               <a:pPr/>
-              <a:t>1/18/24</a:t>
+              <a:t>1/23/24</a:t>
             </a:fld>
             <a:endParaRPr lang="en-US" dirty="0"/>
           </a:p>
@@ -3562,7 +3563,7 @@
             <a:fld id="{5586B75A-687E-405C-8A0B-8D00578BA2C3}" type="datetimeFigureOut">
               <a:rPr lang="en-US" smtClean="0"/>
               <a:pPr/>
-              <a:t>1/18/24</a:t>
+              <a:t>1/23/24</a:t>
             </a:fld>
             <a:endParaRPr lang="en-US" dirty="0"/>
           </a:p>
@@ -3734,7 +3735,7 @@
             <a:fld id="{5586B75A-687E-405C-8A0B-8D00578BA2C3}" type="datetimeFigureOut">
               <a:rPr lang="en-US" smtClean="0"/>
               <a:pPr/>
-              <a:t>1/18/24</a:t>
+              <a:t>1/23/24</a:t>
             </a:fld>
             <a:endParaRPr lang="en-US" dirty="0"/>
           </a:p>
@@ -3990,7 +3991,7 @@
             <a:fld id="{5586B75A-687E-405C-8A0B-8D00578BA2C3}" type="datetimeFigureOut">
               <a:rPr lang="en-US" smtClean="0"/>
               <a:pPr/>
-              <a:t>1/18/24</a:t>
+              <a:t>1/23/24</a:t>
             </a:fld>
             <a:endParaRPr lang="en-US" dirty="0"/>
           </a:p>
@@ -4280,7 +4281,7 @@
             <a:fld id="{5586B75A-687E-405C-8A0B-8D00578BA2C3}" type="datetimeFigureOut">
               <a:rPr lang="en-US" smtClean="0"/>
               <a:pPr/>
-              <a:t>1/18/24</a:t>
+              <a:t>1/23/24</a:t>
             </a:fld>
             <a:endParaRPr lang="en-US" dirty="0"/>
           </a:p>
@@ -4724,7 +4725,7 @@
             <a:fld id="{5586B75A-687E-405C-8A0B-8D00578BA2C3}" type="datetimeFigureOut">
               <a:rPr lang="en-US" smtClean="0"/>
               <a:pPr/>
-              <a:t>1/18/24</a:t>
+              <a:t>1/23/24</a:t>
             </a:fld>
             <a:endParaRPr lang="en-US" dirty="0"/>
           </a:p>
@@ -4844,7 +4845,7 @@
             <a:fld id="{5586B75A-687E-405C-8A0B-8D00578BA2C3}" type="datetimeFigureOut">
               <a:rPr lang="en-US" smtClean="0"/>
               <a:pPr/>
-              <a:t>1/18/24</a:t>
+              <a:t>1/23/24</a:t>
             </a:fld>
             <a:endParaRPr lang="en-US" dirty="0"/>
           </a:p>
@@ -4941,7 +4942,7 @@
             <a:fld id="{5586B75A-687E-405C-8A0B-8D00578BA2C3}" type="datetimeFigureOut">
               <a:rPr lang="en-US" smtClean="0"/>
               <a:pPr/>
-              <a:t>1/18/24</a:t>
+              <a:t>1/23/24</a:t>
             </a:fld>
             <a:endParaRPr lang="en-US" dirty="0"/>
           </a:p>
@@ -5231,7 +5232,7 @@
             <a:fld id="{5586B75A-687E-405C-8A0B-8D00578BA2C3}" type="datetimeFigureOut">
               <a:rPr lang="en-US" smtClean="0"/>
               <a:pPr/>
-              <a:t>1/18/24</a:t>
+              <a:t>1/23/24</a:t>
             </a:fld>
             <a:endParaRPr lang="en-US" dirty="0"/>
           </a:p>
@@ -5506,7 +5507,7 @@
             <a:fld id="{5586B75A-687E-405C-8A0B-8D00578BA2C3}" type="datetimeFigureOut">
               <a:rPr lang="en-US" smtClean="0"/>
               <a:pPr/>
-              <a:t>1/18/24</a:t>
+              <a:t>1/23/24</a:t>
             </a:fld>
             <a:endParaRPr lang="en-US" dirty="0"/>
           </a:p>
@@ -5805,7 +5806,7 @@
             <a:fld id="{5586B75A-687E-405C-8A0B-8D00578BA2C3}" type="datetimeFigureOut">
               <a:rPr lang="en-US" smtClean="0"/>
               <a:pPr/>
-              <a:t>1/18/24</a:t>
+              <a:t>1/23/24</a:t>
             </a:fld>
             <a:endParaRPr lang="en-US" dirty="0"/>
           </a:p>
@@ -6404,8 +6405,8 @@
           </a:p>
         </p:txBody>
       </p:sp>
-      <mc:AlternateContent xmlns:mc="http://schemas.openxmlformats.org/markup-compatibility/2006">
-        <mc:Choice xmlns:a14="http://schemas.microsoft.com/office/drawing/2010/main" Requires="a14">
+      <mc:AlternateContent xmlns:mc="http://schemas.openxmlformats.org/markup-compatibility/2006" xmlns:a14="http://schemas.microsoft.com/office/drawing/2010/main">
+        <mc:Choice Requires="a14">
           <p:sp>
             <p:nvSpPr>
               <p:cNvPr id="9" name="Content Placeholder 2">
@@ -6853,16 +6854,7 @@
                         </a:solidFill>
                         <a:latin typeface="Cambria Math" panose="02040503050406030204" pitchFamily="18" charset="0"/>
                       </a:rPr>
-                      <m:t>=</m:t>
-                    </m:r>
-                    <m:r>
-                      <a:rPr lang="en-US" sz="2400" b="0" i="1" smtClean="0">
-                        <a:solidFill>
-                          <a:schemeClr val="tx1"/>
-                        </a:solidFill>
-                        <a:latin typeface="Cambria Math" panose="02040503050406030204" pitchFamily="18" charset="0"/>
-                      </a:rPr>
-                      <m:t>4</m:t>
+                      <m:t>=4</m:t>
                     </m:r>
                     <m:sSup>
                       <m:sSupPr>
@@ -6910,7 +6902,7 @@
                     <m:sSup>
                       <m:sSupPr>
                         <m:ctrlPr>
-                          <a:rPr lang="en-US" sz="2400" b="0" i="0" smtClean="0">
+                          <a:rPr lang="en-US" sz="2400" b="0" i="1" smtClean="0">
                             <a:solidFill>
                               <a:schemeClr val="tx1"/>
                             </a:solidFill>
@@ -7140,7 +7132,7 @@
             </p:txBody>
           </p:sp>
         </mc:Choice>
-        <mc:Fallback>
+        <mc:Fallback xmlns="">
           <p:sp>
             <p:nvSpPr>
               <p:cNvPr id="9" name="Content Placeholder 2">
@@ -7184,63 +7176,10 @@
           </p:sp>
         </mc:Fallback>
       </mc:AlternateContent>
-      <p:sp>
-        <p:nvSpPr>
-          <p:cNvPr id="3" name="Rounded Rectangular Callout 2">
-            <a:extLst>
-              <a:ext uri="{FF2B5EF4-FFF2-40B4-BE49-F238E27FC236}">
-                <a16:creationId xmlns:a16="http://schemas.microsoft.com/office/drawing/2014/main" id="{F02C65DD-686A-270F-66B5-48434685B30C}"/>
-              </a:ext>
-            </a:extLst>
-          </p:cNvPr>
-          <p:cNvSpPr/>
-          <p:nvPr/>
-        </p:nvSpPr>
-        <p:spPr>
-          <a:xfrm>
-            <a:off x="7470183" y="1239864"/>
-            <a:ext cx="3502617" cy="805912"/>
-          </a:xfrm>
-          <a:prstGeom prst="wedgeRoundRectCallout">
-            <a:avLst>
-              <a:gd name="adj1" fmla="val -91783"/>
-              <a:gd name="adj2" fmla="val -51454"/>
-              <a:gd name="adj3" fmla="val 16667"/>
-            </a:avLst>
-          </a:prstGeom>
-        </p:spPr>
-        <p:style>
-          <a:lnRef idx="2">
-            <a:schemeClr val="accent3">
-              <a:shade val="15000"/>
-            </a:schemeClr>
-          </a:lnRef>
-          <a:fillRef idx="1">
-            <a:schemeClr val="accent3"/>
-          </a:fillRef>
-          <a:effectRef idx="0">
-            <a:schemeClr val="accent3"/>
-          </a:effectRef>
-          <a:fontRef idx="minor">
-            <a:schemeClr val="lt1"/>
-          </a:fontRef>
-        </p:style>
-        <p:txBody>
-          <a:bodyPr rtlCol="0" anchor="ctr"/>
-          <a:lstStyle/>
-          <a:p>
-            <a:pPr algn="ctr"/>
-            <a:r>
-              <a:rPr lang="en-US" sz="2400" dirty="0"/>
-              <a:t>Start by stating what you will show. </a:t>
-            </a:r>
-          </a:p>
-        </p:txBody>
-      </p:sp>
     </p:spTree>
     <p:extLst>
       <p:ext uri="{BB962C8B-B14F-4D97-AF65-F5344CB8AC3E}">
-        <p14:creationId xmlns:p14="http://schemas.microsoft.com/office/powerpoint/2010/main" val="2838007799"/>
+        <p14:creationId xmlns:p14="http://schemas.microsoft.com/office/powerpoint/2010/main" val="1136990872"/>
       </p:ext>
     </p:extLst>
   </p:cSld>
@@ -7289,8 +7228,8 @@
           </a:p>
         </p:txBody>
       </p:sp>
-      <mc:AlternateContent xmlns:mc="http://schemas.openxmlformats.org/markup-compatibility/2006">
-        <mc:Choice xmlns:a14="http://schemas.microsoft.com/office/drawing/2010/main" Requires="a14">
+      <mc:AlternateContent xmlns:mc="http://schemas.openxmlformats.org/markup-compatibility/2006" xmlns:a14="http://schemas.microsoft.com/office/drawing/2010/main">
+        <mc:Choice Requires="a14">
           <p:sp>
             <p:nvSpPr>
               <p:cNvPr id="9" name="Content Placeholder 2">
@@ -7738,16 +7677,7 @@
                         </a:solidFill>
                         <a:latin typeface="Cambria Math" panose="02040503050406030204" pitchFamily="18" charset="0"/>
                       </a:rPr>
-                      <m:t>=</m:t>
-                    </m:r>
-                    <m:r>
-                      <a:rPr lang="en-US" sz="2400" b="0" i="1" smtClean="0">
-                        <a:solidFill>
-                          <a:schemeClr val="tx1"/>
-                        </a:solidFill>
-                        <a:latin typeface="Cambria Math" panose="02040503050406030204" pitchFamily="18" charset="0"/>
-                      </a:rPr>
-                      <m:t>4</m:t>
+                      <m:t>=4</m:t>
                     </m:r>
                     <m:sSup>
                       <m:sSupPr>
@@ -7795,7 +7725,7 @@
                     <m:sSup>
                       <m:sSupPr>
                         <m:ctrlPr>
-                          <a:rPr lang="en-US" sz="2400" b="0" i="0" smtClean="0">
+                          <a:rPr lang="en-US" sz="2400" b="0" i="1" smtClean="0">
                             <a:solidFill>
                               <a:schemeClr val="tx1"/>
                             </a:solidFill>
@@ -8011,10 +7941,21 @@
                   <a:latin typeface="Open Sans" panose="020B0606030504020204" pitchFamily="34" charset="0"/>
                 </a:endParaRPr>
               </a:p>
+              <a:p>
+                <a:pPr marL="0" indent="0">
+                  <a:buNone/>
+                </a:pPr>
+                <a:endParaRPr lang="en-US" sz="2400" dirty="0">
+                  <a:solidFill>
+                    <a:schemeClr val="tx1"/>
+                  </a:solidFill>
+                  <a:latin typeface="Open Sans" panose="020B0606030504020204" pitchFamily="34" charset="0"/>
+                </a:endParaRPr>
+              </a:p>
             </p:txBody>
           </p:sp>
         </mc:Choice>
-        <mc:Fallback>
+        <mc:Fallback xmlns="">
           <p:sp>
             <p:nvSpPr>
               <p:cNvPr id="9" name="Content Placeholder 2">
@@ -8111,108 +8052,10 @@
           </a:p>
         </p:txBody>
       </p:sp>
-      <p:sp>
-        <p:nvSpPr>
-          <p:cNvPr id="4" name="Rounded Rectangular Callout 3">
-            <a:extLst>
-              <a:ext uri="{FF2B5EF4-FFF2-40B4-BE49-F238E27FC236}">
-                <a16:creationId xmlns:a16="http://schemas.microsoft.com/office/drawing/2014/main" id="{98E517E4-1D38-CC49-6509-479E5327DAC5}"/>
-              </a:ext>
-            </a:extLst>
-          </p:cNvPr>
-          <p:cNvSpPr/>
-          <p:nvPr/>
-        </p:nvSpPr>
-        <p:spPr>
-          <a:xfrm>
-            <a:off x="8689383" y="5858359"/>
-            <a:ext cx="3502617" cy="805912"/>
-          </a:xfrm>
-          <a:prstGeom prst="wedgeRoundRectCallout">
-            <a:avLst>
-              <a:gd name="adj1" fmla="val 37863"/>
-              <a:gd name="adj2" fmla="val -341838"/>
-              <a:gd name="adj3" fmla="val 16667"/>
-            </a:avLst>
-          </a:prstGeom>
-        </p:spPr>
-        <p:style>
-          <a:lnRef idx="2">
-            <a:schemeClr val="accent3">
-              <a:shade val="15000"/>
-            </a:schemeClr>
-          </a:lnRef>
-          <a:fillRef idx="1">
-            <a:schemeClr val="accent3"/>
-          </a:fillRef>
-          <a:effectRef idx="0">
-            <a:schemeClr val="accent3"/>
-          </a:effectRef>
-          <a:fontRef idx="minor">
-            <a:schemeClr val="lt1"/>
-          </a:fontRef>
-        </p:style>
-        <p:txBody>
-          <a:bodyPr rtlCol="0" anchor="ctr"/>
-          <a:lstStyle/>
-          <a:p>
-            <a:pPr algn="ctr"/>
-            <a:r>
-              <a:rPr lang="en-US" sz="2400" dirty="0"/>
-              <a:t>Take SMALL, justified steps. </a:t>
-            </a:r>
-          </a:p>
-        </p:txBody>
-      </p:sp>
-      <p:sp>
-        <p:nvSpPr>
-          <p:cNvPr id="5" name="Right Brace 4">
-            <a:extLst>
-              <a:ext uri="{FF2B5EF4-FFF2-40B4-BE49-F238E27FC236}">
-                <a16:creationId xmlns:a16="http://schemas.microsoft.com/office/drawing/2014/main" id="{9CBA4471-AF9F-FD2A-C103-E9229B0B589B}"/>
-              </a:ext>
-            </a:extLst>
-          </p:cNvPr>
-          <p:cNvSpPr/>
-          <p:nvPr/>
-        </p:nvSpPr>
-        <p:spPr>
-          <a:xfrm>
-            <a:off x="11158780" y="2045776"/>
-            <a:ext cx="619932" cy="2898183"/>
-          </a:xfrm>
-          <a:prstGeom prst="rightBrace">
-            <a:avLst/>
-          </a:prstGeom>
-          <a:ln w="76200"/>
-        </p:spPr>
-        <p:style>
-          <a:lnRef idx="1">
-            <a:schemeClr val="accent1"/>
-          </a:lnRef>
-          <a:fillRef idx="0">
-            <a:schemeClr val="accent1"/>
-          </a:fillRef>
-          <a:effectRef idx="0">
-            <a:schemeClr val="accent1"/>
-          </a:effectRef>
-          <a:fontRef idx="minor">
-            <a:schemeClr val="tx1"/>
-          </a:fontRef>
-        </p:style>
-        <p:txBody>
-          <a:bodyPr rtlCol="0" anchor="ctr"/>
-          <a:lstStyle/>
-          <a:p>
-            <a:pPr algn="ctr"/>
-            <a:endParaRPr lang="en-US"/>
-          </a:p>
-        </p:txBody>
-      </p:sp>
     </p:spTree>
     <p:extLst>
       <p:ext uri="{BB962C8B-B14F-4D97-AF65-F5344CB8AC3E}">
-        <p14:creationId xmlns:p14="http://schemas.microsoft.com/office/powerpoint/2010/main" val="852080898"/>
+        <p14:creationId xmlns:p14="http://schemas.microsoft.com/office/powerpoint/2010/main" val="2838007799"/>
       </p:ext>
     </p:extLst>
   </p:cSld>
@@ -8261,8 +8104,8 @@
           </a:p>
         </p:txBody>
       </p:sp>
-      <mc:AlternateContent xmlns:mc="http://schemas.openxmlformats.org/markup-compatibility/2006">
-        <mc:Choice xmlns:a14="http://schemas.microsoft.com/office/drawing/2010/main" Requires="a14">
+      <mc:AlternateContent xmlns:mc="http://schemas.openxmlformats.org/markup-compatibility/2006" xmlns:a14="http://schemas.microsoft.com/office/drawing/2010/main">
+        <mc:Choice Requires="a14">
           <p:sp>
             <p:nvSpPr>
               <p:cNvPr id="9" name="Content Placeholder 2">
@@ -8710,16 +8553,7 @@
                         </a:solidFill>
                         <a:latin typeface="Cambria Math" panose="02040503050406030204" pitchFamily="18" charset="0"/>
                       </a:rPr>
-                      <m:t>=</m:t>
-                    </m:r>
-                    <m:r>
-                      <a:rPr lang="en-US" sz="2400" b="0" i="1" smtClean="0">
-                        <a:solidFill>
-                          <a:schemeClr val="tx1"/>
-                        </a:solidFill>
-                        <a:latin typeface="Cambria Math" panose="02040503050406030204" pitchFamily="18" charset="0"/>
-                      </a:rPr>
-                      <m:t>4</m:t>
+                      <m:t>=4</m:t>
                     </m:r>
                     <m:sSup>
                       <m:sSupPr>
@@ -8767,7 +8601,7 @@
                     <m:sSup>
                       <m:sSupPr>
                         <m:ctrlPr>
-                          <a:rPr lang="en-US" sz="2400" b="0" i="0" smtClean="0">
+                          <a:rPr lang="en-US" sz="2400" b="0" i="1" smtClean="0">
                             <a:solidFill>
                               <a:schemeClr val="tx1"/>
                             </a:solidFill>
@@ -8983,21 +8817,10 @@
                   <a:latin typeface="Open Sans" panose="020B0606030504020204" pitchFamily="34" charset="0"/>
                 </a:endParaRPr>
               </a:p>
-              <a:p>
-                <a:pPr marL="0" indent="0">
-                  <a:buNone/>
-                </a:pPr>
-                <a:endParaRPr lang="en-US" sz="2400" dirty="0">
-                  <a:solidFill>
-                    <a:schemeClr val="tx1"/>
-                  </a:solidFill>
-                  <a:latin typeface="Open Sans" panose="020B0606030504020204" pitchFamily="34" charset="0"/>
-                </a:endParaRPr>
-              </a:p>
             </p:txBody>
           </p:sp>
         </mc:Choice>
-        <mc:Fallback>
+        <mc:Fallback xmlns="">
           <p:sp>
             <p:nvSpPr>
               <p:cNvPr id="9" name="Content Placeholder 2">
@@ -9192,6 +9015,980 @@
           </a:p>
         </p:txBody>
       </p:sp>
+    </p:spTree>
+    <p:extLst>
+      <p:ext uri="{BB962C8B-B14F-4D97-AF65-F5344CB8AC3E}">
+        <p14:creationId xmlns:p14="http://schemas.microsoft.com/office/powerpoint/2010/main" val="852080898"/>
+      </p:ext>
+    </p:extLst>
+  </p:cSld>
+  <p:clrMapOvr>
+    <a:masterClrMapping/>
+  </p:clrMapOvr>
+</p:sld>
+</file>
+
+<file path=ppt/slides/slide13.xml><?xml version="1.0" encoding="utf-8"?>
+<p:sld xmlns:a="http://schemas.openxmlformats.org/drawingml/2006/main" xmlns:r="http://schemas.openxmlformats.org/officeDocument/2006/relationships" xmlns:p="http://schemas.openxmlformats.org/presentationml/2006/main">
+  <p:cSld>
+    <p:spTree>
+      <p:nvGrpSpPr>
+        <p:cNvPr id="1" name=""/>
+        <p:cNvGrpSpPr/>
+        <p:nvPr/>
+      </p:nvGrpSpPr>
+      <p:grpSpPr>
+        <a:xfrm>
+          <a:off x="0" y="0"/>
+          <a:ext cx="0" cy="0"/>
+          <a:chOff x="0" y="0"/>
+          <a:chExt cx="0" cy="0"/>
+        </a:xfrm>
+      </p:grpSpPr>
+      <p:sp>
+        <p:nvSpPr>
+          <p:cNvPr id="2" name="Title 1"/>
+          <p:cNvSpPr>
+            <a:spLocks noGrp="1"/>
+          </p:cNvSpPr>
+          <p:nvPr>
+            <p:ph type="title"/>
+          </p:nvPr>
+        </p:nvSpPr>
+        <p:spPr/>
+        <p:txBody>
+          <a:bodyPr/>
+          <a:lstStyle/>
+          <a:p>
+            <a:r>
+              <a:rPr lang="en-US" dirty="0"/>
+              <a:t>Example Proof</a:t>
+            </a:r>
+          </a:p>
+        </p:txBody>
+      </p:sp>
+      <mc:AlternateContent xmlns:mc="http://schemas.openxmlformats.org/markup-compatibility/2006" xmlns:a14="http://schemas.microsoft.com/office/drawing/2010/main">
+        <mc:Choice Requires="a14">
+          <p:sp>
+            <p:nvSpPr>
+              <p:cNvPr id="9" name="Content Placeholder 2">
+                <a:extLst>
+                  <a:ext uri="{FF2B5EF4-FFF2-40B4-BE49-F238E27FC236}">
+                    <a16:creationId xmlns:a16="http://schemas.microsoft.com/office/drawing/2014/main" id="{7A564664-5749-10ED-21DE-F5BBF3D2E4F9}"/>
+                  </a:ext>
+                </a:extLst>
+              </p:cNvPr>
+              <p:cNvSpPr>
+                <a:spLocks noGrp="1"/>
+              </p:cNvSpPr>
+              <p:nvPr>
+                <p:ph idx="1"/>
+              </p:nvPr>
+            </p:nvSpPr>
+            <p:spPr>
+              <a:xfrm>
+                <a:off x="3515518" y="728420"/>
+                <a:ext cx="8423564" cy="6129580"/>
+              </a:xfrm>
+            </p:spPr>
+            <p:txBody>
+              <a:bodyPr anchor="t">
+                <a:normAutofit/>
+              </a:bodyPr>
+              <a:lstStyle/>
+              <a:p>
+                <a:pPr marL="0" indent="0">
+                  <a:buNone/>
+                </a:pPr>
+                <a:r>
+                  <a:rPr lang="en-US" sz="2400" b="1" i="1" dirty="0">
+                    <a:solidFill>
+                      <a:schemeClr val="tx1"/>
+                    </a:solidFill>
+                    <a:latin typeface="Open Sans" panose="020B0606030504020204" pitchFamily="34" charset="0"/>
+                  </a:rPr>
+                  <a:t>Proof</a:t>
+                </a:r>
+                <a:r>
+                  <a:rPr lang="en-US" sz="2400" dirty="0">
+                    <a:solidFill>
+                      <a:schemeClr val="tx1"/>
+                    </a:solidFill>
+                    <a:latin typeface="Open Sans" panose="020B0606030504020204" pitchFamily="34" charset="0"/>
+                  </a:rPr>
+                  <a:t>: We will show that for all integers, </a:t>
+                </a:r>
+                <a14:m>
+                  <m:oMath xmlns:m="http://schemas.openxmlformats.org/officeDocument/2006/math">
+                    <m:r>
+                      <a:rPr lang="en-US" sz="2400" b="0" i="1" smtClean="0">
+                        <a:solidFill>
+                          <a:schemeClr val="tx1"/>
+                        </a:solidFill>
+                        <a:latin typeface="Cambria Math" panose="02040503050406030204" pitchFamily="18" charset="0"/>
+                      </a:rPr>
+                      <m:t>𝑛</m:t>
+                    </m:r>
+                  </m:oMath>
+                </a14:m>
+                <a:r>
+                  <a:rPr lang="en-US" sz="2400" dirty="0">
+                    <a:solidFill>
+                      <a:schemeClr val="tx1"/>
+                    </a:solidFill>
+                    <a:latin typeface="Open Sans" panose="020B0606030504020204" pitchFamily="34" charset="0"/>
+                  </a:rPr>
+                  <a:t>, if </a:t>
+                </a:r>
+                <a14:m>
+                  <m:oMath xmlns:m="http://schemas.openxmlformats.org/officeDocument/2006/math">
+                    <m:r>
+                      <a:rPr lang="en-US" sz="2400" b="0" i="1" smtClean="0">
+                        <a:solidFill>
+                          <a:schemeClr val="tx1"/>
+                        </a:solidFill>
+                        <a:latin typeface="Cambria Math" panose="02040503050406030204" pitchFamily="18" charset="0"/>
+                      </a:rPr>
+                      <m:t>𝑛</m:t>
+                    </m:r>
+                  </m:oMath>
+                </a14:m>
+                <a:r>
+                  <a:rPr lang="en-US" sz="2400" dirty="0">
+                    <a:solidFill>
+                      <a:schemeClr val="tx1"/>
+                    </a:solidFill>
+                    <a:latin typeface="Open Sans" panose="020B0606030504020204" pitchFamily="34" charset="0"/>
+                  </a:rPr>
+                  <a:t> is even then </a:t>
+                </a:r>
+                <a14:m>
+                  <m:oMath xmlns:m="http://schemas.openxmlformats.org/officeDocument/2006/math">
+                    <m:sSup>
+                      <m:sSupPr>
+                        <m:ctrlPr>
+                          <a:rPr lang="en-US" sz="2400" b="0" i="1" smtClean="0">
+                            <a:solidFill>
+                              <a:schemeClr val="tx1"/>
+                            </a:solidFill>
+                            <a:latin typeface="Cambria Math" panose="02040503050406030204" pitchFamily="18" charset="0"/>
+                          </a:rPr>
+                        </m:ctrlPr>
+                      </m:sSupPr>
+                      <m:e>
+                        <m:r>
+                          <a:rPr lang="en-US" sz="2400" b="0" i="1" smtClean="0">
+                            <a:solidFill>
+                              <a:schemeClr val="tx1"/>
+                            </a:solidFill>
+                            <a:latin typeface="Cambria Math" panose="02040503050406030204" pitchFamily="18" charset="0"/>
+                          </a:rPr>
+                          <m:t>𝑛</m:t>
+                        </m:r>
+                      </m:e>
+                      <m:sup>
+                        <m:r>
+                          <a:rPr lang="en-US" sz="2400" b="0" i="1" smtClean="0">
+                            <a:solidFill>
+                              <a:schemeClr val="tx1"/>
+                            </a:solidFill>
+                            <a:latin typeface="Cambria Math" panose="02040503050406030204" pitchFamily="18" charset="0"/>
+                          </a:rPr>
+                          <m:t>2</m:t>
+                        </m:r>
+                      </m:sup>
+                    </m:sSup>
+                  </m:oMath>
+                </a14:m>
+                <a:r>
+                  <a:rPr lang="en-US" sz="2400" dirty="0">
+                    <a:solidFill>
+                      <a:schemeClr val="tx1"/>
+                    </a:solidFill>
+                    <a:latin typeface="Open Sans" panose="020B0606030504020204" pitchFamily="34" charset="0"/>
+                  </a:rPr>
+                  <a:t> is even.  </a:t>
+                </a:r>
+              </a:p>
+              <a:p>
+                <a:pPr marL="0" indent="0">
+                  <a:buNone/>
+                </a:pPr>
+                <a:endParaRPr lang="en-US" sz="2400" dirty="0">
+                  <a:solidFill>
+                    <a:schemeClr val="tx1"/>
+                  </a:solidFill>
+                  <a:latin typeface="Open Sans" panose="020B0606030504020204" pitchFamily="34" charset="0"/>
+                </a:endParaRPr>
+              </a:p>
+              <a:p>
+                <a:pPr marL="0" indent="0">
+                  <a:buNone/>
+                </a:pPr>
+                <a:r>
+                  <a:rPr lang="en-US" sz="2400" dirty="0">
+                    <a:solidFill>
+                      <a:schemeClr val="tx1"/>
+                    </a:solidFill>
+                    <a:latin typeface="Open Sans" panose="020B0606030504020204" pitchFamily="34" charset="0"/>
+                  </a:rPr>
+                  <a:t>Let </a:t>
+                </a:r>
+                <a14:m>
+                  <m:oMath xmlns:m="http://schemas.openxmlformats.org/officeDocument/2006/math">
+                    <m:r>
+                      <a:rPr lang="en-US" sz="2400" b="0" i="1" smtClean="0">
+                        <a:solidFill>
+                          <a:schemeClr val="tx1"/>
+                        </a:solidFill>
+                        <a:latin typeface="Cambria Math" panose="02040503050406030204" pitchFamily="18" charset="0"/>
+                      </a:rPr>
+                      <m:t>𝑛</m:t>
+                    </m:r>
+                  </m:oMath>
+                </a14:m>
+                <a:r>
+                  <a:rPr lang="en-US" sz="2400" dirty="0">
+                    <a:solidFill>
+                      <a:schemeClr val="tx1"/>
+                    </a:solidFill>
+                    <a:latin typeface="Open Sans" panose="020B0606030504020204" pitchFamily="34" charset="0"/>
+                  </a:rPr>
+                  <a:t> be any arbitrary integer. </a:t>
+                </a:r>
+              </a:p>
+              <a:p>
+                <a:pPr marL="0" indent="0">
+                  <a:buNone/>
+                </a:pPr>
+                <a:r>
+                  <a:rPr lang="en-US" sz="2400" dirty="0">
+                    <a:solidFill>
+                      <a:schemeClr val="tx1"/>
+                    </a:solidFill>
+                    <a:latin typeface="Open Sans" panose="020B0606030504020204" pitchFamily="34" charset="0"/>
+                  </a:rPr>
+                  <a:t>Given the definition of even, we know </a:t>
+                </a:r>
+                <a14:m>
+                  <m:oMath xmlns:m="http://schemas.openxmlformats.org/officeDocument/2006/math">
+                    <m:r>
+                      <a:rPr lang="en-US" sz="2400" b="0" i="1" smtClean="0">
+                        <a:solidFill>
+                          <a:schemeClr val="tx1"/>
+                        </a:solidFill>
+                        <a:latin typeface="Cambria Math" panose="02040503050406030204" pitchFamily="18" charset="0"/>
+                      </a:rPr>
+                      <m:t>𝑛</m:t>
+                    </m:r>
+                    <m:r>
+                      <a:rPr lang="en-US" sz="2400" b="0" i="1" smtClean="0">
+                        <a:solidFill>
+                          <a:schemeClr val="tx1"/>
+                        </a:solidFill>
+                        <a:latin typeface="Cambria Math" panose="02040503050406030204" pitchFamily="18" charset="0"/>
+                      </a:rPr>
+                      <m:t>=2</m:t>
+                    </m:r>
+                    <m:r>
+                      <a:rPr lang="en-US" sz="2400" b="0" i="1" smtClean="0">
+                        <a:solidFill>
+                          <a:schemeClr val="tx1"/>
+                        </a:solidFill>
+                        <a:latin typeface="Cambria Math" panose="02040503050406030204" pitchFamily="18" charset="0"/>
+                      </a:rPr>
+                      <m:t>𝑘</m:t>
+                    </m:r>
+                  </m:oMath>
+                </a14:m>
+                <a:r>
+                  <a:rPr lang="en-US" sz="2400" dirty="0">
+                    <a:solidFill>
+                      <a:schemeClr val="tx1"/>
+                    </a:solidFill>
+                    <a:latin typeface="Open Sans" panose="020B0606030504020204" pitchFamily="34" charset="0"/>
+                  </a:rPr>
+                  <a:t> for some integer </a:t>
+                </a:r>
+                <a14:m>
+                  <m:oMath xmlns:m="http://schemas.openxmlformats.org/officeDocument/2006/math">
+                    <m:r>
+                      <a:rPr lang="en-US" sz="2400" b="0" i="1" smtClean="0">
+                        <a:solidFill>
+                          <a:schemeClr val="tx1"/>
+                        </a:solidFill>
+                        <a:latin typeface="Cambria Math" panose="02040503050406030204" pitchFamily="18" charset="0"/>
+                      </a:rPr>
+                      <m:t>𝑘</m:t>
+                    </m:r>
+                  </m:oMath>
+                </a14:m>
+                <a:r>
+                  <a:rPr lang="en-US" sz="2400" dirty="0">
+                    <a:solidFill>
+                      <a:schemeClr val="tx1"/>
+                    </a:solidFill>
+                    <a:latin typeface="Open Sans" panose="020B0606030504020204" pitchFamily="34" charset="0"/>
+                  </a:rPr>
+                  <a:t>.</a:t>
+                </a:r>
+              </a:p>
+              <a:p>
+                <a:pPr marL="0" indent="0">
+                  <a:buNone/>
+                </a:pPr>
+                <a:r>
+                  <a:rPr lang="en-US" sz="2400" dirty="0">
+                    <a:solidFill>
+                      <a:schemeClr val="tx1"/>
+                    </a:solidFill>
+                    <a:latin typeface="Open Sans" panose="020B0606030504020204" pitchFamily="34" charset="0"/>
+                  </a:rPr>
+                  <a:t>Therefore, </a:t>
+                </a:r>
+                <a14:m>
+                  <m:oMath xmlns:m="http://schemas.openxmlformats.org/officeDocument/2006/math">
+                    <m:sSup>
+                      <m:sSupPr>
+                        <m:ctrlPr>
+                          <a:rPr lang="en-US" sz="2400" b="0" i="1" smtClean="0">
+                            <a:solidFill>
+                              <a:schemeClr val="tx1"/>
+                            </a:solidFill>
+                            <a:latin typeface="Cambria Math" panose="02040503050406030204" pitchFamily="18" charset="0"/>
+                          </a:rPr>
+                        </m:ctrlPr>
+                      </m:sSupPr>
+                      <m:e>
+                        <m:r>
+                          <a:rPr lang="en-US" sz="2400" b="0" i="1" smtClean="0">
+                            <a:solidFill>
+                              <a:schemeClr val="tx1"/>
+                            </a:solidFill>
+                            <a:latin typeface="Cambria Math" panose="02040503050406030204" pitchFamily="18" charset="0"/>
+                          </a:rPr>
+                          <m:t>𝑛</m:t>
+                        </m:r>
+                      </m:e>
+                      <m:sup>
+                        <m:r>
+                          <a:rPr lang="en-US" sz="2400" b="0" i="1" smtClean="0">
+                            <a:solidFill>
+                              <a:schemeClr val="tx1"/>
+                            </a:solidFill>
+                            <a:latin typeface="Cambria Math" panose="02040503050406030204" pitchFamily="18" charset="0"/>
+                          </a:rPr>
+                          <m:t>2</m:t>
+                        </m:r>
+                      </m:sup>
+                    </m:sSup>
+                    <m:r>
+                      <a:rPr lang="en-US" sz="2400" b="0" i="1" smtClean="0">
+                        <a:solidFill>
+                          <a:schemeClr val="tx1"/>
+                        </a:solidFill>
+                        <a:latin typeface="Cambria Math" panose="02040503050406030204" pitchFamily="18" charset="0"/>
+                      </a:rPr>
+                      <m:t>=</m:t>
+                    </m:r>
+                    <m:sSup>
+                      <m:sSupPr>
+                        <m:ctrlPr>
+                          <a:rPr lang="en-US" sz="2400" b="0" i="1" smtClean="0">
+                            <a:solidFill>
+                              <a:schemeClr val="tx1"/>
+                            </a:solidFill>
+                            <a:latin typeface="Cambria Math" panose="02040503050406030204" pitchFamily="18" charset="0"/>
+                          </a:rPr>
+                        </m:ctrlPr>
+                      </m:sSupPr>
+                      <m:e>
+                        <m:d>
+                          <m:dPr>
+                            <m:ctrlPr>
+                              <a:rPr lang="en-US" sz="2400" b="0" i="1" smtClean="0">
+                                <a:solidFill>
+                                  <a:schemeClr val="tx1"/>
+                                </a:solidFill>
+                                <a:latin typeface="Cambria Math" panose="02040503050406030204" pitchFamily="18" charset="0"/>
+                              </a:rPr>
+                            </m:ctrlPr>
+                          </m:dPr>
+                          <m:e>
+                            <m:r>
+                              <a:rPr lang="en-US" sz="2400" b="0" i="1" smtClean="0">
+                                <a:solidFill>
+                                  <a:schemeClr val="tx1"/>
+                                </a:solidFill>
+                                <a:latin typeface="Cambria Math" panose="02040503050406030204" pitchFamily="18" charset="0"/>
+                              </a:rPr>
+                              <m:t>2</m:t>
+                            </m:r>
+                            <m:r>
+                              <a:rPr lang="en-US" sz="2400" b="0" i="1" smtClean="0">
+                                <a:solidFill>
+                                  <a:schemeClr val="tx1"/>
+                                </a:solidFill>
+                                <a:latin typeface="Cambria Math" panose="02040503050406030204" pitchFamily="18" charset="0"/>
+                              </a:rPr>
+                              <m:t>𝑘</m:t>
+                            </m:r>
+                          </m:e>
+                        </m:d>
+                      </m:e>
+                      <m:sup>
+                        <m:r>
+                          <a:rPr lang="en-US" sz="2400" b="0" i="1" smtClean="0">
+                            <a:solidFill>
+                              <a:schemeClr val="tx1"/>
+                            </a:solidFill>
+                            <a:latin typeface="Cambria Math" panose="02040503050406030204" pitchFamily="18" charset="0"/>
+                          </a:rPr>
+                          <m:t>2</m:t>
+                        </m:r>
+                      </m:sup>
+                    </m:sSup>
+                  </m:oMath>
+                </a14:m>
+                <a:r>
+                  <a:rPr lang="en-US" sz="2400" dirty="0">
+                    <a:solidFill>
+                      <a:schemeClr val="tx1"/>
+                    </a:solidFill>
+                    <a:latin typeface="Open Sans" panose="020B0606030504020204" pitchFamily="34" charset="0"/>
+                  </a:rPr>
+                  <a:t>. </a:t>
+                </a:r>
+              </a:p>
+              <a:p>
+                <a:pPr marL="0" indent="0">
+                  <a:buNone/>
+                </a:pPr>
+                <a:r>
+                  <a:rPr lang="en-US" sz="2400" dirty="0">
+                    <a:solidFill>
+                      <a:schemeClr val="tx1"/>
+                    </a:solidFill>
+                    <a:latin typeface="Open Sans" panose="020B0606030504020204" pitchFamily="34" charset="0"/>
+                  </a:rPr>
+                  <a:t>If we distribute the exponent, </a:t>
+                </a:r>
+                <a14:m>
+                  <m:oMath xmlns:m="http://schemas.openxmlformats.org/officeDocument/2006/math">
+                    <m:sSup>
+                      <m:sSupPr>
+                        <m:ctrlPr>
+                          <a:rPr lang="en-US" sz="2400" b="0" i="1" smtClean="0">
+                            <a:solidFill>
+                              <a:schemeClr val="tx1"/>
+                            </a:solidFill>
+                            <a:latin typeface="Cambria Math" panose="02040503050406030204" pitchFamily="18" charset="0"/>
+                          </a:rPr>
+                        </m:ctrlPr>
+                      </m:sSupPr>
+                      <m:e>
+                        <m:r>
+                          <a:rPr lang="en-US" sz="2400" b="0" i="1" smtClean="0">
+                            <a:solidFill>
+                              <a:schemeClr val="tx1"/>
+                            </a:solidFill>
+                            <a:latin typeface="Cambria Math" panose="02040503050406030204" pitchFamily="18" charset="0"/>
+                          </a:rPr>
+                          <m:t>𝑛</m:t>
+                        </m:r>
+                      </m:e>
+                      <m:sup>
+                        <m:r>
+                          <a:rPr lang="en-US" sz="2400" b="0" i="1" smtClean="0">
+                            <a:solidFill>
+                              <a:schemeClr val="tx1"/>
+                            </a:solidFill>
+                            <a:latin typeface="Cambria Math" panose="02040503050406030204" pitchFamily="18" charset="0"/>
+                          </a:rPr>
+                          <m:t>2</m:t>
+                        </m:r>
+                      </m:sup>
+                    </m:sSup>
+                    <m:r>
+                      <a:rPr lang="en-US" sz="2400" b="0" i="1" smtClean="0">
+                        <a:solidFill>
+                          <a:schemeClr val="tx1"/>
+                        </a:solidFill>
+                        <a:latin typeface="Cambria Math" panose="02040503050406030204" pitchFamily="18" charset="0"/>
+                      </a:rPr>
+                      <m:t>=4</m:t>
+                    </m:r>
+                    <m:sSup>
+                      <m:sSupPr>
+                        <m:ctrlPr>
+                          <a:rPr lang="en-US" sz="2400" b="0" i="1" smtClean="0">
+                            <a:solidFill>
+                              <a:schemeClr val="tx1"/>
+                            </a:solidFill>
+                            <a:latin typeface="Cambria Math" panose="02040503050406030204" pitchFamily="18" charset="0"/>
+                          </a:rPr>
+                        </m:ctrlPr>
+                      </m:sSupPr>
+                      <m:e>
+                        <m:r>
+                          <a:rPr lang="en-US" sz="2400" b="0" i="1" smtClean="0">
+                            <a:solidFill>
+                              <a:schemeClr val="tx1"/>
+                            </a:solidFill>
+                            <a:latin typeface="Cambria Math" panose="02040503050406030204" pitchFamily="18" charset="0"/>
+                          </a:rPr>
+                          <m:t>𝑘</m:t>
+                        </m:r>
+                      </m:e>
+                      <m:sup>
+                        <m:r>
+                          <a:rPr lang="en-US" sz="2400" b="0" i="1" smtClean="0">
+                            <a:solidFill>
+                              <a:schemeClr val="tx1"/>
+                            </a:solidFill>
+                            <a:latin typeface="Cambria Math" panose="02040503050406030204" pitchFamily="18" charset="0"/>
+                          </a:rPr>
+                          <m:t>2</m:t>
+                        </m:r>
+                      </m:sup>
+                    </m:sSup>
+                    <m:r>
+                      <a:rPr lang="en-US" sz="2400" b="0" i="0" smtClean="0">
+                        <a:solidFill>
+                          <a:schemeClr val="tx1"/>
+                        </a:solidFill>
+                        <a:latin typeface="Cambria Math" panose="02040503050406030204" pitchFamily="18" charset="0"/>
+                      </a:rPr>
+                      <m:t>=2(2</m:t>
+                    </m:r>
+                    <m:sSup>
+                      <m:sSupPr>
+                        <m:ctrlPr>
+                          <a:rPr lang="en-US" sz="2400" b="0" i="1" smtClean="0">
+                            <a:solidFill>
+                              <a:schemeClr val="tx1"/>
+                            </a:solidFill>
+                            <a:latin typeface="Cambria Math" panose="02040503050406030204" pitchFamily="18" charset="0"/>
+                          </a:rPr>
+                        </m:ctrlPr>
+                      </m:sSupPr>
+                      <m:e>
+                        <m:r>
+                          <m:rPr>
+                            <m:sty m:val="p"/>
+                          </m:rPr>
+                          <a:rPr lang="en-US" sz="2400" b="0" i="0" smtClean="0">
+                            <a:solidFill>
+                              <a:schemeClr val="tx1"/>
+                            </a:solidFill>
+                            <a:latin typeface="Cambria Math" panose="02040503050406030204" pitchFamily="18" charset="0"/>
+                          </a:rPr>
+                          <m:t>k</m:t>
+                        </m:r>
+                      </m:e>
+                      <m:sup>
+                        <m:r>
+                          <a:rPr lang="en-US" sz="2400" b="0" i="0" smtClean="0">
+                            <a:solidFill>
+                              <a:schemeClr val="tx1"/>
+                            </a:solidFill>
+                            <a:latin typeface="Cambria Math" panose="02040503050406030204" pitchFamily="18" charset="0"/>
+                          </a:rPr>
+                          <m:t>2</m:t>
+                        </m:r>
+                      </m:sup>
+                    </m:sSup>
+                    <m:r>
+                      <a:rPr lang="en-US" sz="2400" b="0" i="0" smtClean="0">
+                        <a:solidFill>
+                          <a:schemeClr val="tx1"/>
+                        </a:solidFill>
+                        <a:latin typeface="Cambria Math" panose="02040503050406030204" pitchFamily="18" charset="0"/>
+                      </a:rPr>
+                      <m:t>)</m:t>
+                    </m:r>
+                  </m:oMath>
+                </a14:m>
+                <a:r>
+                  <a:rPr lang="en-US" sz="2400" dirty="0">
+                    <a:solidFill>
+                      <a:schemeClr val="tx1"/>
+                    </a:solidFill>
+                    <a:latin typeface="Open Sans" panose="020B0606030504020204" pitchFamily="34" charset="0"/>
+                  </a:rPr>
+                  <a:t>. </a:t>
+                </a:r>
+              </a:p>
+              <a:p>
+                <a:pPr marL="0" indent="0">
+                  <a:buNone/>
+                </a:pPr>
+                <a:r>
+                  <a:rPr lang="en-US" sz="2400" dirty="0">
+                    <a:solidFill>
+                      <a:schemeClr val="tx1"/>
+                    </a:solidFill>
+                    <a:latin typeface="Open Sans" panose="020B0606030504020204" pitchFamily="34" charset="0"/>
+                  </a:rPr>
+                  <a:t>Because </a:t>
+                </a:r>
+                <a14:m>
+                  <m:oMath xmlns:m="http://schemas.openxmlformats.org/officeDocument/2006/math">
+                    <m:r>
+                      <a:rPr lang="en-US" sz="2400" b="0" i="1" smtClean="0">
+                        <a:solidFill>
+                          <a:schemeClr val="tx1"/>
+                        </a:solidFill>
+                        <a:latin typeface="Cambria Math" panose="02040503050406030204" pitchFamily="18" charset="0"/>
+                      </a:rPr>
+                      <m:t>2</m:t>
+                    </m:r>
+                    <m:sSup>
+                      <m:sSupPr>
+                        <m:ctrlPr>
+                          <a:rPr lang="en-US" sz="2400" b="0" i="1" smtClean="0">
+                            <a:solidFill>
+                              <a:schemeClr val="tx1"/>
+                            </a:solidFill>
+                            <a:latin typeface="Cambria Math" panose="02040503050406030204" pitchFamily="18" charset="0"/>
+                          </a:rPr>
+                        </m:ctrlPr>
+                      </m:sSupPr>
+                      <m:e>
+                        <m:r>
+                          <a:rPr lang="en-US" sz="2400" b="0" i="1" smtClean="0">
+                            <a:solidFill>
+                              <a:schemeClr val="tx1"/>
+                            </a:solidFill>
+                            <a:latin typeface="Cambria Math" panose="02040503050406030204" pitchFamily="18" charset="0"/>
+                          </a:rPr>
+                          <m:t>𝑘</m:t>
+                        </m:r>
+                      </m:e>
+                      <m:sup>
+                        <m:r>
+                          <a:rPr lang="en-US" sz="2400" b="0" i="1" smtClean="0">
+                            <a:solidFill>
+                              <a:schemeClr val="tx1"/>
+                            </a:solidFill>
+                            <a:latin typeface="Cambria Math" panose="02040503050406030204" pitchFamily="18" charset="0"/>
+                          </a:rPr>
+                          <m:t>2</m:t>
+                        </m:r>
+                      </m:sup>
+                    </m:sSup>
+                  </m:oMath>
+                </a14:m>
+                <a:r>
+                  <a:rPr lang="en-US" sz="2400" dirty="0">
+                    <a:solidFill>
+                      <a:schemeClr val="tx1"/>
+                    </a:solidFill>
+                    <a:latin typeface="Open Sans" panose="020B0606030504020204" pitchFamily="34" charset="0"/>
+                  </a:rPr>
+                  <a:t> is an integer, and it is multiplied by </a:t>
+                </a:r>
+                <a14:m>
+                  <m:oMath xmlns:m="http://schemas.openxmlformats.org/officeDocument/2006/math">
+                    <m:r>
+                      <a:rPr lang="en-US" sz="2400" b="0" i="1" smtClean="0">
+                        <a:solidFill>
+                          <a:schemeClr val="tx1"/>
+                        </a:solidFill>
+                        <a:latin typeface="Cambria Math" panose="02040503050406030204" pitchFamily="18" charset="0"/>
+                      </a:rPr>
+                      <m:t>2</m:t>
+                    </m:r>
+                  </m:oMath>
+                </a14:m>
+                <a:r>
+                  <a:rPr lang="en-US" sz="2400" dirty="0">
+                    <a:solidFill>
+                      <a:schemeClr val="tx1"/>
+                    </a:solidFill>
+                    <a:latin typeface="Open Sans" panose="020B0606030504020204" pitchFamily="34" charset="0"/>
+                  </a:rPr>
+                  <a:t>, we know that </a:t>
+                </a:r>
+                <a14:m>
+                  <m:oMath xmlns:m="http://schemas.openxmlformats.org/officeDocument/2006/math">
+                    <m:sSup>
+                      <m:sSupPr>
+                        <m:ctrlPr>
+                          <a:rPr lang="en-US" sz="2400" b="0" i="1" smtClean="0">
+                            <a:solidFill>
+                              <a:schemeClr val="tx1"/>
+                            </a:solidFill>
+                            <a:latin typeface="Cambria Math" panose="02040503050406030204" pitchFamily="18" charset="0"/>
+                          </a:rPr>
+                        </m:ctrlPr>
+                      </m:sSupPr>
+                      <m:e>
+                        <m:r>
+                          <a:rPr lang="en-US" sz="2400" b="0" i="1" smtClean="0">
+                            <a:solidFill>
+                              <a:schemeClr val="tx1"/>
+                            </a:solidFill>
+                            <a:latin typeface="Cambria Math" panose="02040503050406030204" pitchFamily="18" charset="0"/>
+                          </a:rPr>
+                          <m:t>𝑛</m:t>
+                        </m:r>
+                      </m:e>
+                      <m:sup>
+                        <m:r>
+                          <a:rPr lang="en-US" sz="2400" b="0" i="1" smtClean="0">
+                            <a:solidFill>
+                              <a:schemeClr val="tx1"/>
+                            </a:solidFill>
+                            <a:latin typeface="Cambria Math" panose="02040503050406030204" pitchFamily="18" charset="0"/>
+                          </a:rPr>
+                          <m:t>2</m:t>
+                        </m:r>
+                      </m:sup>
+                    </m:sSup>
+                  </m:oMath>
+                </a14:m>
+                <a:r>
+                  <a:rPr lang="en-US" sz="2400" dirty="0">
+                    <a:solidFill>
+                      <a:schemeClr val="tx1"/>
+                    </a:solidFill>
+                    <a:latin typeface="Open Sans" panose="020B0606030504020204" pitchFamily="34" charset="0"/>
+                  </a:rPr>
+                  <a:t> is even. // </a:t>
+                </a:r>
+              </a:p>
+              <a:p>
+                <a:pPr marL="0" indent="0">
+                  <a:buNone/>
+                </a:pPr>
+                <a:endParaRPr lang="en-US" sz="2400" dirty="0">
+                  <a:solidFill>
+                    <a:schemeClr val="tx1"/>
+                  </a:solidFill>
+                  <a:latin typeface="Open Sans" panose="020B0606030504020204" pitchFamily="34" charset="0"/>
+                </a:endParaRPr>
+              </a:p>
+              <a:p>
+                <a:pPr marL="0" indent="0">
+                  <a:buNone/>
+                </a:pPr>
+                <a:endParaRPr lang="en-US" sz="2400" dirty="0">
+                  <a:solidFill>
+                    <a:schemeClr val="tx1"/>
+                  </a:solidFill>
+                  <a:latin typeface="Open Sans" panose="020B0606030504020204" pitchFamily="34" charset="0"/>
+                </a:endParaRPr>
+              </a:p>
+              <a:p>
+                <a:pPr marL="0" indent="0">
+                  <a:buNone/>
+                </a:pPr>
+                <a:endParaRPr lang="en-US" sz="2400" dirty="0">
+                  <a:solidFill>
+                    <a:schemeClr val="tx1"/>
+                  </a:solidFill>
+                  <a:latin typeface="Open Sans" panose="020B0606030504020204" pitchFamily="34" charset="0"/>
+                </a:endParaRPr>
+              </a:p>
+            </p:txBody>
+          </p:sp>
+        </mc:Choice>
+        <mc:Fallback xmlns="">
+          <p:sp>
+            <p:nvSpPr>
+              <p:cNvPr id="9" name="Content Placeholder 2">
+                <a:extLst>
+                  <a:ext uri="{FF2B5EF4-FFF2-40B4-BE49-F238E27FC236}">
+                    <a16:creationId xmlns:a16="http://schemas.microsoft.com/office/drawing/2014/main" id="{7A564664-5749-10ED-21DE-F5BBF3D2E4F9}"/>
+                  </a:ext>
+                </a:extLst>
+              </p:cNvPr>
+              <p:cNvSpPr>
+                <a:spLocks noGrp="1" noRot="1" noChangeAspect="1" noMove="1" noResize="1" noEditPoints="1" noAdjustHandles="1" noChangeArrowheads="1" noChangeShapeType="1" noTextEdit="1"/>
+              </p:cNvSpPr>
+              <p:nvPr>
+                <p:ph idx="1"/>
+              </p:nvPr>
+            </p:nvSpPr>
+            <p:spPr>
+              <a:xfrm>
+                <a:off x="3515518" y="728420"/>
+                <a:ext cx="8423564" cy="6129580"/>
+              </a:xfrm>
+              <a:blipFill>
+                <a:blip r:embed="rId3"/>
+                <a:stretch>
+                  <a:fillRect l="-1053" t="-1449"/>
+                </a:stretch>
+              </a:blipFill>
+            </p:spPr>
+            <p:txBody>
+              <a:bodyPr/>
+              <a:lstStyle/>
+              <a:p>
+                <a:r>
+                  <a:rPr lang="en-US">
+                    <a:noFill/>
+                  </a:rPr>
+                  <a:t> </a:t>
+                </a:r>
+              </a:p>
+            </p:txBody>
+          </p:sp>
+        </mc:Fallback>
+      </mc:AlternateContent>
+      <p:sp>
+        <p:nvSpPr>
+          <p:cNvPr id="3" name="Rounded Rectangular Callout 2">
+            <a:extLst>
+              <a:ext uri="{FF2B5EF4-FFF2-40B4-BE49-F238E27FC236}">
+                <a16:creationId xmlns:a16="http://schemas.microsoft.com/office/drawing/2014/main" id="{F02C65DD-686A-270F-66B5-48434685B30C}"/>
+              </a:ext>
+            </a:extLst>
+          </p:cNvPr>
+          <p:cNvSpPr/>
+          <p:nvPr/>
+        </p:nvSpPr>
+        <p:spPr>
+          <a:xfrm>
+            <a:off x="7470183" y="1239864"/>
+            <a:ext cx="3502617" cy="805912"/>
+          </a:xfrm>
+          <a:prstGeom prst="wedgeRoundRectCallout">
+            <a:avLst>
+              <a:gd name="adj1" fmla="val -91783"/>
+              <a:gd name="adj2" fmla="val -51454"/>
+              <a:gd name="adj3" fmla="val 16667"/>
+            </a:avLst>
+          </a:prstGeom>
+        </p:spPr>
+        <p:style>
+          <a:lnRef idx="2">
+            <a:schemeClr val="accent3">
+              <a:shade val="15000"/>
+            </a:schemeClr>
+          </a:lnRef>
+          <a:fillRef idx="1">
+            <a:schemeClr val="accent3"/>
+          </a:fillRef>
+          <a:effectRef idx="0">
+            <a:schemeClr val="accent3"/>
+          </a:effectRef>
+          <a:fontRef idx="minor">
+            <a:schemeClr val="lt1"/>
+          </a:fontRef>
+        </p:style>
+        <p:txBody>
+          <a:bodyPr rtlCol="0" anchor="ctr"/>
+          <a:lstStyle/>
+          <a:p>
+            <a:pPr algn="ctr"/>
+            <a:r>
+              <a:rPr lang="en-US" sz="2400" dirty="0"/>
+              <a:t>Start by stating what you will show. </a:t>
+            </a:r>
+          </a:p>
+        </p:txBody>
+      </p:sp>
+      <p:sp>
+        <p:nvSpPr>
+          <p:cNvPr id="4" name="Rounded Rectangular Callout 3">
+            <a:extLst>
+              <a:ext uri="{FF2B5EF4-FFF2-40B4-BE49-F238E27FC236}">
+                <a16:creationId xmlns:a16="http://schemas.microsoft.com/office/drawing/2014/main" id="{98E517E4-1D38-CC49-6509-479E5327DAC5}"/>
+              </a:ext>
+            </a:extLst>
+          </p:cNvPr>
+          <p:cNvSpPr/>
+          <p:nvPr/>
+        </p:nvSpPr>
+        <p:spPr>
+          <a:xfrm>
+            <a:off x="8689383" y="5858359"/>
+            <a:ext cx="3502617" cy="805912"/>
+          </a:xfrm>
+          <a:prstGeom prst="wedgeRoundRectCallout">
+            <a:avLst>
+              <a:gd name="adj1" fmla="val 37863"/>
+              <a:gd name="adj2" fmla="val -341838"/>
+              <a:gd name="adj3" fmla="val 16667"/>
+            </a:avLst>
+          </a:prstGeom>
+        </p:spPr>
+        <p:style>
+          <a:lnRef idx="2">
+            <a:schemeClr val="accent3">
+              <a:shade val="15000"/>
+            </a:schemeClr>
+          </a:lnRef>
+          <a:fillRef idx="1">
+            <a:schemeClr val="accent3"/>
+          </a:fillRef>
+          <a:effectRef idx="0">
+            <a:schemeClr val="accent3"/>
+          </a:effectRef>
+          <a:fontRef idx="minor">
+            <a:schemeClr val="lt1"/>
+          </a:fontRef>
+        </p:style>
+        <p:txBody>
+          <a:bodyPr rtlCol="0" anchor="ctr"/>
+          <a:lstStyle/>
+          <a:p>
+            <a:pPr algn="ctr"/>
+            <a:r>
+              <a:rPr lang="en-US" sz="2400" dirty="0"/>
+              <a:t>Take SMALL, justified steps. </a:t>
+            </a:r>
+          </a:p>
+        </p:txBody>
+      </p:sp>
+      <p:sp>
+        <p:nvSpPr>
+          <p:cNvPr id="5" name="Right Brace 4">
+            <a:extLst>
+              <a:ext uri="{FF2B5EF4-FFF2-40B4-BE49-F238E27FC236}">
+                <a16:creationId xmlns:a16="http://schemas.microsoft.com/office/drawing/2014/main" id="{9CBA4471-AF9F-FD2A-C103-E9229B0B589B}"/>
+              </a:ext>
+            </a:extLst>
+          </p:cNvPr>
+          <p:cNvSpPr/>
+          <p:nvPr/>
+        </p:nvSpPr>
+        <p:spPr>
+          <a:xfrm>
+            <a:off x="11158780" y="2045776"/>
+            <a:ext cx="619932" cy="2898183"/>
+          </a:xfrm>
+          <a:prstGeom prst="rightBrace">
+            <a:avLst/>
+          </a:prstGeom>
+          <a:ln w="76200"/>
+        </p:spPr>
+        <p:style>
+          <a:lnRef idx="1">
+            <a:schemeClr val="accent1"/>
+          </a:lnRef>
+          <a:fillRef idx="0">
+            <a:schemeClr val="accent1"/>
+          </a:fillRef>
+          <a:effectRef idx="0">
+            <a:schemeClr val="accent1"/>
+          </a:effectRef>
+          <a:fontRef idx="minor">
+            <a:schemeClr val="tx1"/>
+          </a:fontRef>
+        </p:style>
+        <p:txBody>
+          <a:bodyPr rtlCol="0" anchor="ctr"/>
+          <a:lstStyle/>
+          <a:p>
+            <a:pPr algn="ctr"/>
+            <a:endParaRPr lang="en-US"/>
+          </a:p>
+        </p:txBody>
+      </p:sp>
       <p:sp>
         <p:nvSpPr>
           <p:cNvPr id="6" name="Rounded Rectangular Callout 5">
@@ -9258,7 +10055,7 @@
 </p:sld>
 </file>
 
-<file path=ppt/slides/slide13.xml><?xml version="1.0" encoding="utf-8"?>
+<file path=ppt/slides/slide14.xml><?xml version="1.0" encoding="utf-8"?>
 <p:sld xmlns:a="http://schemas.openxmlformats.org/drawingml/2006/main" xmlns:r="http://schemas.openxmlformats.org/officeDocument/2006/relationships" xmlns:p="http://schemas.openxmlformats.org/presentationml/2006/main">
   <p:cSld>
     <p:spTree>
@@ -9297,8 +10094,8 @@
           </a:p>
         </p:txBody>
       </p:sp>
-      <mc:AlternateContent xmlns:mc="http://schemas.openxmlformats.org/markup-compatibility/2006">
-        <mc:Choice xmlns:a14="http://schemas.microsoft.com/office/drawing/2010/main" Requires="a14">
+      <mc:AlternateContent xmlns:mc="http://schemas.openxmlformats.org/markup-compatibility/2006" xmlns:a14="http://schemas.microsoft.com/office/drawing/2010/main">
+        <mc:Choice Requires="a14">
           <p:sp>
             <p:nvSpPr>
               <p:cNvPr id="9" name="Content Placeholder 2">
@@ -9503,7 +10300,7 @@
             </p:txBody>
           </p:sp>
         </mc:Choice>
-        <mc:Fallback>
+        <mc:Fallback xmlns="">
           <p:sp>
             <p:nvSpPr>
               <p:cNvPr id="9" name="Content Placeholder 2">
@@ -9560,7 +10357,7 @@
 </p:sld>
 </file>
 
-<file path=ppt/slides/slide14.xml><?xml version="1.0" encoding="utf-8"?>
+<file path=ppt/slides/slide15.xml><?xml version="1.0" encoding="utf-8"?>
 <p:sld xmlns:a="http://schemas.openxmlformats.org/drawingml/2006/main" xmlns:r="http://schemas.openxmlformats.org/officeDocument/2006/relationships" xmlns:p="http://schemas.openxmlformats.org/presentationml/2006/main">
   <p:cSld>
     <p:spTree>
@@ -9599,8 +10396,8 @@
           </a:p>
         </p:txBody>
       </p:sp>
-      <mc:AlternateContent xmlns:mc="http://schemas.openxmlformats.org/markup-compatibility/2006">
-        <mc:Choice xmlns:a14="http://schemas.microsoft.com/office/drawing/2010/main" Requires="a14">
+      <mc:AlternateContent xmlns:mc="http://schemas.openxmlformats.org/markup-compatibility/2006" xmlns:a14="http://schemas.microsoft.com/office/drawing/2010/main">
+        <mc:Choice Requires="a14">
           <p:sp>
             <p:nvSpPr>
               <p:cNvPr id="9" name="Content Placeholder 2">
@@ -9805,7 +10602,7 @@
             </p:txBody>
           </p:sp>
         </mc:Choice>
-        <mc:Fallback>
+        <mc:Fallback xmlns="">
           <p:sp>
             <p:nvSpPr>
               <p:cNvPr id="9" name="Content Placeholder 2">
@@ -9849,8 +10646,8 @@
           </p:sp>
         </mc:Fallback>
       </mc:AlternateContent>
-      <mc:AlternateContent xmlns:mc="http://schemas.openxmlformats.org/markup-compatibility/2006">
-        <mc:Choice xmlns:a14="http://schemas.microsoft.com/office/drawing/2010/main" Requires="a14">
+      <mc:AlternateContent xmlns:mc="http://schemas.openxmlformats.org/markup-compatibility/2006" xmlns:a14="http://schemas.microsoft.com/office/drawing/2010/main">
+        <mc:Choice Requires="a14">
           <p:sp>
             <p:nvSpPr>
               <p:cNvPr id="3" name="Rounded Rectangle 2">
@@ -9967,7 +10764,7 @@
             </p:txBody>
           </p:sp>
         </mc:Choice>
-        <mc:Fallback>
+        <mc:Fallback xmlns="">
           <p:sp>
             <p:nvSpPr>
               <p:cNvPr id="3" name="Rounded Rectangle 2">
@@ -10025,7 +10822,7 @@
 </p:sld>
 </file>
 
-<file path=ppt/slides/slide15.xml><?xml version="1.0" encoding="utf-8"?>
+<file path=ppt/slides/slide16.xml><?xml version="1.0" encoding="utf-8"?>
 <p:sld xmlns:a="http://schemas.openxmlformats.org/drawingml/2006/main" xmlns:r="http://schemas.openxmlformats.org/officeDocument/2006/relationships" xmlns:p="http://schemas.openxmlformats.org/presentationml/2006/main">
   <p:cSld>
     <p:spTree>
@@ -10064,8 +10861,8 @@
           </a:p>
         </p:txBody>
       </p:sp>
-      <mc:AlternateContent xmlns:mc="http://schemas.openxmlformats.org/markup-compatibility/2006">
-        <mc:Choice xmlns:a14="http://schemas.microsoft.com/office/drawing/2010/main" Requires="a14">
+      <mc:AlternateContent xmlns:mc="http://schemas.openxmlformats.org/markup-compatibility/2006" xmlns:a14="http://schemas.microsoft.com/office/drawing/2010/main">
+        <mc:Choice Requires="a14">
           <p:sp>
             <p:nvSpPr>
               <p:cNvPr id="9" name="Content Placeholder 2">
@@ -10270,7 +11067,7 @@
             </p:txBody>
           </p:sp>
         </mc:Choice>
-        <mc:Fallback>
+        <mc:Fallback xmlns="">
           <p:sp>
             <p:nvSpPr>
               <p:cNvPr id="9" name="Content Placeholder 2">
@@ -10314,8 +11111,8 @@
           </p:sp>
         </mc:Fallback>
       </mc:AlternateContent>
-      <mc:AlternateContent xmlns:mc="http://schemas.openxmlformats.org/markup-compatibility/2006">
-        <mc:Choice xmlns:a14="http://schemas.microsoft.com/office/drawing/2010/main" Requires="a14">
+      <mc:AlternateContent xmlns:mc="http://schemas.openxmlformats.org/markup-compatibility/2006" xmlns:a14="http://schemas.microsoft.com/office/drawing/2010/main">
+        <mc:Choice Requires="a14">
           <p:sp>
             <p:nvSpPr>
               <p:cNvPr id="3" name="Rounded Rectangle 2">
@@ -10426,7 +11223,7 @@
             </p:txBody>
           </p:sp>
         </mc:Choice>
-        <mc:Fallback>
+        <mc:Fallback xmlns="">
           <p:sp>
             <p:nvSpPr>
               <p:cNvPr id="3" name="Rounded Rectangle 2">
@@ -10484,7 +11281,7 @@
 </p:sld>
 </file>
 
-<file path=ppt/slides/slide16.xml><?xml version="1.0" encoding="utf-8"?>
+<file path=ppt/slides/slide17.xml><?xml version="1.0" encoding="utf-8"?>
 <p:sld xmlns:a="http://schemas.openxmlformats.org/drawingml/2006/main" xmlns:r="http://schemas.openxmlformats.org/officeDocument/2006/relationships" xmlns:p="http://schemas.openxmlformats.org/presentationml/2006/main">
   <p:cSld>
     <p:spTree>
@@ -10523,8 +11320,8 @@
           </a:p>
         </p:txBody>
       </p:sp>
-      <mc:AlternateContent xmlns:mc="http://schemas.openxmlformats.org/markup-compatibility/2006">
-        <mc:Choice xmlns:a14="http://schemas.microsoft.com/office/drawing/2010/main" Requires="a14">
+      <mc:AlternateContent xmlns:mc="http://schemas.openxmlformats.org/markup-compatibility/2006" xmlns:a14="http://schemas.microsoft.com/office/drawing/2010/main">
+        <mc:Choice Requires="a14">
           <p:sp>
             <p:nvSpPr>
               <p:cNvPr id="9" name="Content Placeholder 2">
@@ -10729,7 +11526,7 @@
             </p:txBody>
           </p:sp>
         </mc:Choice>
-        <mc:Fallback>
+        <mc:Fallback xmlns="">
           <p:sp>
             <p:nvSpPr>
               <p:cNvPr id="9" name="Content Placeholder 2">
@@ -10773,8 +11570,8 @@
           </p:sp>
         </mc:Fallback>
       </mc:AlternateContent>
-      <mc:AlternateContent xmlns:mc="http://schemas.openxmlformats.org/markup-compatibility/2006">
-        <mc:Choice xmlns:a14="http://schemas.microsoft.com/office/drawing/2010/main" Requires="a14">
+      <mc:AlternateContent xmlns:mc="http://schemas.openxmlformats.org/markup-compatibility/2006" xmlns:a14="http://schemas.microsoft.com/office/drawing/2010/main">
+        <mc:Choice Requires="a14">
           <p:sp>
             <p:nvSpPr>
               <p:cNvPr id="3" name="Rounded Rectangle 2">
@@ -10906,7 +11703,7 @@
             </p:txBody>
           </p:sp>
         </mc:Choice>
-        <mc:Fallback>
+        <mc:Fallback xmlns="">
           <p:sp>
             <p:nvSpPr>
               <p:cNvPr id="3" name="Rounded Rectangle 2">
@@ -10964,7 +11761,7 @@
 </p:sld>
 </file>
 
-<file path=ppt/slides/slide17.xml><?xml version="1.0" encoding="utf-8"?>
+<file path=ppt/slides/slide18.xml><?xml version="1.0" encoding="utf-8"?>
 <p:sld xmlns:a="http://schemas.openxmlformats.org/drawingml/2006/main" xmlns:r="http://schemas.openxmlformats.org/officeDocument/2006/relationships" xmlns:p="http://schemas.openxmlformats.org/presentationml/2006/main">
   <p:cSld>
     <p:spTree>
@@ -11003,8 +11800,8 @@
           </a:p>
         </p:txBody>
       </p:sp>
-      <mc:AlternateContent xmlns:mc="http://schemas.openxmlformats.org/markup-compatibility/2006">
-        <mc:Choice xmlns:a14="http://schemas.microsoft.com/office/drawing/2010/main" Requires="a14">
+      <mc:AlternateContent xmlns:mc="http://schemas.openxmlformats.org/markup-compatibility/2006" xmlns:a14="http://schemas.microsoft.com/office/drawing/2010/main">
+        <mc:Choice Requires="a14">
           <p:sp>
             <p:nvSpPr>
               <p:cNvPr id="9" name="Content Placeholder 2">
@@ -11209,7 +12006,7 @@
             </p:txBody>
           </p:sp>
         </mc:Choice>
-        <mc:Fallback>
+        <mc:Fallback xmlns="">
           <p:sp>
             <p:nvSpPr>
               <p:cNvPr id="9" name="Content Placeholder 2">
@@ -11253,8 +12050,8 @@
           </p:sp>
         </mc:Fallback>
       </mc:AlternateContent>
-      <mc:AlternateContent xmlns:mc="http://schemas.openxmlformats.org/markup-compatibility/2006">
-        <mc:Choice xmlns:a14="http://schemas.microsoft.com/office/drawing/2010/main" Requires="a14">
+      <mc:AlternateContent xmlns:mc="http://schemas.openxmlformats.org/markup-compatibility/2006" xmlns:a14="http://schemas.microsoft.com/office/drawing/2010/main">
+        <mc:Choice Requires="a14">
           <p:sp>
             <p:nvSpPr>
               <p:cNvPr id="3" name="Rounded Rectangle 2">
@@ -11472,7 +12269,7 @@
             </p:txBody>
           </p:sp>
         </mc:Choice>
-        <mc:Fallback>
+        <mc:Fallback xmlns="">
           <p:sp>
             <p:nvSpPr>
               <p:cNvPr id="3" name="Rounded Rectangle 2">
@@ -11530,7 +12327,7 @@
 </p:sld>
 </file>
 
-<file path=ppt/slides/slide18.xml><?xml version="1.0" encoding="utf-8"?>
+<file path=ppt/slides/slide19.xml><?xml version="1.0" encoding="utf-8"?>
 <p:sld xmlns:a="http://schemas.openxmlformats.org/drawingml/2006/main" xmlns:r="http://schemas.openxmlformats.org/officeDocument/2006/relationships" xmlns:p="http://schemas.openxmlformats.org/presentationml/2006/main">
   <p:cSld>
     <p:spTree>
@@ -11569,8 +12366,8 @@
           </a:p>
         </p:txBody>
       </p:sp>
-      <mc:AlternateContent xmlns:mc="http://schemas.openxmlformats.org/markup-compatibility/2006">
-        <mc:Choice xmlns:a14="http://schemas.microsoft.com/office/drawing/2010/main" Requires="a14">
+      <mc:AlternateContent xmlns:mc="http://schemas.openxmlformats.org/markup-compatibility/2006" xmlns:a14="http://schemas.microsoft.com/office/drawing/2010/main">
+        <mc:Choice Requires="a14">
           <p:sp>
             <p:nvSpPr>
               <p:cNvPr id="9" name="Content Placeholder 2">
@@ -11775,7 +12572,7 @@
             </p:txBody>
           </p:sp>
         </mc:Choice>
-        <mc:Fallback>
+        <mc:Fallback xmlns="">
           <p:sp>
             <p:nvSpPr>
               <p:cNvPr id="9" name="Content Placeholder 2">
@@ -11819,8 +12616,8 @@
           </p:sp>
         </mc:Fallback>
       </mc:AlternateContent>
-      <mc:AlternateContent xmlns:mc="http://schemas.openxmlformats.org/markup-compatibility/2006">
-        <mc:Choice xmlns:a14="http://schemas.microsoft.com/office/drawing/2010/main" Requires="a14">
+      <mc:AlternateContent xmlns:mc="http://schemas.openxmlformats.org/markup-compatibility/2006" xmlns:a14="http://schemas.microsoft.com/office/drawing/2010/main">
+        <mc:Choice Requires="a14">
           <p:sp>
             <p:nvSpPr>
               <p:cNvPr id="3" name="Rounded Rectangle 2">
@@ -11953,7 +12750,7 @@
             </p:txBody>
           </p:sp>
         </mc:Choice>
-        <mc:Fallback>
+        <mc:Fallback xmlns="">
           <p:sp>
             <p:nvSpPr>
               <p:cNvPr id="3" name="Rounded Rectangle 2">
@@ -12002,526 +12799,6 @@
     <p:extLst>
       <p:ext uri="{BB962C8B-B14F-4D97-AF65-F5344CB8AC3E}">
         <p14:creationId xmlns:p14="http://schemas.microsoft.com/office/powerpoint/2010/main" val="67359730"/>
-      </p:ext>
-    </p:extLst>
-  </p:cSld>
-  <p:clrMapOvr>
-    <a:masterClrMapping/>
-  </p:clrMapOvr>
-</p:sld>
-</file>
-
-<file path=ppt/slides/slide19.xml><?xml version="1.0" encoding="utf-8"?>
-<p:sld xmlns:a="http://schemas.openxmlformats.org/drawingml/2006/main" xmlns:r="http://schemas.openxmlformats.org/officeDocument/2006/relationships" xmlns:p="http://schemas.openxmlformats.org/presentationml/2006/main">
-  <p:cSld>
-    <p:spTree>
-      <p:nvGrpSpPr>
-        <p:cNvPr id="1" name=""/>
-        <p:cNvGrpSpPr/>
-        <p:nvPr/>
-      </p:nvGrpSpPr>
-      <p:grpSpPr>
-        <a:xfrm>
-          <a:off x="0" y="0"/>
-          <a:ext cx="0" cy="0"/>
-          <a:chOff x="0" y="0"/>
-          <a:chExt cx="0" cy="0"/>
-        </a:xfrm>
-      </p:grpSpPr>
-      <p:sp>
-        <p:nvSpPr>
-          <p:cNvPr id="2" name="Title 1"/>
-          <p:cNvSpPr>
-            <a:spLocks noGrp="1"/>
-          </p:cNvSpPr>
-          <p:nvPr>
-            <p:ph type="title"/>
-          </p:nvPr>
-        </p:nvSpPr>
-        <p:spPr/>
-        <p:txBody>
-          <a:bodyPr/>
-          <a:lstStyle/>
-          <a:p>
-            <a:r>
-              <a:rPr lang="en-US" dirty="0"/>
-              <a:t>Proof by Contrapositive</a:t>
-            </a:r>
-          </a:p>
-        </p:txBody>
-      </p:sp>
-      <mc:AlternateContent xmlns:mc="http://schemas.openxmlformats.org/markup-compatibility/2006">
-        <mc:Choice xmlns:a14="http://schemas.microsoft.com/office/drawing/2010/main" Requires="a14">
-          <p:sp>
-            <p:nvSpPr>
-              <p:cNvPr id="9" name="Content Placeholder 2">
-                <a:extLst>
-                  <a:ext uri="{FF2B5EF4-FFF2-40B4-BE49-F238E27FC236}">
-                    <a16:creationId xmlns:a16="http://schemas.microsoft.com/office/drawing/2014/main" id="{7A564664-5749-10ED-21DE-F5BBF3D2E4F9}"/>
-                  </a:ext>
-                </a:extLst>
-              </p:cNvPr>
-              <p:cNvSpPr>
-                <a:spLocks noGrp="1"/>
-              </p:cNvSpPr>
-              <p:nvPr>
-                <p:ph idx="1"/>
-              </p:nvPr>
-            </p:nvSpPr>
-            <p:spPr>
-              <a:xfrm>
-                <a:off x="3515518" y="728420"/>
-                <a:ext cx="8423564" cy="6129580"/>
-              </a:xfrm>
-            </p:spPr>
-            <p:txBody>
-              <a:bodyPr anchor="t">
-                <a:normAutofit/>
-              </a:bodyPr>
-              <a:lstStyle/>
-              <a:p>
-                <a:pPr marL="0" indent="0">
-                  <a:buNone/>
-                </a:pPr>
-                <a:r>
-                  <a:rPr lang="en-US" sz="2400" dirty="0">
-                    <a:solidFill>
-                      <a:schemeClr val="tx1"/>
-                    </a:solidFill>
-                    <a:latin typeface="Open Sans" panose="020B0606030504020204" pitchFamily="34" charset="0"/>
-                  </a:rPr>
-                  <a:t>Recall that an implication (</a:t>
-                </a:r>
-                <a14:m>
-                  <m:oMath xmlns:m="http://schemas.openxmlformats.org/officeDocument/2006/math">
-                    <m:r>
-                      <a:rPr lang="en-US" sz="2400" b="0" i="1" smtClean="0">
-                        <a:solidFill>
-                          <a:schemeClr val="tx1"/>
-                        </a:solidFill>
-                        <a:latin typeface="Cambria Math" panose="02040503050406030204" pitchFamily="18" charset="0"/>
-                      </a:rPr>
-                      <m:t>𝑃</m:t>
-                    </m:r>
-                    <m:r>
-                      <a:rPr lang="en-US" sz="2400" b="0" i="1" smtClean="0">
-                        <a:solidFill>
-                          <a:schemeClr val="tx1"/>
-                        </a:solidFill>
-                        <a:latin typeface="Cambria Math" panose="02040503050406030204" pitchFamily="18" charset="0"/>
-                      </a:rPr>
-                      <m:t>→</m:t>
-                    </m:r>
-                    <m:r>
-                      <a:rPr lang="en-US" sz="2400" b="0" i="1" smtClean="0">
-                        <a:solidFill>
-                          <a:schemeClr val="tx1"/>
-                        </a:solidFill>
-                        <a:latin typeface="Cambria Math" panose="02040503050406030204" pitchFamily="18" charset="0"/>
-                      </a:rPr>
-                      <m:t>𝑄</m:t>
-                    </m:r>
-                  </m:oMath>
-                </a14:m>
-                <a:r>
-                  <a:rPr lang="en-US" sz="2400" dirty="0">
-                    <a:solidFill>
-                      <a:schemeClr val="tx1"/>
-                    </a:solidFill>
-                    <a:latin typeface="Open Sans" panose="020B0606030504020204" pitchFamily="34" charset="0"/>
-                  </a:rPr>
-                  <a:t>) and its contrapositive (</a:t>
-                </a:r>
-                <a14:m>
-                  <m:oMath xmlns:m="http://schemas.openxmlformats.org/officeDocument/2006/math">
-                    <m:r>
-                      <a:rPr lang="en-US" sz="2400" i="1" smtClean="0">
-                        <a:solidFill>
-                          <a:schemeClr val="tx1"/>
-                        </a:solidFill>
-                        <a:latin typeface="Cambria Math" panose="02040503050406030204" pitchFamily="18" charset="0"/>
-                        <a:ea typeface="Cambria Math" panose="02040503050406030204" pitchFamily="18" charset="0"/>
-                      </a:rPr>
-                      <m:t>¬</m:t>
-                    </m:r>
-                    <m:r>
-                      <a:rPr lang="en-US" sz="2400" b="0" i="1" smtClean="0">
-                        <a:solidFill>
-                          <a:schemeClr val="tx1"/>
-                        </a:solidFill>
-                        <a:latin typeface="Cambria Math" panose="02040503050406030204" pitchFamily="18" charset="0"/>
-                        <a:ea typeface="Cambria Math" panose="02040503050406030204" pitchFamily="18" charset="0"/>
-                      </a:rPr>
-                      <m:t>𝑄</m:t>
-                    </m:r>
-                    <m:r>
-                      <a:rPr lang="en-US" sz="2400" b="0" i="1" smtClean="0">
-                        <a:solidFill>
-                          <a:schemeClr val="tx1"/>
-                        </a:solidFill>
-                        <a:latin typeface="Cambria Math" panose="02040503050406030204" pitchFamily="18" charset="0"/>
-                        <a:ea typeface="Cambria Math" panose="02040503050406030204" pitchFamily="18" charset="0"/>
-                      </a:rPr>
-                      <m:t>→¬</m:t>
-                    </m:r>
-                    <m:r>
-                      <a:rPr lang="en-US" sz="2400" b="0" i="1" smtClean="0">
-                        <a:solidFill>
-                          <a:schemeClr val="tx1"/>
-                        </a:solidFill>
-                        <a:latin typeface="Cambria Math" panose="02040503050406030204" pitchFamily="18" charset="0"/>
-                        <a:ea typeface="Cambria Math" panose="02040503050406030204" pitchFamily="18" charset="0"/>
-                      </a:rPr>
-                      <m:t>𝑃</m:t>
-                    </m:r>
-                  </m:oMath>
-                </a14:m>
-                <a:r>
-                  <a:rPr lang="en-US" sz="2400" dirty="0">
-                    <a:solidFill>
-                      <a:schemeClr val="tx1"/>
-                    </a:solidFill>
-                    <a:latin typeface="Open Sans" panose="020B0606030504020204" pitchFamily="34" charset="0"/>
-                  </a:rPr>
-                  <a:t>) are logically equivalent. </a:t>
-                </a:r>
-              </a:p>
-              <a:p>
-                <a:pPr marL="0" indent="0">
-                  <a:buNone/>
-                </a:pPr>
-                <a:endParaRPr lang="en-US" sz="2400" dirty="0">
-                  <a:solidFill>
-                    <a:schemeClr val="tx1"/>
-                  </a:solidFill>
-                  <a:latin typeface="Open Sans" panose="020B0606030504020204" pitchFamily="34" charset="0"/>
-                </a:endParaRPr>
-              </a:p>
-              <a:p>
-                <a:pPr marL="0" indent="0">
-                  <a:buNone/>
-                </a:pPr>
-                <a:r>
-                  <a:rPr lang="en-US" sz="2400" dirty="0">
-                    <a:solidFill>
-                      <a:schemeClr val="tx1"/>
-                    </a:solidFill>
-                    <a:latin typeface="Open Sans" panose="020B0606030504020204" pitchFamily="34" charset="0"/>
-                  </a:rPr>
-                  <a:t>This means we can prove the contrapositive of an implication to prove the implication itself. </a:t>
-                </a:r>
-              </a:p>
-              <a:p>
-                <a:pPr marL="0" indent="0">
-                  <a:buNone/>
-                </a:pPr>
-                <a:endParaRPr lang="en-US" sz="2400" dirty="0">
-                  <a:solidFill>
-                    <a:schemeClr val="tx1"/>
-                  </a:solidFill>
-                  <a:latin typeface="Open Sans" panose="020B0606030504020204" pitchFamily="34" charset="0"/>
-                </a:endParaRPr>
-              </a:p>
-              <a:p>
-                <a:pPr marL="0" indent="0">
-                  <a:buNone/>
-                </a:pPr>
-                <a:r>
-                  <a:rPr lang="en-US" sz="2400" dirty="0">
-                    <a:solidFill>
-                      <a:schemeClr val="tx1"/>
-                    </a:solidFill>
-                    <a:latin typeface="Open Sans" panose="020B0606030504020204" pitchFamily="34" charset="0"/>
-                  </a:rPr>
-                  <a:t>To prove </a:t>
-                </a:r>
-                <a14:m>
-                  <m:oMath xmlns:m="http://schemas.openxmlformats.org/officeDocument/2006/math">
-                    <m:r>
-                      <a:rPr lang="en-US" sz="2400" b="0" i="1" smtClean="0">
-                        <a:solidFill>
-                          <a:schemeClr val="tx1"/>
-                        </a:solidFill>
-                        <a:latin typeface="Cambria Math" panose="02040503050406030204" pitchFamily="18" charset="0"/>
-                      </a:rPr>
-                      <m:t>𝑃</m:t>
-                    </m:r>
-                    <m:r>
-                      <a:rPr lang="en-US" sz="2400" b="0" i="1" smtClean="0">
-                        <a:solidFill>
-                          <a:schemeClr val="tx1"/>
-                        </a:solidFill>
-                        <a:latin typeface="Cambria Math" panose="02040503050406030204" pitchFamily="18" charset="0"/>
-                      </a:rPr>
-                      <m:t>→</m:t>
-                    </m:r>
-                    <m:r>
-                      <a:rPr lang="en-US" sz="2400" b="0" i="1" smtClean="0">
-                        <a:solidFill>
-                          <a:schemeClr val="tx1"/>
-                        </a:solidFill>
-                        <a:latin typeface="Cambria Math" panose="02040503050406030204" pitchFamily="18" charset="0"/>
-                      </a:rPr>
-                      <m:t>𝑄</m:t>
-                    </m:r>
-                  </m:oMath>
-                </a14:m>
-                <a:r>
-                  <a:rPr lang="en-US" sz="2400" dirty="0">
-                    <a:solidFill>
-                      <a:schemeClr val="tx1"/>
-                    </a:solidFill>
-                    <a:latin typeface="Open Sans" panose="020B0606030504020204" pitchFamily="34" charset="0"/>
-                  </a:rPr>
-                  <a:t>, we will </a:t>
-                </a:r>
-              </a:p>
-              <a:p>
-                <a:pPr marL="960120" lvl="1" indent="-457200">
-                  <a:buFont typeface="+mj-lt"/>
-                  <a:buAutoNum type="arabicPeriod"/>
-                </a:pPr>
-                <a:r>
-                  <a:rPr lang="en-US" sz="2200" dirty="0">
-                    <a:solidFill>
-                      <a:schemeClr val="tx1"/>
-                    </a:solidFill>
-                    <a:latin typeface="Open Sans" panose="020B0606030504020204" pitchFamily="34" charset="0"/>
-                  </a:rPr>
-                  <a:t>Prove the contrapositive </a:t>
-                </a:r>
-                <a:r>
-                  <a:rPr lang="en-US" sz="2000" dirty="0">
-                    <a:solidFill>
-                      <a:schemeClr val="tx1"/>
-                    </a:solidFill>
-                    <a:latin typeface="Open Sans" panose="020B0606030504020204" pitchFamily="34" charset="0"/>
-                  </a:rPr>
-                  <a:t>(</a:t>
-                </a:r>
-                <a14:m>
-                  <m:oMath xmlns:m="http://schemas.openxmlformats.org/officeDocument/2006/math">
-                    <m:r>
-                      <a:rPr lang="en-US" sz="2000" i="1" smtClean="0">
-                        <a:solidFill>
-                          <a:schemeClr val="tx1"/>
-                        </a:solidFill>
-                        <a:latin typeface="Cambria Math" panose="02040503050406030204" pitchFamily="18" charset="0"/>
-                        <a:ea typeface="Cambria Math" panose="02040503050406030204" pitchFamily="18" charset="0"/>
-                      </a:rPr>
-                      <m:t>¬</m:t>
-                    </m:r>
-                    <m:r>
-                      <a:rPr lang="en-US" sz="2000" b="0" i="1" smtClean="0">
-                        <a:solidFill>
-                          <a:schemeClr val="tx1"/>
-                        </a:solidFill>
-                        <a:latin typeface="Cambria Math" panose="02040503050406030204" pitchFamily="18" charset="0"/>
-                        <a:ea typeface="Cambria Math" panose="02040503050406030204" pitchFamily="18" charset="0"/>
-                      </a:rPr>
-                      <m:t>𝑄</m:t>
-                    </m:r>
-                    <m:r>
-                      <a:rPr lang="en-US" sz="2000" b="0" i="1" smtClean="0">
-                        <a:solidFill>
-                          <a:schemeClr val="tx1"/>
-                        </a:solidFill>
-                        <a:latin typeface="Cambria Math" panose="02040503050406030204" pitchFamily="18" charset="0"/>
-                        <a:ea typeface="Cambria Math" panose="02040503050406030204" pitchFamily="18" charset="0"/>
-                      </a:rPr>
-                      <m:t>→¬</m:t>
-                    </m:r>
-                    <m:r>
-                      <a:rPr lang="en-US" sz="2000" b="0" i="1" smtClean="0">
-                        <a:solidFill>
-                          <a:schemeClr val="tx1"/>
-                        </a:solidFill>
-                        <a:latin typeface="Cambria Math" panose="02040503050406030204" pitchFamily="18" charset="0"/>
-                        <a:ea typeface="Cambria Math" panose="02040503050406030204" pitchFamily="18" charset="0"/>
-                      </a:rPr>
-                      <m:t>𝑃</m:t>
-                    </m:r>
-                  </m:oMath>
-                </a14:m>
-                <a:r>
-                  <a:rPr lang="en-US" sz="2200" dirty="0">
-                    <a:solidFill>
-                      <a:schemeClr val="tx1"/>
-                    </a:solidFill>
-                    <a:latin typeface="Open Sans" panose="020B0606030504020204" pitchFamily="34" charset="0"/>
-                  </a:rPr>
-                  <a:t>)</a:t>
-                </a:r>
-              </a:p>
-              <a:p>
-                <a:pPr marL="1417320" lvl="2" indent="-457200">
-                  <a:buFont typeface="+mj-lt"/>
-                  <a:buAutoNum type="arabicPeriod"/>
-                </a:pPr>
-                <a:r>
-                  <a:rPr lang="en-US" sz="2000" dirty="0">
-                    <a:solidFill>
-                      <a:schemeClr val="tx1"/>
-                    </a:solidFill>
-                    <a:latin typeface="Open Sans" panose="020B0606030504020204" pitchFamily="34" charset="0"/>
-                  </a:rPr>
-                  <a:t>Assume </a:t>
-                </a:r>
-                <a14:m>
-                  <m:oMath xmlns:m="http://schemas.openxmlformats.org/officeDocument/2006/math">
-                    <m:r>
-                      <a:rPr lang="en-US" sz="2000" i="1" smtClean="0">
-                        <a:solidFill>
-                          <a:schemeClr val="tx1"/>
-                        </a:solidFill>
-                        <a:latin typeface="Cambria Math" panose="02040503050406030204" pitchFamily="18" charset="0"/>
-                        <a:ea typeface="Cambria Math" panose="02040503050406030204" pitchFamily="18" charset="0"/>
-                      </a:rPr>
-                      <m:t>¬</m:t>
-                    </m:r>
-                    <m:r>
-                      <a:rPr lang="en-US" sz="2000" b="0" i="1" smtClean="0">
-                        <a:solidFill>
-                          <a:schemeClr val="tx1"/>
-                        </a:solidFill>
-                        <a:latin typeface="Cambria Math" panose="02040503050406030204" pitchFamily="18" charset="0"/>
-                        <a:ea typeface="Cambria Math" panose="02040503050406030204" pitchFamily="18" charset="0"/>
-                      </a:rPr>
-                      <m:t>𝑄</m:t>
-                    </m:r>
-                  </m:oMath>
-                </a14:m>
-                <a:r>
-                  <a:rPr lang="en-US" sz="2000" dirty="0">
-                    <a:solidFill>
-                      <a:schemeClr val="tx1"/>
-                    </a:solidFill>
-                    <a:latin typeface="Open Sans" panose="020B0606030504020204" pitchFamily="34" charset="0"/>
-                  </a:rPr>
-                  <a:t> is true</a:t>
-                </a:r>
-              </a:p>
-              <a:p>
-                <a:pPr marL="1417320" lvl="2" indent="-457200">
-                  <a:buFont typeface="+mj-lt"/>
-                  <a:buAutoNum type="arabicPeriod"/>
-                </a:pPr>
-                <a:r>
-                  <a:rPr lang="en-US" sz="2000" dirty="0">
-                    <a:solidFill>
-                      <a:schemeClr val="tx1"/>
-                    </a:solidFill>
-                    <a:latin typeface="Open Sans" panose="020B0606030504020204" pitchFamily="34" charset="0"/>
-                  </a:rPr>
-                  <a:t>Deduce that </a:t>
-                </a:r>
-                <a14:m>
-                  <m:oMath xmlns:m="http://schemas.openxmlformats.org/officeDocument/2006/math">
-                    <m:r>
-                      <a:rPr lang="en-US" sz="2000" i="1" smtClean="0">
-                        <a:solidFill>
-                          <a:schemeClr val="tx1"/>
-                        </a:solidFill>
-                        <a:latin typeface="Cambria Math" panose="02040503050406030204" pitchFamily="18" charset="0"/>
-                        <a:ea typeface="Cambria Math" panose="02040503050406030204" pitchFamily="18" charset="0"/>
-                      </a:rPr>
-                      <m:t>¬</m:t>
-                    </m:r>
-                    <m:r>
-                      <a:rPr lang="en-US" sz="2000" b="0" i="1" smtClean="0">
-                        <a:solidFill>
-                          <a:schemeClr val="tx1"/>
-                        </a:solidFill>
-                        <a:latin typeface="Cambria Math" panose="02040503050406030204" pitchFamily="18" charset="0"/>
-                        <a:ea typeface="Cambria Math" panose="02040503050406030204" pitchFamily="18" charset="0"/>
-                      </a:rPr>
-                      <m:t>𝑃</m:t>
-                    </m:r>
-                  </m:oMath>
-                </a14:m>
-                <a:r>
-                  <a:rPr lang="en-US" sz="2000" dirty="0">
-                    <a:solidFill>
-                      <a:schemeClr val="tx1"/>
-                    </a:solidFill>
-                    <a:latin typeface="Open Sans" panose="020B0606030504020204" pitchFamily="34" charset="0"/>
-                  </a:rPr>
-                  <a:t> must then also be true </a:t>
-                </a:r>
-              </a:p>
-              <a:p>
-                <a:pPr marL="0" indent="0">
-                  <a:buNone/>
-                </a:pPr>
-                <a:endParaRPr lang="en-US" sz="2400" dirty="0">
-                  <a:solidFill>
-                    <a:schemeClr val="tx1"/>
-                  </a:solidFill>
-                  <a:latin typeface="Open Sans" panose="020B0606030504020204" pitchFamily="34" charset="0"/>
-                </a:endParaRPr>
-              </a:p>
-              <a:p>
-                <a:pPr marL="0" indent="0">
-                  <a:buNone/>
-                </a:pPr>
-                <a:endParaRPr lang="en-US" sz="2400" dirty="0">
-                  <a:solidFill>
-                    <a:schemeClr val="tx1"/>
-                  </a:solidFill>
-                  <a:latin typeface="Open Sans" panose="020B0606030504020204" pitchFamily="34" charset="0"/>
-                </a:endParaRPr>
-              </a:p>
-            </p:txBody>
-          </p:sp>
-        </mc:Choice>
-        <mc:Fallback>
-          <p:sp>
-            <p:nvSpPr>
-              <p:cNvPr id="9" name="Content Placeholder 2">
-                <a:extLst>
-                  <a:ext uri="{FF2B5EF4-FFF2-40B4-BE49-F238E27FC236}">
-                    <a16:creationId xmlns:a16="http://schemas.microsoft.com/office/drawing/2014/main" id="{7A564664-5749-10ED-21DE-F5BBF3D2E4F9}"/>
-                  </a:ext>
-                </a:extLst>
-              </p:cNvPr>
-              <p:cNvSpPr>
-                <a:spLocks noGrp="1" noRot="1" noChangeAspect="1" noMove="1" noResize="1" noEditPoints="1" noAdjustHandles="1" noChangeArrowheads="1" noChangeShapeType="1" noTextEdit="1"/>
-              </p:cNvSpPr>
-              <p:nvPr>
-                <p:ph idx="1"/>
-              </p:nvPr>
-            </p:nvSpPr>
-            <p:spPr>
-              <a:xfrm>
-                <a:off x="3515518" y="728420"/>
-                <a:ext cx="8423564" cy="6129580"/>
-              </a:xfrm>
-              <a:blipFill>
-                <a:blip r:embed="rId3"/>
-                <a:stretch>
-                  <a:fillRect l="-1053" t="-1449"/>
-                </a:stretch>
-              </a:blipFill>
-            </p:spPr>
-            <p:txBody>
-              <a:bodyPr/>
-              <a:lstStyle/>
-              <a:p>
-                <a:r>
-                  <a:rPr lang="en-US">
-                    <a:noFill/>
-                  </a:rPr>
-                  <a:t> </a:t>
-                </a:r>
-              </a:p>
-            </p:txBody>
-          </p:sp>
-        </mc:Fallback>
-      </mc:AlternateContent>
-    </p:spTree>
-    <p:extLst>
-      <p:ext uri="{BB962C8B-B14F-4D97-AF65-F5344CB8AC3E}">
-        <p14:creationId xmlns:p14="http://schemas.microsoft.com/office/powerpoint/2010/main" val="4233317853"/>
       </p:ext>
     </p:extLst>
   </p:cSld>
@@ -12571,7 +12848,7 @@
           <a:p>
             <a:r>
               <a:rPr lang="en-US" dirty="0"/>
-              <a:t>Plan for Today</a:t>
+              <a:t>Reminder!</a:t>
             </a:r>
           </a:p>
         </p:txBody>
@@ -12601,19 +12878,33 @@
           <a:p>
             <a:r>
               <a:rPr lang="en-US" sz="2400" dirty="0"/>
-              <a:t>What is a proof? </a:t>
+              <a:t>First homework is out today! </a:t>
             </a:r>
           </a:p>
           <a:p>
+            <a:r>
+              <a:rPr lang="en-US" sz="2400" dirty="0" err="1"/>
+              <a:t>Homeworks</a:t>
+            </a:r>
             <a:r>
               <a:rPr lang="en-US" sz="2400" dirty="0"/>
-              <a:t>Direct proofs</a:t>
+              <a:t> (and quizzes) are </a:t>
             </a:r>
-          </a:p>
-          <a:p>
+            <a:r>
+              <a:rPr lang="en-US" sz="2400" i="1" dirty="0"/>
+              <a:t>week long </a:t>
+            </a:r>
             <a:r>
               <a:rPr lang="en-US" sz="2400" dirty="0"/>
-              <a:t>Proof by contrapositive</a:t>
+              <a:t>assignments; expect to spend 5-7 hours </a:t>
+            </a:r>
+            <a:r>
+              <a:rPr lang="en-US" sz="2400"/>
+              <a:t>on them </a:t>
+            </a:r>
+            <a:r>
+              <a:rPr lang="en-US" sz="2400" dirty="0"/>
+              <a:t>(this is standard for a college class) </a:t>
             </a:r>
           </a:p>
         </p:txBody>
@@ -12621,7 +12912,7 @@
     </p:spTree>
     <p:extLst>
       <p:ext uri="{BB962C8B-B14F-4D97-AF65-F5344CB8AC3E}">
-        <p14:creationId xmlns:p14="http://schemas.microsoft.com/office/powerpoint/2010/main" val="1085546165"/>
+        <p14:creationId xmlns:p14="http://schemas.microsoft.com/office/powerpoint/2010/main" val="400641738"/>
       </p:ext>
     </p:extLst>
   </p:cSld>
@@ -12670,8 +12961,528 @@
           </a:p>
         </p:txBody>
       </p:sp>
-      <mc:AlternateContent xmlns:mc="http://schemas.openxmlformats.org/markup-compatibility/2006">
-        <mc:Choice xmlns:a14="http://schemas.microsoft.com/office/drawing/2010/main" Requires="a14">
+      <mc:AlternateContent xmlns:mc="http://schemas.openxmlformats.org/markup-compatibility/2006" xmlns:a14="http://schemas.microsoft.com/office/drawing/2010/main">
+        <mc:Choice Requires="a14">
+          <p:sp>
+            <p:nvSpPr>
+              <p:cNvPr id="9" name="Content Placeholder 2">
+                <a:extLst>
+                  <a:ext uri="{FF2B5EF4-FFF2-40B4-BE49-F238E27FC236}">
+                    <a16:creationId xmlns:a16="http://schemas.microsoft.com/office/drawing/2014/main" id="{7A564664-5749-10ED-21DE-F5BBF3D2E4F9}"/>
+                  </a:ext>
+                </a:extLst>
+              </p:cNvPr>
+              <p:cNvSpPr>
+                <a:spLocks noGrp="1"/>
+              </p:cNvSpPr>
+              <p:nvPr>
+                <p:ph idx="1"/>
+              </p:nvPr>
+            </p:nvSpPr>
+            <p:spPr>
+              <a:xfrm>
+                <a:off x="3515518" y="728420"/>
+                <a:ext cx="8423564" cy="6129580"/>
+              </a:xfrm>
+            </p:spPr>
+            <p:txBody>
+              <a:bodyPr anchor="t">
+                <a:normAutofit/>
+              </a:bodyPr>
+              <a:lstStyle/>
+              <a:p>
+                <a:pPr marL="0" indent="0">
+                  <a:buNone/>
+                </a:pPr>
+                <a:r>
+                  <a:rPr lang="en-US" sz="2400" dirty="0">
+                    <a:solidFill>
+                      <a:schemeClr val="tx1"/>
+                    </a:solidFill>
+                    <a:latin typeface="Open Sans" panose="020B0606030504020204" pitchFamily="34" charset="0"/>
+                  </a:rPr>
+                  <a:t>Recall that an implication (</a:t>
+                </a:r>
+                <a14:m>
+                  <m:oMath xmlns:m="http://schemas.openxmlformats.org/officeDocument/2006/math">
+                    <m:r>
+                      <a:rPr lang="en-US" sz="2400" b="0" i="1" smtClean="0">
+                        <a:solidFill>
+                          <a:schemeClr val="tx1"/>
+                        </a:solidFill>
+                        <a:latin typeface="Cambria Math" panose="02040503050406030204" pitchFamily="18" charset="0"/>
+                      </a:rPr>
+                      <m:t>𝑃</m:t>
+                    </m:r>
+                    <m:r>
+                      <a:rPr lang="en-US" sz="2400" b="0" i="1" smtClean="0">
+                        <a:solidFill>
+                          <a:schemeClr val="tx1"/>
+                        </a:solidFill>
+                        <a:latin typeface="Cambria Math" panose="02040503050406030204" pitchFamily="18" charset="0"/>
+                      </a:rPr>
+                      <m:t>→</m:t>
+                    </m:r>
+                    <m:r>
+                      <a:rPr lang="en-US" sz="2400" b="0" i="1" smtClean="0">
+                        <a:solidFill>
+                          <a:schemeClr val="tx1"/>
+                        </a:solidFill>
+                        <a:latin typeface="Cambria Math" panose="02040503050406030204" pitchFamily="18" charset="0"/>
+                      </a:rPr>
+                      <m:t>𝑄</m:t>
+                    </m:r>
+                  </m:oMath>
+                </a14:m>
+                <a:r>
+                  <a:rPr lang="en-US" sz="2400" dirty="0">
+                    <a:solidFill>
+                      <a:schemeClr val="tx1"/>
+                    </a:solidFill>
+                    <a:latin typeface="Open Sans" panose="020B0606030504020204" pitchFamily="34" charset="0"/>
+                  </a:rPr>
+                  <a:t>) and its contrapositive (</a:t>
+                </a:r>
+                <a14:m>
+                  <m:oMath xmlns:m="http://schemas.openxmlformats.org/officeDocument/2006/math">
+                    <m:r>
+                      <a:rPr lang="en-US" sz="2400" i="1" smtClean="0">
+                        <a:solidFill>
+                          <a:schemeClr val="tx1"/>
+                        </a:solidFill>
+                        <a:latin typeface="Cambria Math" panose="02040503050406030204" pitchFamily="18" charset="0"/>
+                        <a:ea typeface="Cambria Math" panose="02040503050406030204" pitchFamily="18" charset="0"/>
+                      </a:rPr>
+                      <m:t>¬</m:t>
+                    </m:r>
+                    <m:r>
+                      <a:rPr lang="en-US" sz="2400" b="0" i="1" smtClean="0">
+                        <a:solidFill>
+                          <a:schemeClr val="tx1"/>
+                        </a:solidFill>
+                        <a:latin typeface="Cambria Math" panose="02040503050406030204" pitchFamily="18" charset="0"/>
+                        <a:ea typeface="Cambria Math" panose="02040503050406030204" pitchFamily="18" charset="0"/>
+                      </a:rPr>
+                      <m:t>𝑄</m:t>
+                    </m:r>
+                    <m:r>
+                      <a:rPr lang="en-US" sz="2400" b="0" i="1" smtClean="0">
+                        <a:solidFill>
+                          <a:schemeClr val="tx1"/>
+                        </a:solidFill>
+                        <a:latin typeface="Cambria Math" panose="02040503050406030204" pitchFamily="18" charset="0"/>
+                        <a:ea typeface="Cambria Math" panose="02040503050406030204" pitchFamily="18" charset="0"/>
+                      </a:rPr>
+                      <m:t>→¬</m:t>
+                    </m:r>
+                    <m:r>
+                      <a:rPr lang="en-US" sz="2400" b="0" i="1" smtClean="0">
+                        <a:solidFill>
+                          <a:schemeClr val="tx1"/>
+                        </a:solidFill>
+                        <a:latin typeface="Cambria Math" panose="02040503050406030204" pitchFamily="18" charset="0"/>
+                        <a:ea typeface="Cambria Math" panose="02040503050406030204" pitchFamily="18" charset="0"/>
+                      </a:rPr>
+                      <m:t>𝑃</m:t>
+                    </m:r>
+                  </m:oMath>
+                </a14:m>
+                <a:r>
+                  <a:rPr lang="en-US" sz="2400" dirty="0">
+                    <a:solidFill>
+                      <a:schemeClr val="tx1"/>
+                    </a:solidFill>
+                    <a:latin typeface="Open Sans" panose="020B0606030504020204" pitchFamily="34" charset="0"/>
+                  </a:rPr>
+                  <a:t>) are logically equivalent. </a:t>
+                </a:r>
+              </a:p>
+              <a:p>
+                <a:pPr marL="0" indent="0">
+                  <a:buNone/>
+                </a:pPr>
+                <a:endParaRPr lang="en-US" sz="2400" dirty="0">
+                  <a:solidFill>
+                    <a:schemeClr val="tx1"/>
+                  </a:solidFill>
+                  <a:latin typeface="Open Sans" panose="020B0606030504020204" pitchFamily="34" charset="0"/>
+                </a:endParaRPr>
+              </a:p>
+              <a:p>
+                <a:pPr marL="0" indent="0">
+                  <a:buNone/>
+                </a:pPr>
+                <a:r>
+                  <a:rPr lang="en-US" sz="2400" dirty="0">
+                    <a:solidFill>
+                      <a:schemeClr val="tx1"/>
+                    </a:solidFill>
+                    <a:latin typeface="Open Sans" panose="020B0606030504020204" pitchFamily="34" charset="0"/>
+                  </a:rPr>
+                  <a:t>This means we can prove the contrapositive of an implication to prove the implication itself. </a:t>
+                </a:r>
+              </a:p>
+              <a:p>
+                <a:pPr marL="0" indent="0">
+                  <a:buNone/>
+                </a:pPr>
+                <a:endParaRPr lang="en-US" sz="2400" dirty="0">
+                  <a:solidFill>
+                    <a:schemeClr val="tx1"/>
+                  </a:solidFill>
+                  <a:latin typeface="Open Sans" panose="020B0606030504020204" pitchFamily="34" charset="0"/>
+                </a:endParaRPr>
+              </a:p>
+              <a:p>
+                <a:pPr marL="0" indent="0">
+                  <a:buNone/>
+                </a:pPr>
+                <a:r>
+                  <a:rPr lang="en-US" sz="2400" dirty="0">
+                    <a:solidFill>
+                      <a:schemeClr val="tx1"/>
+                    </a:solidFill>
+                    <a:latin typeface="Open Sans" panose="020B0606030504020204" pitchFamily="34" charset="0"/>
+                  </a:rPr>
+                  <a:t>To prove </a:t>
+                </a:r>
+                <a14:m>
+                  <m:oMath xmlns:m="http://schemas.openxmlformats.org/officeDocument/2006/math">
+                    <m:r>
+                      <a:rPr lang="en-US" sz="2400" b="0" i="1" smtClean="0">
+                        <a:solidFill>
+                          <a:schemeClr val="tx1"/>
+                        </a:solidFill>
+                        <a:latin typeface="Cambria Math" panose="02040503050406030204" pitchFamily="18" charset="0"/>
+                      </a:rPr>
+                      <m:t>𝑃</m:t>
+                    </m:r>
+                    <m:r>
+                      <a:rPr lang="en-US" sz="2400" b="0" i="1" smtClean="0">
+                        <a:solidFill>
+                          <a:schemeClr val="tx1"/>
+                        </a:solidFill>
+                        <a:latin typeface="Cambria Math" panose="02040503050406030204" pitchFamily="18" charset="0"/>
+                      </a:rPr>
+                      <m:t>→</m:t>
+                    </m:r>
+                    <m:r>
+                      <a:rPr lang="en-US" sz="2400" b="0" i="1" smtClean="0">
+                        <a:solidFill>
+                          <a:schemeClr val="tx1"/>
+                        </a:solidFill>
+                        <a:latin typeface="Cambria Math" panose="02040503050406030204" pitchFamily="18" charset="0"/>
+                      </a:rPr>
+                      <m:t>𝑄</m:t>
+                    </m:r>
+                  </m:oMath>
+                </a14:m>
+                <a:r>
+                  <a:rPr lang="en-US" sz="2400" dirty="0">
+                    <a:solidFill>
+                      <a:schemeClr val="tx1"/>
+                    </a:solidFill>
+                    <a:latin typeface="Open Sans" panose="020B0606030504020204" pitchFamily="34" charset="0"/>
+                  </a:rPr>
+                  <a:t>, we will </a:t>
+                </a:r>
+              </a:p>
+              <a:p>
+                <a:pPr marL="960120" lvl="1" indent="-457200">
+                  <a:buFont typeface="+mj-lt"/>
+                  <a:buAutoNum type="arabicPeriod"/>
+                </a:pPr>
+                <a:r>
+                  <a:rPr lang="en-US" sz="2200" dirty="0">
+                    <a:solidFill>
+                      <a:schemeClr val="tx1"/>
+                    </a:solidFill>
+                    <a:latin typeface="Open Sans" panose="020B0606030504020204" pitchFamily="34" charset="0"/>
+                  </a:rPr>
+                  <a:t>Prove the contrapositive </a:t>
+                </a:r>
+                <a:r>
+                  <a:rPr lang="en-US" sz="2000" dirty="0">
+                    <a:solidFill>
+                      <a:schemeClr val="tx1"/>
+                    </a:solidFill>
+                    <a:latin typeface="Open Sans" panose="020B0606030504020204" pitchFamily="34" charset="0"/>
+                  </a:rPr>
+                  <a:t>(</a:t>
+                </a:r>
+                <a14:m>
+                  <m:oMath xmlns:m="http://schemas.openxmlformats.org/officeDocument/2006/math">
+                    <m:r>
+                      <a:rPr lang="en-US" sz="2000" i="1" smtClean="0">
+                        <a:solidFill>
+                          <a:schemeClr val="tx1"/>
+                        </a:solidFill>
+                        <a:latin typeface="Cambria Math" panose="02040503050406030204" pitchFamily="18" charset="0"/>
+                        <a:ea typeface="Cambria Math" panose="02040503050406030204" pitchFamily="18" charset="0"/>
+                      </a:rPr>
+                      <m:t>¬</m:t>
+                    </m:r>
+                    <m:r>
+                      <a:rPr lang="en-US" sz="2000" b="0" i="1" smtClean="0">
+                        <a:solidFill>
+                          <a:schemeClr val="tx1"/>
+                        </a:solidFill>
+                        <a:latin typeface="Cambria Math" panose="02040503050406030204" pitchFamily="18" charset="0"/>
+                        <a:ea typeface="Cambria Math" panose="02040503050406030204" pitchFamily="18" charset="0"/>
+                      </a:rPr>
+                      <m:t>𝑄</m:t>
+                    </m:r>
+                    <m:r>
+                      <a:rPr lang="en-US" sz="2000" b="0" i="1" smtClean="0">
+                        <a:solidFill>
+                          <a:schemeClr val="tx1"/>
+                        </a:solidFill>
+                        <a:latin typeface="Cambria Math" panose="02040503050406030204" pitchFamily="18" charset="0"/>
+                        <a:ea typeface="Cambria Math" panose="02040503050406030204" pitchFamily="18" charset="0"/>
+                      </a:rPr>
+                      <m:t>→¬</m:t>
+                    </m:r>
+                    <m:r>
+                      <a:rPr lang="en-US" sz="2000" b="0" i="1" smtClean="0">
+                        <a:solidFill>
+                          <a:schemeClr val="tx1"/>
+                        </a:solidFill>
+                        <a:latin typeface="Cambria Math" panose="02040503050406030204" pitchFamily="18" charset="0"/>
+                        <a:ea typeface="Cambria Math" panose="02040503050406030204" pitchFamily="18" charset="0"/>
+                      </a:rPr>
+                      <m:t>𝑃</m:t>
+                    </m:r>
+                  </m:oMath>
+                </a14:m>
+                <a:r>
+                  <a:rPr lang="en-US" sz="2200" dirty="0">
+                    <a:solidFill>
+                      <a:schemeClr val="tx1"/>
+                    </a:solidFill>
+                    <a:latin typeface="Open Sans" panose="020B0606030504020204" pitchFamily="34" charset="0"/>
+                  </a:rPr>
+                  <a:t>)</a:t>
+                </a:r>
+              </a:p>
+              <a:p>
+                <a:pPr marL="1417320" lvl="2" indent="-457200">
+                  <a:buFont typeface="+mj-lt"/>
+                  <a:buAutoNum type="arabicPeriod"/>
+                </a:pPr>
+                <a:r>
+                  <a:rPr lang="en-US" sz="2000" dirty="0">
+                    <a:solidFill>
+                      <a:schemeClr val="tx1"/>
+                    </a:solidFill>
+                    <a:latin typeface="Open Sans" panose="020B0606030504020204" pitchFamily="34" charset="0"/>
+                  </a:rPr>
+                  <a:t>Assume </a:t>
+                </a:r>
+                <a14:m>
+                  <m:oMath xmlns:m="http://schemas.openxmlformats.org/officeDocument/2006/math">
+                    <m:r>
+                      <a:rPr lang="en-US" sz="2000" i="1" smtClean="0">
+                        <a:solidFill>
+                          <a:schemeClr val="tx1"/>
+                        </a:solidFill>
+                        <a:latin typeface="Cambria Math" panose="02040503050406030204" pitchFamily="18" charset="0"/>
+                        <a:ea typeface="Cambria Math" panose="02040503050406030204" pitchFamily="18" charset="0"/>
+                      </a:rPr>
+                      <m:t>¬</m:t>
+                    </m:r>
+                    <m:r>
+                      <a:rPr lang="en-US" sz="2000" b="0" i="1" smtClean="0">
+                        <a:solidFill>
+                          <a:schemeClr val="tx1"/>
+                        </a:solidFill>
+                        <a:latin typeface="Cambria Math" panose="02040503050406030204" pitchFamily="18" charset="0"/>
+                        <a:ea typeface="Cambria Math" panose="02040503050406030204" pitchFamily="18" charset="0"/>
+                      </a:rPr>
+                      <m:t>𝑄</m:t>
+                    </m:r>
+                  </m:oMath>
+                </a14:m>
+                <a:r>
+                  <a:rPr lang="en-US" sz="2000" dirty="0">
+                    <a:solidFill>
+                      <a:schemeClr val="tx1"/>
+                    </a:solidFill>
+                    <a:latin typeface="Open Sans" panose="020B0606030504020204" pitchFamily="34" charset="0"/>
+                  </a:rPr>
+                  <a:t> is true</a:t>
+                </a:r>
+              </a:p>
+              <a:p>
+                <a:pPr marL="1417320" lvl="2" indent="-457200">
+                  <a:buFont typeface="+mj-lt"/>
+                  <a:buAutoNum type="arabicPeriod"/>
+                </a:pPr>
+                <a:r>
+                  <a:rPr lang="en-US" sz="2000" dirty="0">
+                    <a:solidFill>
+                      <a:schemeClr val="tx1"/>
+                    </a:solidFill>
+                    <a:latin typeface="Open Sans" panose="020B0606030504020204" pitchFamily="34" charset="0"/>
+                  </a:rPr>
+                  <a:t>Deduce that </a:t>
+                </a:r>
+                <a14:m>
+                  <m:oMath xmlns:m="http://schemas.openxmlformats.org/officeDocument/2006/math">
+                    <m:r>
+                      <a:rPr lang="en-US" sz="2000" i="1" smtClean="0">
+                        <a:solidFill>
+                          <a:schemeClr val="tx1"/>
+                        </a:solidFill>
+                        <a:latin typeface="Cambria Math" panose="02040503050406030204" pitchFamily="18" charset="0"/>
+                        <a:ea typeface="Cambria Math" panose="02040503050406030204" pitchFamily="18" charset="0"/>
+                      </a:rPr>
+                      <m:t>¬</m:t>
+                    </m:r>
+                    <m:r>
+                      <a:rPr lang="en-US" sz="2000" b="0" i="1" smtClean="0">
+                        <a:solidFill>
+                          <a:schemeClr val="tx1"/>
+                        </a:solidFill>
+                        <a:latin typeface="Cambria Math" panose="02040503050406030204" pitchFamily="18" charset="0"/>
+                        <a:ea typeface="Cambria Math" panose="02040503050406030204" pitchFamily="18" charset="0"/>
+                      </a:rPr>
+                      <m:t>𝑃</m:t>
+                    </m:r>
+                  </m:oMath>
+                </a14:m>
+                <a:r>
+                  <a:rPr lang="en-US" sz="2000" dirty="0">
+                    <a:solidFill>
+                      <a:schemeClr val="tx1"/>
+                    </a:solidFill>
+                    <a:latin typeface="Open Sans" panose="020B0606030504020204" pitchFamily="34" charset="0"/>
+                  </a:rPr>
+                  <a:t> must then also be true </a:t>
+                </a:r>
+              </a:p>
+              <a:p>
+                <a:pPr marL="0" indent="0">
+                  <a:buNone/>
+                </a:pPr>
+                <a:endParaRPr lang="en-US" sz="2400" dirty="0">
+                  <a:solidFill>
+                    <a:schemeClr val="tx1"/>
+                  </a:solidFill>
+                  <a:latin typeface="Open Sans" panose="020B0606030504020204" pitchFamily="34" charset="0"/>
+                </a:endParaRPr>
+              </a:p>
+              <a:p>
+                <a:pPr marL="0" indent="0">
+                  <a:buNone/>
+                </a:pPr>
+                <a:endParaRPr lang="en-US" sz="2400" dirty="0">
+                  <a:solidFill>
+                    <a:schemeClr val="tx1"/>
+                  </a:solidFill>
+                  <a:latin typeface="Open Sans" panose="020B0606030504020204" pitchFamily="34" charset="0"/>
+                </a:endParaRPr>
+              </a:p>
+            </p:txBody>
+          </p:sp>
+        </mc:Choice>
+        <mc:Fallback xmlns="">
+          <p:sp>
+            <p:nvSpPr>
+              <p:cNvPr id="9" name="Content Placeholder 2">
+                <a:extLst>
+                  <a:ext uri="{FF2B5EF4-FFF2-40B4-BE49-F238E27FC236}">
+                    <a16:creationId xmlns:a16="http://schemas.microsoft.com/office/drawing/2014/main" id="{7A564664-5749-10ED-21DE-F5BBF3D2E4F9}"/>
+                  </a:ext>
+                </a:extLst>
+              </p:cNvPr>
+              <p:cNvSpPr>
+                <a:spLocks noGrp="1" noRot="1" noChangeAspect="1" noMove="1" noResize="1" noEditPoints="1" noAdjustHandles="1" noChangeArrowheads="1" noChangeShapeType="1" noTextEdit="1"/>
+              </p:cNvSpPr>
+              <p:nvPr>
+                <p:ph idx="1"/>
+              </p:nvPr>
+            </p:nvSpPr>
+            <p:spPr>
+              <a:xfrm>
+                <a:off x="3515518" y="728420"/>
+                <a:ext cx="8423564" cy="6129580"/>
+              </a:xfrm>
+              <a:blipFill>
+                <a:blip r:embed="rId3"/>
+                <a:stretch>
+                  <a:fillRect l="-1053" t="-1449"/>
+                </a:stretch>
+              </a:blipFill>
+            </p:spPr>
+            <p:txBody>
+              <a:bodyPr/>
+              <a:lstStyle/>
+              <a:p>
+                <a:r>
+                  <a:rPr lang="en-US">
+                    <a:noFill/>
+                  </a:rPr>
+                  <a:t> </a:t>
+                </a:r>
+              </a:p>
+            </p:txBody>
+          </p:sp>
+        </mc:Fallback>
+      </mc:AlternateContent>
+    </p:spTree>
+    <p:extLst>
+      <p:ext uri="{BB962C8B-B14F-4D97-AF65-F5344CB8AC3E}">
+        <p14:creationId xmlns:p14="http://schemas.microsoft.com/office/powerpoint/2010/main" val="4233317853"/>
+      </p:ext>
+    </p:extLst>
+  </p:cSld>
+  <p:clrMapOvr>
+    <a:masterClrMapping/>
+  </p:clrMapOvr>
+</p:sld>
+</file>
+
+<file path=ppt/slides/slide21.xml><?xml version="1.0" encoding="utf-8"?>
+<p:sld xmlns:a="http://schemas.openxmlformats.org/drawingml/2006/main" xmlns:r="http://schemas.openxmlformats.org/officeDocument/2006/relationships" xmlns:p="http://schemas.openxmlformats.org/presentationml/2006/main">
+  <p:cSld>
+    <p:spTree>
+      <p:nvGrpSpPr>
+        <p:cNvPr id="1" name=""/>
+        <p:cNvGrpSpPr/>
+        <p:nvPr/>
+      </p:nvGrpSpPr>
+      <p:grpSpPr>
+        <a:xfrm>
+          <a:off x="0" y="0"/>
+          <a:ext cx="0" cy="0"/>
+          <a:chOff x="0" y="0"/>
+          <a:chExt cx="0" cy="0"/>
+        </a:xfrm>
+      </p:grpSpPr>
+      <p:sp>
+        <p:nvSpPr>
+          <p:cNvPr id="2" name="Title 1"/>
+          <p:cNvSpPr>
+            <a:spLocks noGrp="1"/>
+          </p:cNvSpPr>
+          <p:nvPr>
+            <p:ph type="title"/>
+          </p:nvPr>
+        </p:nvSpPr>
+        <p:spPr/>
+        <p:txBody>
+          <a:bodyPr/>
+          <a:lstStyle/>
+          <a:p>
+            <a:r>
+              <a:rPr lang="en-US" dirty="0"/>
+              <a:t>Proof by Contrapositive</a:t>
+            </a:r>
+          </a:p>
+        </p:txBody>
+      </p:sp>
+      <mc:AlternateContent xmlns:mc="http://schemas.openxmlformats.org/markup-compatibility/2006" xmlns:a14="http://schemas.microsoft.com/office/drawing/2010/main">
+        <mc:Choice Requires="a14">
           <p:sp>
             <p:nvSpPr>
               <p:cNvPr id="9" name="Content Placeholder 2">
@@ -13766,7 +14577,7 @@
             </p:txBody>
           </p:sp>
         </mc:Choice>
-        <mc:Fallback>
+        <mc:Fallback xmlns="">
           <p:sp>
             <p:nvSpPr>
               <p:cNvPr id="9" name="Content Placeholder 2">
@@ -13823,7 +14634,7 @@
 </p:sld>
 </file>
 
-<file path=ppt/slides/slide21.xml><?xml version="1.0" encoding="utf-8"?>
+<file path=ppt/slides/slide22.xml><?xml version="1.0" encoding="utf-8"?>
 <p:sld xmlns:a="http://schemas.openxmlformats.org/drawingml/2006/main" xmlns:r="http://schemas.openxmlformats.org/officeDocument/2006/relationships" xmlns:p="http://schemas.openxmlformats.org/presentationml/2006/main">
   <p:cSld>
     <p:spTree>
@@ -13862,8 +14673,8 @@
           </a:p>
         </p:txBody>
       </p:sp>
-      <mc:AlternateContent xmlns:mc="http://schemas.openxmlformats.org/markup-compatibility/2006">
-        <mc:Choice xmlns:a14="http://schemas.microsoft.com/office/drawing/2010/main" Requires="a14">
+      <mc:AlternateContent xmlns:mc="http://schemas.openxmlformats.org/markup-compatibility/2006" xmlns:a14="http://schemas.microsoft.com/office/drawing/2010/main">
+        <mc:Choice Requires="a14">
           <p:sp>
             <p:nvSpPr>
               <p:cNvPr id="9" name="Content Placeholder 2">
@@ -14958,7 +15769,7 @@
             </p:txBody>
           </p:sp>
         </mc:Choice>
-        <mc:Fallback>
+        <mc:Fallback xmlns="">
           <p:sp>
             <p:nvSpPr>
               <p:cNvPr id="9" name="Content Placeholder 2">
@@ -15272,7 +16083,7 @@
 </p:sld>
 </file>
 
-<file path=ppt/slides/slide22.xml><?xml version="1.0" encoding="utf-8"?>
+<file path=ppt/slides/slide23.xml><?xml version="1.0" encoding="utf-8"?>
 <p:sld xmlns:a="http://schemas.openxmlformats.org/drawingml/2006/main" xmlns:r="http://schemas.openxmlformats.org/officeDocument/2006/relationships" xmlns:p="http://schemas.openxmlformats.org/presentationml/2006/main">
   <p:cSld>
     <p:spTree>
@@ -15311,8 +16122,8 @@
           </a:p>
         </p:txBody>
       </p:sp>
-      <mc:AlternateContent xmlns:mc="http://schemas.openxmlformats.org/markup-compatibility/2006">
-        <mc:Choice xmlns:a14="http://schemas.microsoft.com/office/drawing/2010/main" Requires="a14">
+      <mc:AlternateContent xmlns:mc="http://schemas.openxmlformats.org/markup-compatibility/2006" xmlns:a14="http://schemas.microsoft.com/office/drawing/2010/main">
+        <mc:Choice Requires="a14">
           <p:sp>
             <p:nvSpPr>
               <p:cNvPr id="9" name="Content Placeholder 2">
@@ -15735,7 +16546,7 @@
             </p:txBody>
           </p:sp>
         </mc:Choice>
-        <mc:Fallback>
+        <mc:Fallback xmlns="">
           <p:sp>
             <p:nvSpPr>
               <p:cNvPr id="9" name="Content Placeholder 2">
@@ -15792,7 +16603,7 @@
 </p:sld>
 </file>
 
-<file path=ppt/slides/slide23.xml><?xml version="1.0" encoding="utf-8"?>
+<file path=ppt/slides/slide24.xml><?xml version="1.0" encoding="utf-8"?>
 <p:sld xmlns:a="http://schemas.openxmlformats.org/drawingml/2006/main" xmlns:r="http://schemas.openxmlformats.org/officeDocument/2006/relationships" xmlns:p="http://schemas.openxmlformats.org/presentationml/2006/main">
   <p:cSld>
     <p:spTree>
@@ -15831,8 +16642,8 @@
           </a:p>
         </p:txBody>
       </p:sp>
-      <mc:AlternateContent xmlns:mc="http://schemas.openxmlformats.org/markup-compatibility/2006">
-        <mc:Choice xmlns:a14="http://schemas.microsoft.com/office/drawing/2010/main" Requires="a14">
+      <mc:AlternateContent xmlns:mc="http://schemas.openxmlformats.org/markup-compatibility/2006" xmlns:a14="http://schemas.microsoft.com/office/drawing/2010/main">
+        <mc:Choice Requires="a14">
           <p:sp>
             <p:nvSpPr>
               <p:cNvPr id="9" name="Content Placeholder 2">
@@ -16255,7 +17066,7 @@
             </p:txBody>
           </p:sp>
         </mc:Choice>
-        <mc:Fallback>
+        <mc:Fallback xmlns="">
           <p:sp>
             <p:nvSpPr>
               <p:cNvPr id="9" name="Content Placeholder 2">
@@ -16299,8 +17110,8 @@
           </p:sp>
         </mc:Fallback>
       </mc:AlternateContent>
-      <mc:AlternateContent xmlns:mc="http://schemas.openxmlformats.org/markup-compatibility/2006">
-        <mc:Choice xmlns:a14="http://schemas.microsoft.com/office/drawing/2010/main" Requires="a14">
+      <mc:AlternateContent xmlns:mc="http://schemas.openxmlformats.org/markup-compatibility/2006" xmlns:a14="http://schemas.microsoft.com/office/drawing/2010/main">
+        <mc:Choice Requires="a14">
           <p:sp>
             <p:nvSpPr>
               <p:cNvPr id="3" name="Rounded Rectangle 2">
@@ -16445,7 +17256,7 @@
             </p:txBody>
           </p:sp>
         </mc:Choice>
-        <mc:Fallback>
+        <mc:Fallback xmlns="">
           <p:sp>
             <p:nvSpPr>
               <p:cNvPr id="3" name="Rounded Rectangle 2">
@@ -16503,7 +17314,7 @@
 </p:sld>
 </file>
 
-<file path=ppt/slides/slide24.xml><?xml version="1.0" encoding="utf-8"?>
+<file path=ppt/slides/slide25.xml><?xml version="1.0" encoding="utf-8"?>
 <p:sld xmlns:a="http://schemas.openxmlformats.org/drawingml/2006/main" xmlns:r="http://schemas.openxmlformats.org/officeDocument/2006/relationships" xmlns:p="http://schemas.openxmlformats.org/presentationml/2006/main">
   <p:cSld>
     <p:spTree>
@@ -16542,8 +17353,8 @@
           </a:p>
         </p:txBody>
       </p:sp>
-      <mc:AlternateContent xmlns:mc="http://schemas.openxmlformats.org/markup-compatibility/2006">
-        <mc:Choice xmlns:a14="http://schemas.microsoft.com/office/drawing/2010/main" Requires="a14">
+      <mc:AlternateContent xmlns:mc="http://schemas.openxmlformats.org/markup-compatibility/2006" xmlns:a14="http://schemas.microsoft.com/office/drawing/2010/main">
+        <mc:Choice Requires="a14">
           <p:sp>
             <p:nvSpPr>
               <p:cNvPr id="9" name="Content Placeholder 2">
@@ -16966,7 +17777,7 @@
             </p:txBody>
           </p:sp>
         </mc:Choice>
-        <mc:Fallback>
+        <mc:Fallback xmlns="">
           <p:sp>
             <p:nvSpPr>
               <p:cNvPr id="9" name="Content Placeholder 2">
@@ -17010,8 +17821,8 @@
           </p:sp>
         </mc:Fallback>
       </mc:AlternateContent>
-      <mc:AlternateContent xmlns:mc="http://schemas.openxmlformats.org/markup-compatibility/2006">
-        <mc:Choice xmlns:a14="http://schemas.microsoft.com/office/drawing/2010/main" Requires="a14">
+      <mc:AlternateContent xmlns:mc="http://schemas.openxmlformats.org/markup-compatibility/2006" xmlns:a14="http://schemas.microsoft.com/office/drawing/2010/main">
+        <mc:Choice Requires="a14">
           <p:sp>
             <p:nvSpPr>
               <p:cNvPr id="3" name="Rounded Rectangle 2">
@@ -17123,7 +17934,7 @@
             </p:txBody>
           </p:sp>
         </mc:Choice>
-        <mc:Fallback>
+        <mc:Fallback xmlns="">
           <p:sp>
             <p:nvSpPr>
               <p:cNvPr id="3" name="Rounded Rectangle 2">
@@ -17181,7 +17992,7 @@
 </p:sld>
 </file>
 
-<file path=ppt/slides/slide25.xml><?xml version="1.0" encoding="utf-8"?>
+<file path=ppt/slides/slide26.xml><?xml version="1.0" encoding="utf-8"?>
 <p:sld xmlns:a="http://schemas.openxmlformats.org/drawingml/2006/main" xmlns:r="http://schemas.openxmlformats.org/officeDocument/2006/relationships" xmlns:p="http://schemas.openxmlformats.org/presentationml/2006/main">
   <p:cSld>
     <p:spTree>
@@ -17220,8 +18031,8 @@
           </a:p>
         </p:txBody>
       </p:sp>
-      <mc:AlternateContent xmlns:mc="http://schemas.openxmlformats.org/markup-compatibility/2006">
-        <mc:Choice xmlns:a14="http://schemas.microsoft.com/office/drawing/2010/main" Requires="a14">
+      <mc:AlternateContent xmlns:mc="http://schemas.openxmlformats.org/markup-compatibility/2006" xmlns:a14="http://schemas.microsoft.com/office/drawing/2010/main">
+        <mc:Choice Requires="a14">
           <p:sp>
             <p:nvSpPr>
               <p:cNvPr id="9" name="Content Placeholder 2">
@@ -17644,7 +18455,7 @@
             </p:txBody>
           </p:sp>
         </mc:Choice>
-        <mc:Fallback>
+        <mc:Fallback xmlns="">
           <p:sp>
             <p:nvSpPr>
               <p:cNvPr id="9" name="Content Placeholder 2">
@@ -17688,8 +18499,8 @@
           </p:sp>
         </mc:Fallback>
       </mc:AlternateContent>
-      <mc:AlternateContent xmlns:mc="http://schemas.openxmlformats.org/markup-compatibility/2006">
-        <mc:Choice xmlns:a14="http://schemas.microsoft.com/office/drawing/2010/main" Requires="a14">
+      <mc:AlternateContent xmlns:mc="http://schemas.openxmlformats.org/markup-compatibility/2006" xmlns:a14="http://schemas.microsoft.com/office/drawing/2010/main">
+        <mc:Choice Requires="a14">
           <p:sp>
             <p:nvSpPr>
               <p:cNvPr id="3" name="Rounded Rectangle 2">
@@ -17872,7 +18683,7 @@
             </p:txBody>
           </p:sp>
         </mc:Choice>
-        <mc:Fallback>
+        <mc:Fallback xmlns="">
           <p:sp>
             <p:nvSpPr>
               <p:cNvPr id="3" name="Rounded Rectangle 2">
@@ -17930,7 +18741,7 @@
 </p:sld>
 </file>
 
-<file path=ppt/slides/slide26.xml><?xml version="1.0" encoding="utf-8"?>
+<file path=ppt/slides/slide27.xml><?xml version="1.0" encoding="utf-8"?>
 <p:sld xmlns:a="http://schemas.openxmlformats.org/drawingml/2006/main" xmlns:r="http://schemas.openxmlformats.org/officeDocument/2006/relationships" xmlns:p="http://schemas.openxmlformats.org/presentationml/2006/main">
   <p:cSld>
     <p:spTree>
@@ -17969,8 +18780,8 @@
           </a:p>
         </p:txBody>
       </p:sp>
-      <mc:AlternateContent xmlns:mc="http://schemas.openxmlformats.org/markup-compatibility/2006">
-        <mc:Choice xmlns:a14="http://schemas.microsoft.com/office/drawing/2010/main" Requires="a14">
+      <mc:AlternateContent xmlns:mc="http://schemas.openxmlformats.org/markup-compatibility/2006" xmlns:a14="http://schemas.microsoft.com/office/drawing/2010/main">
+        <mc:Choice Requires="a14">
           <p:sp>
             <p:nvSpPr>
               <p:cNvPr id="9" name="Content Placeholder 2">
@@ -18393,7 +19204,7 @@
             </p:txBody>
           </p:sp>
         </mc:Choice>
-        <mc:Fallback>
+        <mc:Fallback xmlns="">
           <p:sp>
             <p:nvSpPr>
               <p:cNvPr id="9" name="Content Placeholder 2">
@@ -18511,7 +19322,7 @@
 </p:sld>
 </file>
 
-<file path=ppt/slides/slide27.xml><?xml version="1.0" encoding="utf-8"?>
+<file path=ppt/slides/slide28.xml><?xml version="1.0" encoding="utf-8"?>
 <p:sld xmlns:a="http://schemas.openxmlformats.org/drawingml/2006/main" xmlns:r="http://schemas.openxmlformats.org/officeDocument/2006/relationships" xmlns:p="http://schemas.openxmlformats.org/presentationml/2006/main">
   <p:cSld>
     <p:spTree>
@@ -18550,8 +19361,8 @@
           </a:p>
         </p:txBody>
       </p:sp>
-      <mc:AlternateContent xmlns:mc="http://schemas.openxmlformats.org/markup-compatibility/2006">
-        <mc:Choice xmlns:a14="http://schemas.microsoft.com/office/drawing/2010/main" Requires="a14">
+      <mc:AlternateContent xmlns:mc="http://schemas.openxmlformats.org/markup-compatibility/2006" xmlns:a14="http://schemas.microsoft.com/office/drawing/2010/main">
+        <mc:Choice Requires="a14">
           <p:sp>
             <p:nvSpPr>
               <p:cNvPr id="9" name="Content Placeholder 2">
@@ -18974,7 +19785,7 @@
             </p:txBody>
           </p:sp>
         </mc:Choice>
-        <mc:Fallback>
+        <mc:Fallback xmlns="">
           <p:sp>
             <p:nvSpPr>
               <p:cNvPr id="9" name="Content Placeholder 2">
@@ -19018,8 +19829,8 @@
           </p:sp>
         </mc:Fallback>
       </mc:AlternateContent>
-      <mc:AlternateContent xmlns:mc="http://schemas.openxmlformats.org/markup-compatibility/2006">
-        <mc:Choice xmlns:a14="http://schemas.microsoft.com/office/drawing/2010/main" Requires="a14">
+      <mc:AlternateContent xmlns:mc="http://schemas.openxmlformats.org/markup-compatibility/2006" xmlns:a14="http://schemas.microsoft.com/office/drawing/2010/main">
+        <mc:Choice Requires="a14">
           <p:sp>
             <p:nvSpPr>
               <p:cNvPr id="3" name="Rounded Rectangle 2">
@@ -19272,7 +20083,7 @@
             </p:txBody>
           </p:sp>
         </mc:Choice>
-        <mc:Fallback>
+        <mc:Fallback xmlns="">
           <p:sp>
             <p:nvSpPr>
               <p:cNvPr id="3" name="Rounded Rectangle 2">
@@ -19330,7 +20141,7 @@
 </p:sld>
 </file>
 
-<file path=ppt/slides/slide28.xml><?xml version="1.0" encoding="utf-8"?>
+<file path=ppt/slides/slide29.xml><?xml version="1.0" encoding="utf-8"?>
 <p:sld xmlns:a="http://schemas.openxmlformats.org/drawingml/2006/main" xmlns:r="http://schemas.openxmlformats.org/officeDocument/2006/relationships" xmlns:p="http://schemas.openxmlformats.org/presentationml/2006/main">
   <p:cSld>
     <p:spTree>
@@ -19423,8 +20234,8 @@
           </a:p>
         </p:txBody>
       </p:sp>
-      <mc:AlternateContent xmlns:mc="http://schemas.openxmlformats.org/markup-compatibility/2006">
-        <mc:Choice xmlns:a14="http://schemas.microsoft.com/office/drawing/2010/main" Requires="a14">
+      <mc:AlternateContent xmlns:mc="http://schemas.openxmlformats.org/markup-compatibility/2006" xmlns:a14="http://schemas.microsoft.com/office/drawing/2010/main">
+        <mc:Choice Requires="a14">
           <p:sp>
             <p:nvSpPr>
               <p:cNvPr id="3" name="Rounded Rectangle 2">
@@ -19594,7 +20405,7 @@
             </p:txBody>
           </p:sp>
         </mc:Choice>
-        <mc:Fallback>
+        <mc:Fallback xmlns="">
           <p:sp>
             <p:nvSpPr>
               <p:cNvPr id="3" name="Rounded Rectangle 2">
@@ -19671,6 +20482,106 @@
       </p:grpSpPr>
       <p:sp>
         <p:nvSpPr>
+          <p:cNvPr id="2" name="Title 1">
+            <a:extLst>
+              <a:ext uri="{FF2B5EF4-FFF2-40B4-BE49-F238E27FC236}">
+                <a16:creationId xmlns:a16="http://schemas.microsoft.com/office/drawing/2014/main" id="{10D330C2-52A4-1ABA-980B-56FBC97F350C}"/>
+              </a:ext>
+            </a:extLst>
+          </p:cNvPr>
+          <p:cNvSpPr>
+            <a:spLocks noGrp="1"/>
+          </p:cNvSpPr>
+          <p:nvPr>
+            <p:ph type="title"/>
+          </p:nvPr>
+        </p:nvSpPr>
+        <p:spPr/>
+        <p:txBody>
+          <a:bodyPr/>
+          <a:lstStyle/>
+          <a:p>
+            <a:r>
+              <a:rPr lang="en-US" dirty="0"/>
+              <a:t>Plan for Today</a:t>
+            </a:r>
+          </a:p>
+        </p:txBody>
+      </p:sp>
+      <p:sp>
+        <p:nvSpPr>
+          <p:cNvPr id="3" name="Content Placeholder 2">
+            <a:extLst>
+              <a:ext uri="{FF2B5EF4-FFF2-40B4-BE49-F238E27FC236}">
+                <a16:creationId xmlns:a16="http://schemas.microsoft.com/office/drawing/2014/main" id="{9EAE50F6-429C-715A-C25C-1C7744AED1CF}"/>
+              </a:ext>
+            </a:extLst>
+          </p:cNvPr>
+          <p:cNvSpPr>
+            <a:spLocks noGrp="1"/>
+          </p:cNvSpPr>
+          <p:nvPr>
+            <p:ph idx="1"/>
+          </p:nvPr>
+        </p:nvSpPr>
+        <p:spPr/>
+        <p:txBody>
+          <a:bodyPr>
+            <a:normAutofit/>
+          </a:bodyPr>
+          <a:lstStyle/>
+          <a:p>
+            <a:r>
+              <a:rPr lang="en-US" sz="2400" dirty="0"/>
+              <a:t>What is a proof? </a:t>
+            </a:r>
+          </a:p>
+          <a:p>
+            <a:r>
+              <a:rPr lang="en-US" sz="2400" dirty="0"/>
+              <a:t>Direct proofs</a:t>
+            </a:r>
+          </a:p>
+          <a:p>
+            <a:r>
+              <a:rPr lang="en-US" sz="2400" dirty="0"/>
+              <a:t>Proof by contrapositive</a:t>
+            </a:r>
+          </a:p>
+        </p:txBody>
+      </p:sp>
+    </p:spTree>
+    <p:extLst>
+      <p:ext uri="{BB962C8B-B14F-4D97-AF65-F5344CB8AC3E}">
+        <p14:creationId xmlns:p14="http://schemas.microsoft.com/office/powerpoint/2010/main" val="1085546165"/>
+      </p:ext>
+    </p:extLst>
+  </p:cSld>
+  <p:clrMapOvr>
+    <a:masterClrMapping/>
+  </p:clrMapOvr>
+</p:sld>
+</file>
+
+<file path=ppt/slides/slide4.xml><?xml version="1.0" encoding="utf-8"?>
+<p:sld xmlns:a="http://schemas.openxmlformats.org/drawingml/2006/main" xmlns:r="http://schemas.openxmlformats.org/officeDocument/2006/relationships" xmlns:p="http://schemas.openxmlformats.org/presentationml/2006/main">
+  <p:cSld>
+    <p:spTree>
+      <p:nvGrpSpPr>
+        <p:cNvPr id="1" name=""/>
+        <p:cNvGrpSpPr/>
+        <p:nvPr/>
+      </p:nvGrpSpPr>
+      <p:grpSpPr>
+        <a:xfrm>
+          <a:off x="0" y="0"/>
+          <a:ext cx="0" cy="0"/>
+          <a:chOff x="0" y="0"/>
+          <a:chExt cx="0" cy="0"/>
+        </a:xfrm>
+      </p:grpSpPr>
+      <p:sp>
+        <p:nvSpPr>
           <p:cNvPr id="2" name="Title 1"/>
           <p:cNvSpPr>
             <a:spLocks noGrp="1"/>
@@ -19691,8 +20602,8 @@
           </a:p>
         </p:txBody>
       </p:sp>
-      <mc:AlternateContent xmlns:mc="http://schemas.openxmlformats.org/markup-compatibility/2006">
-        <mc:Choice xmlns:a14="http://schemas.microsoft.com/office/drawing/2010/main" Requires="a14">
+      <mc:AlternateContent xmlns:mc="http://schemas.openxmlformats.org/markup-compatibility/2006" xmlns:a14="http://schemas.microsoft.com/office/drawing/2010/main">
+        <mc:Choice Requires="a14">
           <p:sp>
             <p:nvSpPr>
               <p:cNvPr id="6" name="Content Placeholder 2">
@@ -19855,7 +20766,6 @@
                 </a:r>
               </a:p>
               <a:p>
-                <a:pPr/>
                 <a14:m>
                   <m:oMath xmlns:m="http://schemas.openxmlformats.org/officeDocument/2006/math">
                     <m:r>
@@ -19997,7 +20907,6 @@
                 </a:endParaRPr>
               </a:p>
               <a:p>
-                <a:pPr/>
                 <a14:m>
                   <m:oMath xmlns:m="http://schemas.openxmlformats.org/officeDocument/2006/math">
                     <m:r>
@@ -20144,7 +21053,6 @@
                 </a:endParaRPr>
               </a:p>
               <a:p>
-                <a:pPr/>
                 <a14:m>
                   <m:oMath xmlns:m="http://schemas.openxmlformats.org/officeDocument/2006/math">
                     <m:r>
@@ -20281,7 +21189,6 @@
                 </a:endParaRPr>
               </a:p>
               <a:p>
-                <a:pPr/>
                 <a14:m>
                   <m:oMath xmlns:m="http://schemas.openxmlformats.org/officeDocument/2006/math">
                     <m:r>
@@ -20491,7 +21398,7 @@
             </p:txBody>
           </p:sp>
         </mc:Choice>
-        <mc:Fallback>
+        <mc:Fallback xmlns="">
           <p:sp>
             <p:nvSpPr>
               <p:cNvPr id="6" name="Content Placeholder 2">
@@ -20548,7 +21455,7 @@
 </p:sld>
 </file>
 
-<file path=ppt/slides/slide4.xml><?xml version="1.0" encoding="utf-8"?>
+<file path=ppt/slides/slide5.xml><?xml version="1.0" encoding="utf-8"?>
 <p:sld xmlns:a="http://schemas.openxmlformats.org/drawingml/2006/main" xmlns:r="http://schemas.openxmlformats.org/officeDocument/2006/relationships" xmlns:p="http://schemas.openxmlformats.org/presentationml/2006/main">
   <p:cSld>
     <p:spTree>
@@ -20676,7 +21583,7 @@
 </p:sld>
 </file>
 
-<file path=ppt/slides/slide5.xml><?xml version="1.0" encoding="utf-8"?>
+<file path=ppt/slides/slide6.xml><?xml version="1.0" encoding="utf-8"?>
 <p:sld xmlns:a="http://schemas.openxmlformats.org/drawingml/2006/main" xmlns:r="http://schemas.openxmlformats.org/officeDocument/2006/relationships" xmlns:p="http://schemas.openxmlformats.org/presentationml/2006/main">
   <p:cSld>
     <p:spTree>
@@ -20860,7 +21767,7 @@
 </p:sld>
 </file>
 
-<file path=ppt/slides/slide6.xml><?xml version="1.0" encoding="utf-8"?>
+<file path=ppt/slides/slide7.xml><?xml version="1.0" encoding="utf-8"?>
 <p:sld xmlns:a="http://schemas.openxmlformats.org/drawingml/2006/main" xmlns:r="http://schemas.openxmlformats.org/officeDocument/2006/relationships" xmlns:p="http://schemas.openxmlformats.org/presentationml/2006/main">
   <p:cSld>
     <p:spTree>
@@ -21097,123 +22004,6 @@
 </p:sld>
 </file>
 
-<file path=ppt/slides/slide7.xml><?xml version="1.0" encoding="utf-8"?>
-<p:sld xmlns:a="http://schemas.openxmlformats.org/drawingml/2006/main" xmlns:r="http://schemas.openxmlformats.org/officeDocument/2006/relationships" xmlns:p="http://schemas.openxmlformats.org/presentationml/2006/main">
-  <p:cSld>
-    <p:spTree>
-      <p:nvGrpSpPr>
-        <p:cNvPr id="1" name=""/>
-        <p:cNvGrpSpPr/>
-        <p:nvPr/>
-      </p:nvGrpSpPr>
-      <p:grpSpPr>
-        <a:xfrm>
-          <a:off x="0" y="0"/>
-          <a:ext cx="0" cy="0"/>
-          <a:chOff x="0" y="0"/>
-          <a:chExt cx="0" cy="0"/>
-        </a:xfrm>
-      </p:grpSpPr>
-      <p:sp>
-        <p:nvSpPr>
-          <p:cNvPr id="2" name="Title 1"/>
-          <p:cNvSpPr>
-            <a:spLocks noGrp="1"/>
-          </p:cNvSpPr>
-          <p:nvPr>
-            <p:ph type="title"/>
-          </p:nvPr>
-        </p:nvSpPr>
-        <p:spPr/>
-        <p:txBody>
-          <a:bodyPr/>
-          <a:lstStyle/>
-          <a:p>
-            <a:r>
-              <a:rPr lang="en-US" dirty="0"/>
-              <a:t>Proof Structure</a:t>
-            </a:r>
-          </a:p>
-        </p:txBody>
-      </p:sp>
-      <p:sp>
-        <p:nvSpPr>
-          <p:cNvPr id="9" name="Content Placeholder 2">
-            <a:extLst>
-              <a:ext uri="{FF2B5EF4-FFF2-40B4-BE49-F238E27FC236}">
-                <a16:creationId xmlns:a16="http://schemas.microsoft.com/office/drawing/2014/main" id="{7A564664-5749-10ED-21DE-F5BBF3D2E4F9}"/>
-              </a:ext>
-            </a:extLst>
-          </p:cNvPr>
-          <p:cNvSpPr>
-            <a:spLocks noGrp="1"/>
-          </p:cNvSpPr>
-          <p:nvPr>
-            <p:ph idx="1"/>
-          </p:nvPr>
-        </p:nvSpPr>
-        <p:spPr>
-          <a:xfrm>
-            <a:off x="3515517" y="728420"/>
-            <a:ext cx="8603673" cy="6129580"/>
-          </a:xfrm>
-        </p:spPr>
-        <p:txBody>
-          <a:bodyPr anchor="t">
-            <a:normAutofit/>
-          </a:bodyPr>
-          <a:lstStyle/>
-          <a:p>
-            <a:pPr marL="0" indent="0">
-              <a:buNone/>
-            </a:pPr>
-            <a:r>
-              <a:rPr lang="en-US" sz="2400" dirty="0">
-                <a:solidFill>
-                  <a:schemeClr val="tx1"/>
-                </a:solidFill>
-                <a:latin typeface="Open Sans" panose="020B0606030504020204" pitchFamily="34" charset="0"/>
-              </a:rPr>
-              <a:t>Proofs are a form of communication. You need to write them with the understanding that they are primarily for other people. (Remember, the objective is to convincingly argue to someone that something is true.)</a:t>
-            </a:r>
-          </a:p>
-          <a:p>
-            <a:pPr marL="0" indent="0">
-              <a:buNone/>
-            </a:pPr>
-            <a:endParaRPr lang="en-US" sz="2400" dirty="0">
-              <a:solidFill>
-                <a:schemeClr val="tx1"/>
-              </a:solidFill>
-              <a:latin typeface="Open Sans" panose="020B0606030504020204" pitchFamily="34" charset="0"/>
-            </a:endParaRPr>
-          </a:p>
-          <a:p>
-            <a:pPr marL="0" indent="0">
-              <a:buNone/>
-            </a:pPr>
-            <a:endParaRPr lang="en-US" sz="2400" dirty="0">
-              <a:solidFill>
-                <a:schemeClr val="tx1"/>
-              </a:solidFill>
-              <a:latin typeface="Open Sans" panose="020B0606030504020204" pitchFamily="34" charset="0"/>
-            </a:endParaRPr>
-          </a:p>
-        </p:txBody>
-      </p:sp>
-    </p:spTree>
-    <p:extLst>
-      <p:ext uri="{BB962C8B-B14F-4D97-AF65-F5344CB8AC3E}">
-        <p14:creationId xmlns:p14="http://schemas.microsoft.com/office/powerpoint/2010/main" val="1839830775"/>
-      </p:ext>
-    </p:extLst>
-  </p:cSld>
-  <p:clrMapOvr>
-    <a:masterClrMapping/>
-  </p:clrMapOvr>
-</p:sld>
-</file>
-
 <file path=ppt/slides/slide8.xml><?xml version="1.0" encoding="utf-8"?>
 <p:sld xmlns:a="http://schemas.openxmlformats.org/drawingml/2006/main" xmlns:r="http://schemas.openxmlformats.org/officeDocument/2006/relationships" xmlns:p="http://schemas.openxmlformats.org/presentationml/2006/main">
   <p:cSld>
@@ -21253,192 +22043,75 @@
           </a:p>
         </p:txBody>
       </p:sp>
-      <mc:AlternateContent xmlns:mc="http://schemas.openxmlformats.org/markup-compatibility/2006">
-        <mc:Choice xmlns:a14="http://schemas.microsoft.com/office/drawing/2010/main" Requires="a14">
-          <p:sp>
-            <p:nvSpPr>
-              <p:cNvPr id="9" name="Content Placeholder 2">
-                <a:extLst>
-                  <a:ext uri="{FF2B5EF4-FFF2-40B4-BE49-F238E27FC236}">
-                    <a16:creationId xmlns:a16="http://schemas.microsoft.com/office/drawing/2014/main" id="{7A564664-5749-10ED-21DE-F5BBF3D2E4F9}"/>
-                  </a:ext>
-                </a:extLst>
-              </p:cNvPr>
-              <p:cNvSpPr>
-                <a:spLocks noGrp="1"/>
-              </p:cNvSpPr>
-              <p:nvPr>
-                <p:ph idx="1"/>
-              </p:nvPr>
-            </p:nvSpPr>
-            <p:spPr>
-              <a:xfrm>
-                <a:off x="3515517" y="728420"/>
-                <a:ext cx="8603673" cy="6129580"/>
-              </a:xfrm>
-            </p:spPr>
-            <p:txBody>
-              <a:bodyPr anchor="t">
-                <a:normAutofit/>
-              </a:bodyPr>
-              <a:lstStyle/>
-              <a:p>
-                <a:pPr marL="0" indent="0">
-                  <a:buNone/>
-                </a:pPr>
-                <a:r>
-                  <a:rPr lang="en-US" sz="2400" dirty="0">
-                    <a:solidFill>
-                      <a:schemeClr val="tx1"/>
-                    </a:solidFill>
-                    <a:latin typeface="Open Sans" panose="020B0606030504020204" pitchFamily="34" charset="0"/>
-                  </a:rPr>
-                  <a:t>Proofs are a form of communication. You need to write them with the understanding that they are primarily for other people. (Remember, the objective is to convincingly argue to someone that something is true.)</a:t>
-                </a:r>
-              </a:p>
-              <a:p>
-                <a:pPr marL="0" indent="0">
-                  <a:buNone/>
-                </a:pPr>
-                <a:endParaRPr lang="en-US" sz="2400" dirty="0">
-                  <a:solidFill>
-                    <a:schemeClr val="tx1"/>
-                  </a:solidFill>
-                  <a:latin typeface="Open Sans" panose="020B0606030504020204" pitchFamily="34" charset="0"/>
-                </a:endParaRPr>
-              </a:p>
-              <a:p>
-                <a:pPr marL="0" indent="0">
-                  <a:buNone/>
-                </a:pPr>
-                <a:r>
-                  <a:rPr lang="en-US" sz="2400" dirty="0">
-                    <a:solidFill>
-                      <a:schemeClr val="tx1"/>
-                    </a:solidFill>
-                    <a:latin typeface="Open Sans" panose="020B0606030504020204" pitchFamily="34" charset="0"/>
-                  </a:rPr>
-                  <a:t>Customs / Tips:</a:t>
-                </a:r>
-              </a:p>
-              <a:p>
-                <a:r>
-                  <a:rPr lang="en-US" sz="2400" dirty="0">
-                    <a:solidFill>
-                      <a:schemeClr val="tx1"/>
-                    </a:solidFill>
-                    <a:latin typeface="Open Sans" panose="020B0606030504020204" pitchFamily="34" charset="0"/>
-                  </a:rPr>
-                  <a:t>Start with the word “Proof” and state what you are going to prove</a:t>
-                </a:r>
-              </a:p>
-              <a:p>
-                <a:r>
-                  <a:rPr lang="en-US" sz="2400" dirty="0">
-                    <a:solidFill>
-                      <a:schemeClr val="tx1"/>
-                    </a:solidFill>
-                    <a:latin typeface="Open Sans" panose="020B0606030504020204" pitchFamily="34" charset="0"/>
-                  </a:rPr>
-                  <a:t>Write individual steps clearly, and keep them small</a:t>
-                </a:r>
-              </a:p>
-              <a:p>
-                <a:r>
-                  <a:rPr lang="en-US" sz="2400" dirty="0">
-                    <a:solidFill>
-                      <a:schemeClr val="tx1"/>
-                    </a:solidFill>
-                    <a:latin typeface="Open Sans" panose="020B0606030504020204" pitchFamily="34" charset="0"/>
-                  </a:rPr>
-                  <a:t> End with QED, </a:t>
-                </a:r>
-                <a14:m>
-                  <m:oMath xmlns:m="http://schemas.openxmlformats.org/officeDocument/2006/math">
-                    <m:r>
-                      <a:rPr lang="en-US" sz="2400" i="1" smtClean="0">
-                        <a:solidFill>
-                          <a:schemeClr val="tx1"/>
-                        </a:solidFill>
-                        <a:latin typeface="Cambria Math" panose="02040503050406030204" pitchFamily="18" charset="0"/>
-                        <a:ea typeface="Cambria Math" panose="02040503050406030204" pitchFamily="18" charset="0"/>
-                      </a:rPr>
-                      <m:t>∎</m:t>
-                    </m:r>
-                  </m:oMath>
-                </a14:m>
-                <a:r>
-                  <a:rPr lang="en-US" sz="2400" dirty="0">
-                    <a:solidFill>
-                      <a:schemeClr val="tx1"/>
-                    </a:solidFill>
-                    <a:latin typeface="Open Sans" panose="020B0606030504020204" pitchFamily="34" charset="0"/>
-                  </a:rPr>
-                  <a:t>, //</a:t>
-                </a:r>
-              </a:p>
-              <a:p>
-                <a:pPr marL="0" indent="0">
-                  <a:buNone/>
-                </a:pPr>
-                <a:endParaRPr lang="en-US" sz="2400" dirty="0">
-                  <a:solidFill>
-                    <a:schemeClr val="tx1"/>
-                  </a:solidFill>
-                  <a:latin typeface="Open Sans" panose="020B0606030504020204" pitchFamily="34" charset="0"/>
-                </a:endParaRPr>
-              </a:p>
-            </p:txBody>
-          </p:sp>
-        </mc:Choice>
-        <mc:Fallback>
-          <p:sp>
-            <p:nvSpPr>
-              <p:cNvPr id="9" name="Content Placeholder 2">
-                <a:extLst>
-                  <a:ext uri="{FF2B5EF4-FFF2-40B4-BE49-F238E27FC236}">
-                    <a16:creationId xmlns:a16="http://schemas.microsoft.com/office/drawing/2014/main" id="{7A564664-5749-10ED-21DE-F5BBF3D2E4F9}"/>
-                  </a:ext>
-                </a:extLst>
-              </p:cNvPr>
-              <p:cNvSpPr>
-                <a:spLocks noGrp="1" noRot="1" noChangeAspect="1" noMove="1" noResize="1" noEditPoints="1" noAdjustHandles="1" noChangeArrowheads="1" noChangeShapeType="1" noTextEdit="1"/>
-              </p:cNvSpPr>
-              <p:nvPr>
-                <p:ph idx="1"/>
-              </p:nvPr>
-            </p:nvSpPr>
-            <p:spPr>
-              <a:xfrm>
-                <a:off x="3515517" y="728420"/>
-                <a:ext cx="8603673" cy="6129580"/>
-              </a:xfrm>
-              <a:blipFill>
-                <a:blip r:embed="rId3"/>
-                <a:stretch>
-                  <a:fillRect l="-1031" t="-1449"/>
-                </a:stretch>
-              </a:blipFill>
-            </p:spPr>
-            <p:txBody>
-              <a:bodyPr/>
-              <a:lstStyle/>
-              <a:p>
-                <a:r>
-                  <a:rPr lang="en-US">
-                    <a:noFill/>
-                  </a:rPr>
-                  <a:t> </a:t>
-                </a:r>
-              </a:p>
-            </p:txBody>
-          </p:sp>
-        </mc:Fallback>
-      </mc:AlternateContent>
+      <p:sp>
+        <p:nvSpPr>
+          <p:cNvPr id="9" name="Content Placeholder 2">
+            <a:extLst>
+              <a:ext uri="{FF2B5EF4-FFF2-40B4-BE49-F238E27FC236}">
+                <a16:creationId xmlns:a16="http://schemas.microsoft.com/office/drawing/2014/main" id="{7A564664-5749-10ED-21DE-F5BBF3D2E4F9}"/>
+              </a:ext>
+            </a:extLst>
+          </p:cNvPr>
+          <p:cNvSpPr>
+            <a:spLocks noGrp="1"/>
+          </p:cNvSpPr>
+          <p:nvPr>
+            <p:ph idx="1"/>
+          </p:nvPr>
+        </p:nvSpPr>
+        <p:spPr>
+          <a:xfrm>
+            <a:off x="3515517" y="728420"/>
+            <a:ext cx="8603673" cy="6129580"/>
+          </a:xfrm>
+        </p:spPr>
+        <p:txBody>
+          <a:bodyPr anchor="t">
+            <a:normAutofit/>
+          </a:bodyPr>
+          <a:lstStyle/>
+          <a:p>
+            <a:pPr marL="0" indent="0">
+              <a:buNone/>
+            </a:pPr>
+            <a:r>
+              <a:rPr lang="en-US" sz="2400" dirty="0">
+                <a:solidFill>
+                  <a:schemeClr val="tx1"/>
+                </a:solidFill>
+                <a:latin typeface="Open Sans" panose="020B0606030504020204" pitchFamily="34" charset="0"/>
+              </a:rPr>
+              <a:t>Proofs are a form of communication. You need to write them with the understanding that they are primarily for other people. (Remember, the objective is to convincingly argue to someone that something is true.)</a:t>
+            </a:r>
+          </a:p>
+          <a:p>
+            <a:pPr marL="0" indent="0">
+              <a:buNone/>
+            </a:pPr>
+            <a:endParaRPr lang="en-US" sz="2400" dirty="0">
+              <a:solidFill>
+                <a:schemeClr val="tx1"/>
+              </a:solidFill>
+              <a:latin typeface="Open Sans" panose="020B0606030504020204" pitchFamily="34" charset="0"/>
+            </a:endParaRPr>
+          </a:p>
+          <a:p>
+            <a:pPr marL="0" indent="0">
+              <a:buNone/>
+            </a:pPr>
+            <a:endParaRPr lang="en-US" sz="2400" dirty="0">
+              <a:solidFill>
+                <a:schemeClr val="tx1"/>
+              </a:solidFill>
+              <a:latin typeface="Open Sans" panose="020B0606030504020204" pitchFamily="34" charset="0"/>
+            </a:endParaRPr>
+          </a:p>
+        </p:txBody>
+      </p:sp>
     </p:spTree>
     <p:extLst>
       <p:ext uri="{BB962C8B-B14F-4D97-AF65-F5344CB8AC3E}">
-        <p14:creationId xmlns:p14="http://schemas.microsoft.com/office/powerpoint/2010/main" val="197072767"/>
+        <p14:creationId xmlns:p14="http://schemas.microsoft.com/office/powerpoint/2010/main" val="1839830775"/>
       </p:ext>
     </p:extLst>
   </p:cSld>
@@ -21482,13 +22155,13 @@
           <a:p>
             <a:r>
               <a:rPr lang="en-US" dirty="0"/>
-              <a:t>Example Proof</a:t>
+              <a:t>Proof Structure</a:t>
             </a:r>
           </a:p>
         </p:txBody>
       </p:sp>
-      <mc:AlternateContent xmlns:mc="http://schemas.openxmlformats.org/markup-compatibility/2006">
-        <mc:Choice xmlns:a14="http://schemas.microsoft.com/office/drawing/2010/main" Requires="a14">
+      <mc:AlternateContent xmlns:mc="http://schemas.openxmlformats.org/markup-compatibility/2006" xmlns:a14="http://schemas.microsoft.com/office/drawing/2010/main">
+        <mc:Choice Requires="a14">
           <p:sp>
             <p:nvSpPr>
               <p:cNvPr id="9" name="Content Placeholder 2">
@@ -21507,8 +22180,8 @@
             </p:nvSpPr>
             <p:spPr>
               <a:xfrm>
-                <a:off x="3515518" y="728420"/>
-                <a:ext cx="8423564" cy="6129580"/>
+                <a:off x="3515517" y="728420"/>
+                <a:ext cx="8603673" cy="6129580"/>
               </a:xfrm>
             </p:spPr>
             <p:txBody>
@@ -21521,113 +22194,13 @@
                   <a:buNone/>
                 </a:pPr>
                 <a:r>
-                  <a:rPr lang="en-US" sz="2400" b="1" i="1" dirty="0">
-                    <a:solidFill>
-                      <a:schemeClr val="tx1"/>
-                    </a:solidFill>
-                    <a:latin typeface="Open Sans" panose="020B0606030504020204" pitchFamily="34" charset="0"/>
-                  </a:rPr>
-                  <a:t>Proof</a:t>
-                </a:r>
-                <a:r>
                   <a:rPr lang="en-US" sz="2400" dirty="0">
                     <a:solidFill>
                       <a:schemeClr val="tx1"/>
                     </a:solidFill>
                     <a:latin typeface="Open Sans" panose="020B0606030504020204" pitchFamily="34" charset="0"/>
                   </a:rPr>
-                  <a:t>: We will show that for all integers, </a:t>
-                </a:r>
-                <a14:m>
-                  <m:oMath xmlns:m="http://schemas.openxmlformats.org/officeDocument/2006/math">
-                    <m:r>
-                      <a:rPr lang="en-US" sz="2400" b="0" i="1" smtClean="0">
-                        <a:solidFill>
-                          <a:schemeClr val="tx1"/>
-                        </a:solidFill>
-                        <a:latin typeface="Cambria Math" panose="02040503050406030204" pitchFamily="18" charset="0"/>
-                      </a:rPr>
-                      <m:t>𝑛</m:t>
-                    </m:r>
-                  </m:oMath>
-                </a14:m>
-                <a:r>
-                  <a:rPr lang="en-US" sz="2400" dirty="0">
-                    <a:solidFill>
-                      <a:schemeClr val="tx1"/>
-                    </a:solidFill>
-                    <a:latin typeface="Open Sans" panose="020B0606030504020204" pitchFamily="34" charset="0"/>
-                  </a:rPr>
-                  <a:t>, if </a:t>
-                </a:r>
-                <a14:m>
-                  <m:oMath xmlns:m="http://schemas.openxmlformats.org/officeDocument/2006/math">
-                    <m:r>
-                      <a:rPr lang="en-US" sz="2400" b="0" i="1" smtClean="0">
-                        <a:solidFill>
-                          <a:schemeClr val="tx1"/>
-                        </a:solidFill>
-                        <a:latin typeface="Cambria Math" panose="02040503050406030204" pitchFamily="18" charset="0"/>
-                      </a:rPr>
-                      <m:t>𝑛</m:t>
-                    </m:r>
-                  </m:oMath>
-                </a14:m>
-                <a:r>
-                  <a:rPr lang="en-US" sz="2400" dirty="0">
-                    <a:solidFill>
-                      <a:schemeClr val="tx1"/>
-                    </a:solidFill>
-                    <a:latin typeface="Open Sans" panose="020B0606030504020204" pitchFamily="34" charset="0"/>
-                  </a:rPr>
-                  <a:t> is even then </a:t>
-                </a:r>
-                <a14:m>
-                  <m:oMath xmlns:m="http://schemas.openxmlformats.org/officeDocument/2006/math">
-                    <m:sSup>
-                      <m:sSupPr>
-                        <m:ctrlPr>
-                          <a:rPr lang="en-US" sz="2400" b="0" i="1" smtClean="0">
-                            <a:solidFill>
-                              <a:schemeClr val="tx1"/>
-                            </a:solidFill>
-                            <a:latin typeface="Cambria Math" panose="02040503050406030204" pitchFamily="18" charset="0"/>
-                          </a:rPr>
-                        </m:ctrlPr>
-                      </m:sSupPr>
-                      <m:e>
-                        <m:r>
-                          <a:rPr lang="en-US" sz="2400" b="0" i="1" smtClean="0">
-                            <a:solidFill>
-                              <a:schemeClr val="tx1"/>
-                            </a:solidFill>
-                            <a:latin typeface="Cambria Math" panose="02040503050406030204" pitchFamily="18" charset="0"/>
-                          </a:rPr>
-                          <m:t>𝑛</m:t>
-                        </m:r>
-                      </m:e>
-                      <m:sup>
-                        <m:r>
-                          <a:rPr lang="en-US" sz="2400" b="0" i="1" smtClean="0">
-                            <a:solidFill>
-                              <a:schemeClr val="tx1"/>
-                            </a:solidFill>
-                            <a:latin typeface="Cambria Math" panose="02040503050406030204" pitchFamily="18" charset="0"/>
-                          </a:rPr>
-                          <m:t>2</m:t>
-                        </m:r>
-                      </m:sup>
-                    </m:sSup>
-                  </m:oMath>
-                </a14:m>
-                <a:r>
-                  <a:rPr lang="en-US" sz="2400" dirty="0">
-                    <a:solidFill>
-                      <a:schemeClr val="tx1"/>
-                    </a:solidFill>
-                    <a:latin typeface="Open Sans" panose="020B0606030504020204" pitchFamily="34" charset="0"/>
-                  </a:rPr>
-                  <a:t> is even.  </a:t>
+                  <a:t>Proofs are a form of communication. You need to write them with the understanding that they are primarily for other people. (Remember, the objective is to convincingly argue to someone that something is true.)</a:t>
                 </a:r>
               </a:p>
               <a:p>
@@ -21652,18 +22225,52 @@
                     </a:solidFill>
                     <a:latin typeface="Open Sans" panose="020B0606030504020204" pitchFamily="34" charset="0"/>
                   </a:rPr>
-                  <a:t>Let </a:t>
+                  <a:t>Customs / Tips:</a:t>
+                </a:r>
+              </a:p>
+              <a:p>
+                <a:r>
+                  <a:rPr lang="en-US" sz="2400" dirty="0">
+                    <a:solidFill>
+                      <a:schemeClr val="tx1"/>
+                    </a:solidFill>
+                    <a:latin typeface="Open Sans" panose="020B0606030504020204" pitchFamily="34" charset="0"/>
+                  </a:rPr>
+                  <a:t>Start with the word “Proof” and state what you are going to prove</a:t>
+                </a:r>
+              </a:p>
+              <a:p>
+                <a:r>
+                  <a:rPr lang="en-US" sz="2400" dirty="0">
+                    <a:solidFill>
+                      <a:schemeClr val="tx1"/>
+                    </a:solidFill>
+                    <a:latin typeface="Open Sans" panose="020B0606030504020204" pitchFamily="34" charset="0"/>
+                  </a:rPr>
+                  <a:t>Write individual steps clearly, and keep them small</a:t>
+                </a:r>
+              </a:p>
+              <a:p>
+                <a:r>
+                  <a:rPr lang="en-US" sz="2400" dirty="0">
+                    <a:solidFill>
+                      <a:schemeClr val="tx1"/>
+                    </a:solidFill>
+                    <a:latin typeface="Open Sans" panose="020B0606030504020204" pitchFamily="34" charset="0"/>
+                  </a:rPr>
+                  <a:t> End with QED, </a:t>
                 </a:r>
                 <a14:m>
                   <m:oMath xmlns:m="http://schemas.openxmlformats.org/officeDocument/2006/math">
                     <m:r>
-                      <a:rPr lang="en-US" sz="2400" b="0" i="1" smtClean="0">
-                        <a:solidFill>
-                          <a:schemeClr val="tx1"/>
-                        </a:solidFill>
-                        <a:latin typeface="Cambria Math" panose="02040503050406030204" pitchFamily="18" charset="0"/>
-                      </a:rPr>
-                      <m:t>𝑛</m:t>
+                      <a:rPr lang="en-US" sz="2400" i="1" smtClean="0">
+                        <a:solidFill>
+                          <a:schemeClr val="tx1"/>
+                        </a:solidFill>
+                        <a:latin typeface="Cambria Math" panose="02040503050406030204" pitchFamily="18" charset="0"/>
+                        <a:ea typeface="Cambria Math" panose="02040503050406030204" pitchFamily="18" charset="0"/>
+                      </a:rPr>
+                      <m:t>∎</m:t>
                     </m:r>
                   </m:oMath>
                 </a14:m>
@@ -21674,517 +22281,7 @@
                     </a:solidFill>
                     <a:latin typeface="Open Sans" panose="020B0606030504020204" pitchFamily="34" charset="0"/>
                   </a:rPr>
-                  <a:t> be any arbitrary integer. </a:t>
-                </a:r>
-              </a:p>
-              <a:p>
-                <a:pPr marL="0" indent="0">
-                  <a:buNone/>
-                </a:pPr>
-                <a:r>
-                  <a:rPr lang="en-US" sz="2400" dirty="0">
-                    <a:solidFill>
-                      <a:schemeClr val="tx1"/>
-                    </a:solidFill>
-                    <a:latin typeface="Open Sans" panose="020B0606030504020204" pitchFamily="34" charset="0"/>
-                  </a:rPr>
-                  <a:t>Given the definition of even, we know </a:t>
-                </a:r>
-                <a14:m>
-                  <m:oMath xmlns:m="http://schemas.openxmlformats.org/officeDocument/2006/math">
-                    <m:r>
-                      <a:rPr lang="en-US" sz="2400" b="0" i="1" smtClean="0">
-                        <a:solidFill>
-                          <a:schemeClr val="tx1"/>
-                        </a:solidFill>
-                        <a:latin typeface="Cambria Math" panose="02040503050406030204" pitchFamily="18" charset="0"/>
-                      </a:rPr>
-                      <m:t>𝑛</m:t>
-                    </m:r>
-                    <m:r>
-                      <a:rPr lang="en-US" sz="2400" b="0" i="1" smtClean="0">
-                        <a:solidFill>
-                          <a:schemeClr val="tx1"/>
-                        </a:solidFill>
-                        <a:latin typeface="Cambria Math" panose="02040503050406030204" pitchFamily="18" charset="0"/>
-                      </a:rPr>
-                      <m:t>=2</m:t>
-                    </m:r>
-                    <m:r>
-                      <a:rPr lang="en-US" sz="2400" b="0" i="1" smtClean="0">
-                        <a:solidFill>
-                          <a:schemeClr val="tx1"/>
-                        </a:solidFill>
-                        <a:latin typeface="Cambria Math" panose="02040503050406030204" pitchFamily="18" charset="0"/>
-                      </a:rPr>
-                      <m:t>𝑘</m:t>
-                    </m:r>
-                  </m:oMath>
-                </a14:m>
-                <a:r>
-                  <a:rPr lang="en-US" sz="2400" dirty="0">
-                    <a:solidFill>
-                      <a:schemeClr val="tx1"/>
-                    </a:solidFill>
-                    <a:latin typeface="Open Sans" panose="020B0606030504020204" pitchFamily="34" charset="0"/>
-                  </a:rPr>
-                  <a:t> for some integer </a:t>
-                </a:r>
-                <a14:m>
-                  <m:oMath xmlns:m="http://schemas.openxmlformats.org/officeDocument/2006/math">
-                    <m:r>
-                      <a:rPr lang="en-US" sz="2400" b="0" i="1" smtClean="0">
-                        <a:solidFill>
-                          <a:schemeClr val="tx1"/>
-                        </a:solidFill>
-                        <a:latin typeface="Cambria Math" panose="02040503050406030204" pitchFamily="18" charset="0"/>
-                      </a:rPr>
-                      <m:t>𝑘</m:t>
-                    </m:r>
-                  </m:oMath>
-                </a14:m>
-                <a:r>
-                  <a:rPr lang="en-US" sz="2400" dirty="0">
-                    <a:solidFill>
-                      <a:schemeClr val="tx1"/>
-                    </a:solidFill>
-                    <a:latin typeface="Open Sans" panose="020B0606030504020204" pitchFamily="34" charset="0"/>
-                  </a:rPr>
-                  <a:t>.</a:t>
-                </a:r>
-              </a:p>
-              <a:p>
-                <a:pPr marL="0" indent="0">
-                  <a:buNone/>
-                </a:pPr>
-                <a:r>
-                  <a:rPr lang="en-US" sz="2400" dirty="0">
-                    <a:solidFill>
-                      <a:schemeClr val="tx1"/>
-                    </a:solidFill>
-                    <a:latin typeface="Open Sans" panose="020B0606030504020204" pitchFamily="34" charset="0"/>
-                  </a:rPr>
-                  <a:t>Therefore, </a:t>
-                </a:r>
-                <a14:m>
-                  <m:oMath xmlns:m="http://schemas.openxmlformats.org/officeDocument/2006/math">
-                    <m:sSup>
-                      <m:sSupPr>
-                        <m:ctrlPr>
-                          <a:rPr lang="en-US" sz="2400" b="0" i="1" smtClean="0">
-                            <a:solidFill>
-                              <a:schemeClr val="tx1"/>
-                            </a:solidFill>
-                            <a:latin typeface="Cambria Math" panose="02040503050406030204" pitchFamily="18" charset="0"/>
-                          </a:rPr>
-                        </m:ctrlPr>
-                      </m:sSupPr>
-                      <m:e>
-                        <m:r>
-                          <a:rPr lang="en-US" sz="2400" b="0" i="1" smtClean="0">
-                            <a:solidFill>
-                              <a:schemeClr val="tx1"/>
-                            </a:solidFill>
-                            <a:latin typeface="Cambria Math" panose="02040503050406030204" pitchFamily="18" charset="0"/>
-                          </a:rPr>
-                          <m:t>𝑛</m:t>
-                        </m:r>
-                      </m:e>
-                      <m:sup>
-                        <m:r>
-                          <a:rPr lang="en-US" sz="2400" b="0" i="1" smtClean="0">
-                            <a:solidFill>
-                              <a:schemeClr val="tx1"/>
-                            </a:solidFill>
-                            <a:latin typeface="Cambria Math" panose="02040503050406030204" pitchFamily="18" charset="0"/>
-                          </a:rPr>
-                          <m:t>2</m:t>
-                        </m:r>
-                      </m:sup>
-                    </m:sSup>
-                    <m:r>
-                      <a:rPr lang="en-US" sz="2400" b="0" i="1" smtClean="0">
-                        <a:solidFill>
-                          <a:schemeClr val="tx1"/>
-                        </a:solidFill>
-                        <a:latin typeface="Cambria Math" panose="02040503050406030204" pitchFamily="18" charset="0"/>
-                      </a:rPr>
-                      <m:t>=</m:t>
-                    </m:r>
-                    <m:sSup>
-                      <m:sSupPr>
-                        <m:ctrlPr>
-                          <a:rPr lang="en-US" sz="2400" b="0" i="1" smtClean="0">
-                            <a:solidFill>
-                              <a:schemeClr val="tx1"/>
-                            </a:solidFill>
-                            <a:latin typeface="Cambria Math" panose="02040503050406030204" pitchFamily="18" charset="0"/>
-                          </a:rPr>
-                        </m:ctrlPr>
-                      </m:sSupPr>
-                      <m:e>
-                        <m:d>
-                          <m:dPr>
-                            <m:ctrlPr>
-                              <a:rPr lang="en-US" sz="2400" b="0" i="1" smtClean="0">
-                                <a:solidFill>
-                                  <a:schemeClr val="tx1"/>
-                                </a:solidFill>
-                                <a:latin typeface="Cambria Math" panose="02040503050406030204" pitchFamily="18" charset="0"/>
-                              </a:rPr>
-                            </m:ctrlPr>
-                          </m:dPr>
-                          <m:e>
-                            <m:r>
-                              <a:rPr lang="en-US" sz="2400" b="0" i="1" smtClean="0">
-                                <a:solidFill>
-                                  <a:schemeClr val="tx1"/>
-                                </a:solidFill>
-                                <a:latin typeface="Cambria Math" panose="02040503050406030204" pitchFamily="18" charset="0"/>
-                              </a:rPr>
-                              <m:t>2</m:t>
-                            </m:r>
-                            <m:r>
-                              <a:rPr lang="en-US" sz="2400" b="0" i="1" smtClean="0">
-                                <a:solidFill>
-                                  <a:schemeClr val="tx1"/>
-                                </a:solidFill>
-                                <a:latin typeface="Cambria Math" panose="02040503050406030204" pitchFamily="18" charset="0"/>
-                              </a:rPr>
-                              <m:t>𝑘</m:t>
-                            </m:r>
-                          </m:e>
-                        </m:d>
-                      </m:e>
-                      <m:sup>
-                        <m:r>
-                          <a:rPr lang="en-US" sz="2400" b="0" i="1" smtClean="0">
-                            <a:solidFill>
-                              <a:schemeClr val="tx1"/>
-                            </a:solidFill>
-                            <a:latin typeface="Cambria Math" panose="02040503050406030204" pitchFamily="18" charset="0"/>
-                          </a:rPr>
-                          <m:t>2</m:t>
-                        </m:r>
-                      </m:sup>
-                    </m:sSup>
-                  </m:oMath>
-                </a14:m>
-                <a:r>
-                  <a:rPr lang="en-US" sz="2400" dirty="0">
-                    <a:solidFill>
-                      <a:schemeClr val="tx1"/>
-                    </a:solidFill>
-                    <a:latin typeface="Open Sans" panose="020B0606030504020204" pitchFamily="34" charset="0"/>
-                  </a:rPr>
-                  <a:t>. </a:t>
-                </a:r>
-              </a:p>
-              <a:p>
-                <a:pPr marL="0" indent="0">
-                  <a:buNone/>
-                </a:pPr>
-                <a:r>
-                  <a:rPr lang="en-US" sz="2400" dirty="0">
-                    <a:solidFill>
-                      <a:schemeClr val="tx1"/>
-                    </a:solidFill>
-                    <a:latin typeface="Open Sans" panose="020B0606030504020204" pitchFamily="34" charset="0"/>
-                  </a:rPr>
-                  <a:t>If we distribute the exponent, </a:t>
-                </a:r>
-                <a14:m>
-                  <m:oMath xmlns:m="http://schemas.openxmlformats.org/officeDocument/2006/math">
-                    <m:sSup>
-                      <m:sSupPr>
-                        <m:ctrlPr>
-                          <a:rPr lang="en-US" sz="2400" b="0" i="1" smtClean="0">
-                            <a:solidFill>
-                              <a:schemeClr val="tx1"/>
-                            </a:solidFill>
-                            <a:latin typeface="Cambria Math" panose="02040503050406030204" pitchFamily="18" charset="0"/>
-                          </a:rPr>
-                        </m:ctrlPr>
-                      </m:sSupPr>
-                      <m:e>
-                        <m:r>
-                          <a:rPr lang="en-US" sz="2400" b="0" i="1" smtClean="0">
-                            <a:solidFill>
-                              <a:schemeClr val="tx1"/>
-                            </a:solidFill>
-                            <a:latin typeface="Cambria Math" panose="02040503050406030204" pitchFamily="18" charset="0"/>
-                          </a:rPr>
-                          <m:t>𝑛</m:t>
-                        </m:r>
-                      </m:e>
-                      <m:sup>
-                        <m:r>
-                          <a:rPr lang="en-US" sz="2400" b="0" i="1" smtClean="0">
-                            <a:solidFill>
-                              <a:schemeClr val="tx1"/>
-                            </a:solidFill>
-                            <a:latin typeface="Cambria Math" panose="02040503050406030204" pitchFamily="18" charset="0"/>
-                          </a:rPr>
-                          <m:t>2</m:t>
-                        </m:r>
-                      </m:sup>
-                    </m:sSup>
-                    <m:r>
-                      <a:rPr lang="en-US" sz="2400" b="0" i="1" smtClean="0">
-                        <a:solidFill>
-                          <a:schemeClr val="tx1"/>
-                        </a:solidFill>
-                        <a:latin typeface="Cambria Math" panose="02040503050406030204" pitchFamily="18" charset="0"/>
-                      </a:rPr>
-                      <m:t>=</m:t>
-                    </m:r>
-                    <m:r>
-                      <a:rPr lang="en-US" sz="2400" b="0" i="1" smtClean="0">
-                        <a:solidFill>
-                          <a:schemeClr val="tx1"/>
-                        </a:solidFill>
-                        <a:latin typeface="Cambria Math" panose="02040503050406030204" pitchFamily="18" charset="0"/>
-                      </a:rPr>
-                      <m:t>4</m:t>
-                    </m:r>
-                    <m:sSup>
-                      <m:sSupPr>
-                        <m:ctrlPr>
-                          <a:rPr lang="en-US" sz="2400" b="0" i="1" smtClean="0">
-                            <a:solidFill>
-                              <a:schemeClr val="tx1"/>
-                            </a:solidFill>
-                            <a:latin typeface="Cambria Math" panose="02040503050406030204" pitchFamily="18" charset="0"/>
-                          </a:rPr>
-                        </m:ctrlPr>
-                      </m:sSupPr>
-                      <m:e>
-                        <m:r>
-                          <a:rPr lang="en-US" sz="2400" b="0" i="1" smtClean="0">
-                            <a:solidFill>
-                              <a:schemeClr val="tx1"/>
-                            </a:solidFill>
-                            <a:latin typeface="Cambria Math" panose="02040503050406030204" pitchFamily="18" charset="0"/>
-                          </a:rPr>
-                          <m:t>𝑘</m:t>
-                        </m:r>
-                      </m:e>
-                      <m:sup>
-                        <m:r>
-                          <a:rPr lang="en-US" sz="2400" b="0" i="1" smtClean="0">
-                            <a:solidFill>
-                              <a:schemeClr val="tx1"/>
-                            </a:solidFill>
-                            <a:latin typeface="Cambria Math" panose="02040503050406030204" pitchFamily="18" charset="0"/>
-                          </a:rPr>
-                          <m:t>2</m:t>
-                        </m:r>
-                      </m:sup>
-                    </m:sSup>
-                    <m:r>
-                      <a:rPr lang="en-US" sz="2400" b="0" i="0" smtClean="0">
-                        <a:solidFill>
-                          <a:schemeClr val="tx1"/>
-                        </a:solidFill>
-                        <a:latin typeface="Cambria Math" panose="02040503050406030204" pitchFamily="18" charset="0"/>
-                      </a:rPr>
-                      <m:t>=2(2</m:t>
-                    </m:r>
-                    <m:sSup>
-                      <m:sSupPr>
-                        <m:ctrlPr>
-                          <a:rPr lang="en-US" sz="2400" b="0" i="0" smtClean="0">
-                            <a:solidFill>
-                              <a:schemeClr val="tx1"/>
-                            </a:solidFill>
-                            <a:latin typeface="Cambria Math" panose="02040503050406030204" pitchFamily="18" charset="0"/>
-                          </a:rPr>
-                        </m:ctrlPr>
-                      </m:sSupPr>
-                      <m:e>
-                        <m:r>
-                          <m:rPr>
-                            <m:sty m:val="p"/>
-                          </m:rPr>
-                          <a:rPr lang="en-US" sz="2400" b="0" i="0" smtClean="0">
-                            <a:solidFill>
-                              <a:schemeClr val="tx1"/>
-                            </a:solidFill>
-                            <a:latin typeface="Cambria Math" panose="02040503050406030204" pitchFamily="18" charset="0"/>
-                          </a:rPr>
-                          <m:t>k</m:t>
-                        </m:r>
-                      </m:e>
-                      <m:sup>
-                        <m:r>
-                          <a:rPr lang="en-US" sz="2400" b="0" i="0" smtClean="0">
-                            <a:solidFill>
-                              <a:schemeClr val="tx1"/>
-                            </a:solidFill>
-                            <a:latin typeface="Cambria Math" panose="02040503050406030204" pitchFamily="18" charset="0"/>
-                          </a:rPr>
-                          <m:t>2</m:t>
-                        </m:r>
-                      </m:sup>
-                    </m:sSup>
-                    <m:r>
-                      <a:rPr lang="en-US" sz="2400" b="0" i="0" smtClean="0">
-                        <a:solidFill>
-                          <a:schemeClr val="tx1"/>
-                        </a:solidFill>
-                        <a:latin typeface="Cambria Math" panose="02040503050406030204" pitchFamily="18" charset="0"/>
-                      </a:rPr>
-                      <m:t>)</m:t>
-                    </m:r>
-                  </m:oMath>
-                </a14:m>
-                <a:r>
-                  <a:rPr lang="en-US" sz="2400" dirty="0">
-                    <a:solidFill>
-                      <a:schemeClr val="tx1"/>
-                    </a:solidFill>
-                    <a:latin typeface="Open Sans" panose="020B0606030504020204" pitchFamily="34" charset="0"/>
-                  </a:rPr>
-                  <a:t>. </a:t>
-                </a:r>
-              </a:p>
-              <a:p>
-                <a:pPr marL="0" indent="0">
-                  <a:buNone/>
-                </a:pPr>
-                <a:r>
-                  <a:rPr lang="en-US" sz="2400" dirty="0">
-                    <a:solidFill>
-                      <a:schemeClr val="tx1"/>
-                    </a:solidFill>
-                    <a:latin typeface="Open Sans" panose="020B0606030504020204" pitchFamily="34" charset="0"/>
-                  </a:rPr>
-                  <a:t>Because </a:t>
-                </a:r>
-                <a14:m>
-                  <m:oMath xmlns:m="http://schemas.openxmlformats.org/officeDocument/2006/math">
-                    <m:r>
-                      <a:rPr lang="en-US" sz="2400" b="0" i="1" smtClean="0">
-                        <a:solidFill>
-                          <a:schemeClr val="tx1"/>
-                        </a:solidFill>
-                        <a:latin typeface="Cambria Math" panose="02040503050406030204" pitchFamily="18" charset="0"/>
-                      </a:rPr>
-                      <m:t>2</m:t>
-                    </m:r>
-                    <m:sSup>
-                      <m:sSupPr>
-                        <m:ctrlPr>
-                          <a:rPr lang="en-US" sz="2400" b="0" i="1" smtClean="0">
-                            <a:solidFill>
-                              <a:schemeClr val="tx1"/>
-                            </a:solidFill>
-                            <a:latin typeface="Cambria Math" panose="02040503050406030204" pitchFamily="18" charset="0"/>
-                          </a:rPr>
-                        </m:ctrlPr>
-                      </m:sSupPr>
-                      <m:e>
-                        <m:r>
-                          <a:rPr lang="en-US" sz="2400" b="0" i="1" smtClean="0">
-                            <a:solidFill>
-                              <a:schemeClr val="tx1"/>
-                            </a:solidFill>
-                            <a:latin typeface="Cambria Math" panose="02040503050406030204" pitchFamily="18" charset="0"/>
-                          </a:rPr>
-                          <m:t>𝑘</m:t>
-                        </m:r>
-                      </m:e>
-                      <m:sup>
-                        <m:r>
-                          <a:rPr lang="en-US" sz="2400" b="0" i="1" smtClean="0">
-                            <a:solidFill>
-                              <a:schemeClr val="tx1"/>
-                            </a:solidFill>
-                            <a:latin typeface="Cambria Math" panose="02040503050406030204" pitchFamily="18" charset="0"/>
-                          </a:rPr>
-                          <m:t>2</m:t>
-                        </m:r>
-                      </m:sup>
-                    </m:sSup>
-                  </m:oMath>
-                </a14:m>
-                <a:r>
-                  <a:rPr lang="en-US" sz="2400" dirty="0">
-                    <a:solidFill>
-                      <a:schemeClr val="tx1"/>
-                    </a:solidFill>
-                    <a:latin typeface="Open Sans" panose="020B0606030504020204" pitchFamily="34" charset="0"/>
-                  </a:rPr>
-                  <a:t> is an integer, and it is multiplied by </a:t>
-                </a:r>
-                <a14:m>
-                  <m:oMath xmlns:m="http://schemas.openxmlformats.org/officeDocument/2006/math">
-                    <m:r>
-                      <a:rPr lang="en-US" sz="2400" b="0" i="1" smtClean="0">
-                        <a:solidFill>
-                          <a:schemeClr val="tx1"/>
-                        </a:solidFill>
-                        <a:latin typeface="Cambria Math" panose="02040503050406030204" pitchFamily="18" charset="0"/>
-                      </a:rPr>
-                      <m:t>2</m:t>
-                    </m:r>
-                  </m:oMath>
-                </a14:m>
-                <a:r>
-                  <a:rPr lang="en-US" sz="2400" dirty="0">
-                    <a:solidFill>
-                      <a:schemeClr val="tx1"/>
-                    </a:solidFill>
-                    <a:latin typeface="Open Sans" panose="020B0606030504020204" pitchFamily="34" charset="0"/>
-                  </a:rPr>
-                  <a:t>, we know that </a:t>
-                </a:r>
-                <a14:m>
-                  <m:oMath xmlns:m="http://schemas.openxmlformats.org/officeDocument/2006/math">
-                    <m:sSup>
-                      <m:sSupPr>
-                        <m:ctrlPr>
-                          <a:rPr lang="en-US" sz="2400" b="0" i="1" smtClean="0">
-                            <a:solidFill>
-                              <a:schemeClr val="tx1"/>
-                            </a:solidFill>
-                            <a:latin typeface="Cambria Math" panose="02040503050406030204" pitchFamily="18" charset="0"/>
-                          </a:rPr>
-                        </m:ctrlPr>
-                      </m:sSupPr>
-                      <m:e>
-                        <m:r>
-                          <a:rPr lang="en-US" sz="2400" b="0" i="1" smtClean="0">
-                            <a:solidFill>
-                              <a:schemeClr val="tx1"/>
-                            </a:solidFill>
-                            <a:latin typeface="Cambria Math" panose="02040503050406030204" pitchFamily="18" charset="0"/>
-                          </a:rPr>
-                          <m:t>𝑛</m:t>
-                        </m:r>
-                      </m:e>
-                      <m:sup>
-                        <m:r>
-                          <a:rPr lang="en-US" sz="2400" b="0" i="1" smtClean="0">
-                            <a:solidFill>
-                              <a:schemeClr val="tx1"/>
-                            </a:solidFill>
-                            <a:latin typeface="Cambria Math" panose="02040503050406030204" pitchFamily="18" charset="0"/>
-                          </a:rPr>
-                          <m:t>2</m:t>
-                        </m:r>
-                      </m:sup>
-                    </m:sSup>
-                  </m:oMath>
-                </a14:m>
-                <a:r>
-                  <a:rPr lang="en-US" sz="2400" dirty="0">
-                    <a:solidFill>
-                      <a:schemeClr val="tx1"/>
-                    </a:solidFill>
-                    <a:latin typeface="Open Sans" panose="020B0606030504020204" pitchFamily="34" charset="0"/>
-                  </a:rPr>
-                  <a:t> is even. // </a:t>
+                  <a:t>, //</a:t>
                 </a:r>
               </a:p>
               <a:p>
@@ -22198,32 +22295,10 @@
                   <a:latin typeface="Open Sans" panose="020B0606030504020204" pitchFamily="34" charset="0"/>
                 </a:endParaRPr>
               </a:p>
-              <a:p>
-                <a:pPr marL="0" indent="0">
-                  <a:buNone/>
-                </a:pPr>
-                <a:endParaRPr lang="en-US" sz="2400" dirty="0">
-                  <a:solidFill>
-                    <a:schemeClr val="tx1"/>
-                  </a:solidFill>
-                  <a:latin typeface="Open Sans" panose="020B0606030504020204" pitchFamily="34" charset="0"/>
-                </a:endParaRPr>
-              </a:p>
-              <a:p>
-                <a:pPr marL="0" indent="0">
-                  <a:buNone/>
-                </a:pPr>
-                <a:endParaRPr lang="en-US" sz="2400" dirty="0">
-                  <a:solidFill>
-                    <a:schemeClr val="tx1"/>
-                  </a:solidFill>
-                  <a:latin typeface="Open Sans" panose="020B0606030504020204" pitchFamily="34" charset="0"/>
-                </a:endParaRPr>
-              </a:p>
             </p:txBody>
           </p:sp>
         </mc:Choice>
-        <mc:Fallback>
+        <mc:Fallback xmlns="">
           <p:sp>
             <p:nvSpPr>
               <p:cNvPr id="9" name="Content Placeholder 2">
@@ -22242,13 +22317,13 @@
             </p:nvSpPr>
             <p:spPr>
               <a:xfrm>
-                <a:off x="3515518" y="728420"/>
-                <a:ext cx="8423564" cy="6129580"/>
+                <a:off x="3515517" y="728420"/>
+                <a:ext cx="8603673" cy="6129580"/>
               </a:xfrm>
               <a:blipFill>
                 <a:blip r:embed="rId3"/>
                 <a:stretch>
-                  <a:fillRect l="-1053" t="-1449"/>
+                  <a:fillRect l="-1031" t="-1449"/>
                 </a:stretch>
               </a:blipFill>
             </p:spPr>
@@ -22270,7 +22345,7 @@
     </p:spTree>
     <p:extLst>
       <p:ext uri="{BB962C8B-B14F-4D97-AF65-F5344CB8AC3E}">
-        <p14:creationId xmlns:p14="http://schemas.microsoft.com/office/powerpoint/2010/main" val="1136990872"/>
+        <p14:creationId xmlns:p14="http://schemas.microsoft.com/office/powerpoint/2010/main" val="197072767"/>
       </p:ext>
     </p:extLst>
   </p:cSld>

--- a/slides/04-direct-contrapositive.pptx
+++ b/slides/04-direct-contrapositive.pptx
@@ -5,7 +5,7 @@
     <p:sldMasterId id="2147483852" r:id="rId1"/>
   </p:sldMasterIdLst>
   <p:notesMasterIdLst>
-    <p:notesMasterId r:id="rId31"/>
+    <p:notesMasterId r:id="rId32"/>
   </p:notesMasterIdLst>
   <p:sldIdLst>
     <p:sldId id="256" r:id="rId2"/>
@@ -24,19 +24,20 @@
     <p:sldId id="429" r:id="rId15"/>
     <p:sldId id="430" r:id="rId16"/>
     <p:sldId id="432" r:id="rId17"/>
-    <p:sldId id="433" r:id="rId18"/>
-    <p:sldId id="431" r:id="rId19"/>
-    <p:sldId id="434" r:id="rId20"/>
-    <p:sldId id="435" r:id="rId21"/>
-    <p:sldId id="436" r:id="rId22"/>
-    <p:sldId id="438" r:id="rId23"/>
-    <p:sldId id="437" r:id="rId24"/>
-    <p:sldId id="439" r:id="rId25"/>
-    <p:sldId id="440" r:id="rId26"/>
-    <p:sldId id="441" r:id="rId27"/>
-    <p:sldId id="442" r:id="rId28"/>
-    <p:sldId id="443" r:id="rId29"/>
-    <p:sldId id="444" r:id="rId30"/>
+    <p:sldId id="446" r:id="rId18"/>
+    <p:sldId id="433" r:id="rId19"/>
+    <p:sldId id="431" r:id="rId20"/>
+    <p:sldId id="434" r:id="rId21"/>
+    <p:sldId id="435" r:id="rId22"/>
+    <p:sldId id="436" r:id="rId23"/>
+    <p:sldId id="438" r:id="rId24"/>
+    <p:sldId id="437" r:id="rId25"/>
+    <p:sldId id="439" r:id="rId26"/>
+    <p:sldId id="440" r:id="rId27"/>
+    <p:sldId id="441" r:id="rId28"/>
+    <p:sldId id="442" r:id="rId29"/>
+    <p:sldId id="443" r:id="rId30"/>
+    <p:sldId id="444" r:id="rId31"/>
   </p:sldIdLst>
   <p:sldSz cx="12192000" cy="6858000"/>
   <p:notesSz cx="6858000" cy="9144000"/>
@@ -225,7 +226,7 @@
           <a:p>
             <a:fld id="{3CBB8A52-8AC5-C74C-97FB-632C448F3674}" type="datetimeFigureOut">
               <a:rPr lang="en-US" smtClean="0"/>
-              <a:t>1/23/24</a:t>
+              <a:t>1/25/24</a:t>
             </a:fld>
             <a:endParaRPr lang="en-US"/>
           </a:p>
@@ -1051,7 +1052,7 @@
           <a:p>
             <a:fld id="{77F12483-E947-6F4E-A75E-B2E677827779}" type="slidenum">
               <a:rPr lang="en-US" smtClean="0"/>
-              <a:t>17</a:t>
+              <a:t>18</a:t>
             </a:fld>
             <a:endParaRPr lang="en-US"/>
           </a:p>
@@ -1145,7 +1146,7 @@
           <a:p>
             <a:fld id="{77F12483-E947-6F4E-A75E-B2E677827779}" type="slidenum">
               <a:rPr lang="en-US" smtClean="0"/>
-              <a:t>18</a:t>
+              <a:t>19</a:t>
             </a:fld>
             <a:endParaRPr lang="en-US"/>
           </a:p>
@@ -1229,7 +1230,7 @@
           <a:p>
             <a:fld id="{77F12483-E947-6F4E-A75E-B2E677827779}" type="slidenum">
               <a:rPr lang="en-US" smtClean="0"/>
-              <a:t>19</a:t>
+              <a:t>20</a:t>
             </a:fld>
             <a:endParaRPr lang="en-US"/>
           </a:p>
@@ -1313,7 +1314,7 @@
           <a:p>
             <a:fld id="{77F12483-E947-6F4E-A75E-B2E677827779}" type="slidenum">
               <a:rPr lang="en-US" smtClean="0"/>
-              <a:t>20</a:t>
+              <a:t>21</a:t>
             </a:fld>
             <a:endParaRPr lang="en-US"/>
           </a:p>
@@ -1397,7 +1398,7 @@
           <a:p>
             <a:fld id="{77F12483-E947-6F4E-A75E-B2E677827779}" type="slidenum">
               <a:rPr lang="en-US" smtClean="0"/>
-              <a:t>21</a:t>
+              <a:t>22</a:t>
             </a:fld>
             <a:endParaRPr lang="en-US"/>
           </a:p>
@@ -1481,7 +1482,7 @@
           <a:p>
             <a:fld id="{77F12483-E947-6F4E-A75E-B2E677827779}" type="slidenum">
               <a:rPr lang="en-US" smtClean="0"/>
-              <a:t>22</a:t>
+              <a:t>23</a:t>
             </a:fld>
             <a:endParaRPr lang="en-US"/>
           </a:p>
@@ -1649,7 +1650,7 @@
           <a:p>
             <a:fld id="{77F12483-E947-6F4E-A75E-B2E677827779}" type="slidenum">
               <a:rPr lang="en-US" smtClean="0"/>
-              <a:t>23</a:t>
+              <a:t>24</a:t>
             </a:fld>
             <a:endParaRPr lang="en-US"/>
           </a:p>
@@ -1809,7 +1810,7 @@
           <a:p>
             <a:fld id="{77F12483-E947-6F4E-A75E-B2E677827779}" type="slidenum">
               <a:rPr lang="en-US" smtClean="0"/>
-              <a:t>24</a:t>
+              <a:t>25</a:t>
             </a:fld>
             <a:endParaRPr lang="en-US"/>
           </a:p>
@@ -1923,7 +1924,7 @@
           <a:p>
             <a:fld id="{77F12483-E947-6F4E-A75E-B2E677827779}" type="slidenum">
               <a:rPr lang="en-US" smtClean="0"/>
-              <a:t>25</a:t>
+              <a:t>26</a:t>
             </a:fld>
             <a:endParaRPr lang="en-US"/>
           </a:p>
@@ -2008,7 +2009,7 @@
           <a:p>
             <a:fld id="{77F12483-E947-6F4E-A75E-B2E677827779}" type="slidenum">
               <a:rPr lang="en-US" smtClean="0"/>
-              <a:t>26</a:t>
+              <a:t>27</a:t>
             </a:fld>
             <a:endParaRPr lang="en-US"/>
           </a:p>
@@ -2103,7 +2104,7 @@
           <a:p>
             <a:fld id="{77F12483-E947-6F4E-A75E-B2E677827779}" type="slidenum">
               <a:rPr lang="en-US" smtClean="0"/>
-              <a:t>27</a:t>
+              <a:t>28</a:t>
             </a:fld>
             <a:endParaRPr lang="en-US"/>
           </a:p>
@@ -2234,7 +2235,7 @@
           <a:p>
             <a:fld id="{77F12483-E947-6F4E-A75E-B2E677827779}" type="slidenum">
               <a:rPr lang="en-US" smtClean="0"/>
-              <a:t>28</a:t>
+              <a:t>29</a:t>
             </a:fld>
             <a:endParaRPr lang="en-US"/>
           </a:p>
@@ -2377,7 +2378,7 @@
           <a:p>
             <a:fld id="{77F12483-E947-6F4E-A75E-B2E677827779}" type="slidenum">
               <a:rPr lang="en-US" smtClean="0"/>
-              <a:t>29</a:t>
+              <a:t>30</a:t>
             </a:fld>
             <a:endParaRPr lang="en-US"/>
           </a:p>
@@ -3209,7 +3210,7 @@
             <a:fld id="{5586B75A-687E-405C-8A0B-8D00578BA2C3}" type="datetimeFigureOut">
               <a:rPr lang="en-US" smtClean="0"/>
               <a:pPr/>
-              <a:t>1/23/24</a:t>
+              <a:t>1/25/24</a:t>
             </a:fld>
             <a:endParaRPr lang="en-US" dirty="0"/>
           </a:p>
@@ -3381,7 +3382,7 @@
             <a:fld id="{5586B75A-687E-405C-8A0B-8D00578BA2C3}" type="datetimeFigureOut">
               <a:rPr lang="en-US" smtClean="0"/>
               <a:pPr/>
-              <a:t>1/23/24</a:t>
+              <a:t>1/25/24</a:t>
             </a:fld>
             <a:endParaRPr lang="en-US" dirty="0"/>
           </a:p>
@@ -3563,7 +3564,7 @@
             <a:fld id="{5586B75A-687E-405C-8A0B-8D00578BA2C3}" type="datetimeFigureOut">
               <a:rPr lang="en-US" smtClean="0"/>
               <a:pPr/>
-              <a:t>1/23/24</a:t>
+              <a:t>1/25/24</a:t>
             </a:fld>
             <a:endParaRPr lang="en-US" dirty="0"/>
           </a:p>
@@ -3735,7 +3736,7 @@
             <a:fld id="{5586B75A-687E-405C-8A0B-8D00578BA2C3}" type="datetimeFigureOut">
               <a:rPr lang="en-US" smtClean="0"/>
               <a:pPr/>
-              <a:t>1/23/24</a:t>
+              <a:t>1/25/24</a:t>
             </a:fld>
             <a:endParaRPr lang="en-US" dirty="0"/>
           </a:p>
@@ -3991,7 +3992,7 @@
             <a:fld id="{5586B75A-687E-405C-8A0B-8D00578BA2C3}" type="datetimeFigureOut">
               <a:rPr lang="en-US" smtClean="0"/>
               <a:pPr/>
-              <a:t>1/23/24</a:t>
+              <a:t>1/25/24</a:t>
             </a:fld>
             <a:endParaRPr lang="en-US" dirty="0"/>
           </a:p>
@@ -4281,7 +4282,7 @@
             <a:fld id="{5586B75A-687E-405C-8A0B-8D00578BA2C3}" type="datetimeFigureOut">
               <a:rPr lang="en-US" smtClean="0"/>
               <a:pPr/>
-              <a:t>1/23/24</a:t>
+              <a:t>1/25/24</a:t>
             </a:fld>
             <a:endParaRPr lang="en-US" dirty="0"/>
           </a:p>
@@ -4725,7 +4726,7 @@
             <a:fld id="{5586B75A-687E-405C-8A0B-8D00578BA2C3}" type="datetimeFigureOut">
               <a:rPr lang="en-US" smtClean="0"/>
               <a:pPr/>
-              <a:t>1/23/24</a:t>
+              <a:t>1/25/24</a:t>
             </a:fld>
             <a:endParaRPr lang="en-US" dirty="0"/>
           </a:p>
@@ -4845,7 +4846,7 @@
             <a:fld id="{5586B75A-687E-405C-8A0B-8D00578BA2C3}" type="datetimeFigureOut">
               <a:rPr lang="en-US" smtClean="0"/>
               <a:pPr/>
-              <a:t>1/23/24</a:t>
+              <a:t>1/25/24</a:t>
             </a:fld>
             <a:endParaRPr lang="en-US" dirty="0"/>
           </a:p>
@@ -4942,7 +4943,7 @@
             <a:fld id="{5586B75A-687E-405C-8A0B-8D00578BA2C3}" type="datetimeFigureOut">
               <a:rPr lang="en-US" smtClean="0"/>
               <a:pPr/>
-              <a:t>1/23/24</a:t>
+              <a:t>1/25/24</a:t>
             </a:fld>
             <a:endParaRPr lang="en-US" dirty="0"/>
           </a:p>
@@ -5232,7 +5233,7 @@
             <a:fld id="{5586B75A-687E-405C-8A0B-8D00578BA2C3}" type="datetimeFigureOut">
               <a:rPr lang="en-US" smtClean="0"/>
               <a:pPr/>
-              <a:t>1/23/24</a:t>
+              <a:t>1/25/24</a:t>
             </a:fld>
             <a:endParaRPr lang="en-US" dirty="0"/>
           </a:p>
@@ -5507,7 +5508,7 @@
             <a:fld id="{5586B75A-687E-405C-8A0B-8D00578BA2C3}" type="datetimeFigureOut">
               <a:rPr lang="en-US" smtClean="0"/>
               <a:pPr/>
-              <a:t>1/23/24</a:t>
+              <a:t>1/25/24</a:t>
             </a:fld>
             <a:endParaRPr lang="en-US" dirty="0"/>
           </a:p>
@@ -5806,7 +5807,7 @@
             <a:fld id="{5586B75A-687E-405C-8A0B-8D00578BA2C3}" type="datetimeFigureOut">
               <a:rPr lang="en-US" smtClean="0"/>
               <a:pPr/>
-              <a:t>1/23/24</a:t>
+              <a:t>1/25/24</a:t>
             </a:fld>
             <a:endParaRPr lang="en-US" dirty="0"/>
           </a:p>
@@ -11300,6 +11301,89 @@
       </p:grpSpPr>
       <p:sp>
         <p:nvSpPr>
+          <p:cNvPr id="2" name="Title 1">
+            <a:extLst>
+              <a:ext uri="{FF2B5EF4-FFF2-40B4-BE49-F238E27FC236}">
+                <a16:creationId xmlns:a16="http://schemas.microsoft.com/office/drawing/2014/main" id="{9284CEEE-554A-FF65-44BE-D6EACF01970A}"/>
+              </a:ext>
+            </a:extLst>
+          </p:cNvPr>
+          <p:cNvSpPr>
+            <a:spLocks noGrp="1"/>
+          </p:cNvSpPr>
+          <p:nvPr>
+            <p:ph type="title"/>
+          </p:nvPr>
+        </p:nvSpPr>
+        <p:spPr/>
+        <p:txBody>
+          <a:bodyPr/>
+          <a:lstStyle/>
+          <a:p>
+            <a:r>
+              <a:rPr lang="en-US"/>
+              <a:t>Start here next week! </a:t>
+            </a:r>
+          </a:p>
+        </p:txBody>
+      </p:sp>
+      <p:sp>
+        <p:nvSpPr>
+          <p:cNvPr id="3" name="Text Placeholder 2">
+            <a:extLst>
+              <a:ext uri="{FF2B5EF4-FFF2-40B4-BE49-F238E27FC236}">
+                <a16:creationId xmlns:a16="http://schemas.microsoft.com/office/drawing/2014/main" id="{CB09998C-06D9-77EC-C0CE-B43D3A1C0325}"/>
+              </a:ext>
+            </a:extLst>
+          </p:cNvPr>
+          <p:cNvSpPr>
+            <a:spLocks noGrp="1"/>
+          </p:cNvSpPr>
+          <p:nvPr>
+            <p:ph type="body" idx="1"/>
+          </p:nvPr>
+        </p:nvSpPr>
+        <p:spPr/>
+        <p:txBody>
+          <a:bodyPr/>
+          <a:lstStyle/>
+          <a:p>
+            <a:endParaRPr lang="en-US"/>
+          </a:p>
+        </p:txBody>
+      </p:sp>
+    </p:spTree>
+    <p:extLst>
+      <p:ext uri="{BB962C8B-B14F-4D97-AF65-F5344CB8AC3E}">
+        <p14:creationId xmlns:p14="http://schemas.microsoft.com/office/powerpoint/2010/main" val="2369144113"/>
+      </p:ext>
+    </p:extLst>
+  </p:cSld>
+  <p:clrMapOvr>
+    <a:masterClrMapping/>
+  </p:clrMapOvr>
+</p:sld>
+</file>
+
+<file path=ppt/slides/slide18.xml><?xml version="1.0" encoding="utf-8"?>
+<p:sld xmlns:a="http://schemas.openxmlformats.org/drawingml/2006/main" xmlns:r="http://schemas.openxmlformats.org/officeDocument/2006/relationships" xmlns:p="http://schemas.openxmlformats.org/presentationml/2006/main">
+  <p:cSld>
+    <p:spTree>
+      <p:nvGrpSpPr>
+        <p:cNvPr id="1" name=""/>
+        <p:cNvGrpSpPr/>
+        <p:nvPr/>
+      </p:nvGrpSpPr>
+      <p:grpSpPr>
+        <a:xfrm>
+          <a:off x="0" y="0"/>
+          <a:ext cx="0" cy="0"/>
+          <a:chOff x="0" y="0"/>
+          <a:chExt cx="0" cy="0"/>
+        </a:xfrm>
+      </p:grpSpPr>
+      <p:sp>
+        <p:nvSpPr>
           <p:cNvPr id="2" name="Title 1"/>
           <p:cNvSpPr>
             <a:spLocks noGrp="1"/>
@@ -11761,7 +11845,7 @@
 </p:sld>
 </file>
 
-<file path=ppt/slides/slide18.xml><?xml version="1.0" encoding="utf-8"?>
+<file path=ppt/slides/slide19.xml><?xml version="1.0" encoding="utf-8"?>
 <p:sld xmlns:a="http://schemas.openxmlformats.org/drawingml/2006/main" xmlns:r="http://schemas.openxmlformats.org/officeDocument/2006/relationships" xmlns:p="http://schemas.openxmlformats.org/presentationml/2006/main">
   <p:cSld>
     <p:spTree>
@@ -12327,7 +12411,121 @@
 </p:sld>
 </file>
 
-<file path=ppt/slides/slide19.xml><?xml version="1.0" encoding="utf-8"?>
+<file path=ppt/slides/slide2.xml><?xml version="1.0" encoding="utf-8"?>
+<p:sld xmlns:a="http://schemas.openxmlformats.org/drawingml/2006/main" xmlns:r="http://schemas.openxmlformats.org/officeDocument/2006/relationships" xmlns:p="http://schemas.openxmlformats.org/presentationml/2006/main">
+  <p:cSld>
+    <p:spTree>
+      <p:nvGrpSpPr>
+        <p:cNvPr id="1" name=""/>
+        <p:cNvGrpSpPr/>
+        <p:nvPr/>
+      </p:nvGrpSpPr>
+      <p:grpSpPr>
+        <a:xfrm>
+          <a:off x="0" y="0"/>
+          <a:ext cx="0" cy="0"/>
+          <a:chOff x="0" y="0"/>
+          <a:chExt cx="0" cy="0"/>
+        </a:xfrm>
+      </p:grpSpPr>
+      <p:sp>
+        <p:nvSpPr>
+          <p:cNvPr id="2" name="Title 1">
+            <a:extLst>
+              <a:ext uri="{FF2B5EF4-FFF2-40B4-BE49-F238E27FC236}">
+                <a16:creationId xmlns:a16="http://schemas.microsoft.com/office/drawing/2014/main" id="{10D330C2-52A4-1ABA-980B-56FBC97F350C}"/>
+              </a:ext>
+            </a:extLst>
+          </p:cNvPr>
+          <p:cNvSpPr>
+            <a:spLocks noGrp="1"/>
+          </p:cNvSpPr>
+          <p:nvPr>
+            <p:ph type="title"/>
+          </p:nvPr>
+        </p:nvSpPr>
+        <p:spPr/>
+        <p:txBody>
+          <a:bodyPr/>
+          <a:lstStyle/>
+          <a:p>
+            <a:r>
+              <a:rPr lang="en-US" dirty="0"/>
+              <a:t>Reminder!</a:t>
+            </a:r>
+          </a:p>
+        </p:txBody>
+      </p:sp>
+      <p:sp>
+        <p:nvSpPr>
+          <p:cNvPr id="3" name="Content Placeholder 2">
+            <a:extLst>
+              <a:ext uri="{FF2B5EF4-FFF2-40B4-BE49-F238E27FC236}">
+                <a16:creationId xmlns:a16="http://schemas.microsoft.com/office/drawing/2014/main" id="{9EAE50F6-429C-715A-C25C-1C7744AED1CF}"/>
+              </a:ext>
+            </a:extLst>
+          </p:cNvPr>
+          <p:cNvSpPr>
+            <a:spLocks noGrp="1"/>
+          </p:cNvSpPr>
+          <p:nvPr>
+            <p:ph idx="1"/>
+          </p:nvPr>
+        </p:nvSpPr>
+        <p:spPr/>
+        <p:txBody>
+          <a:bodyPr>
+            <a:normAutofit/>
+          </a:bodyPr>
+          <a:lstStyle/>
+          <a:p>
+            <a:r>
+              <a:rPr lang="en-US" sz="2400" dirty="0"/>
+              <a:t>First homework is out today! </a:t>
+            </a:r>
+          </a:p>
+          <a:p>
+            <a:r>
+              <a:rPr lang="en-US" sz="2400" dirty="0" err="1"/>
+              <a:t>Homeworks</a:t>
+            </a:r>
+            <a:r>
+              <a:rPr lang="en-US" sz="2400" dirty="0"/>
+              <a:t> (and quizzes) are </a:t>
+            </a:r>
+            <a:r>
+              <a:rPr lang="en-US" sz="2400" i="1" dirty="0"/>
+              <a:t>week long </a:t>
+            </a:r>
+            <a:r>
+              <a:rPr lang="en-US" sz="2400" dirty="0"/>
+              <a:t>assignments; expect to spend 5-7 hours </a:t>
+            </a:r>
+            <a:r>
+              <a:rPr lang="en-US" sz="2400"/>
+              <a:t>on them </a:t>
+            </a:r>
+            <a:r>
+              <a:rPr lang="en-US" sz="2400" dirty="0"/>
+              <a:t>(this is standard for a college class) </a:t>
+            </a:r>
+          </a:p>
+        </p:txBody>
+      </p:sp>
+    </p:spTree>
+    <p:extLst>
+      <p:ext uri="{BB962C8B-B14F-4D97-AF65-F5344CB8AC3E}">
+        <p14:creationId xmlns:p14="http://schemas.microsoft.com/office/powerpoint/2010/main" val="400641738"/>
+      </p:ext>
+    </p:extLst>
+  </p:cSld>
+  <p:clrMapOvr>
+    <a:masterClrMapping/>
+  </p:clrMapOvr>
+</p:sld>
+</file>
+
+<file path=ppt/slides/slide20.xml><?xml version="1.0" encoding="utf-8"?>
 <p:sld xmlns:a="http://schemas.openxmlformats.org/drawingml/2006/main" xmlns:r="http://schemas.openxmlformats.org/officeDocument/2006/relationships" xmlns:p="http://schemas.openxmlformats.org/presentationml/2006/main">
   <p:cSld>
     <p:spTree>
@@ -12808,121 +13006,7 @@
 </p:sld>
 </file>
 
-<file path=ppt/slides/slide2.xml><?xml version="1.0" encoding="utf-8"?>
-<p:sld xmlns:a="http://schemas.openxmlformats.org/drawingml/2006/main" xmlns:r="http://schemas.openxmlformats.org/officeDocument/2006/relationships" xmlns:p="http://schemas.openxmlformats.org/presentationml/2006/main">
-  <p:cSld>
-    <p:spTree>
-      <p:nvGrpSpPr>
-        <p:cNvPr id="1" name=""/>
-        <p:cNvGrpSpPr/>
-        <p:nvPr/>
-      </p:nvGrpSpPr>
-      <p:grpSpPr>
-        <a:xfrm>
-          <a:off x="0" y="0"/>
-          <a:ext cx="0" cy="0"/>
-          <a:chOff x="0" y="0"/>
-          <a:chExt cx="0" cy="0"/>
-        </a:xfrm>
-      </p:grpSpPr>
-      <p:sp>
-        <p:nvSpPr>
-          <p:cNvPr id="2" name="Title 1">
-            <a:extLst>
-              <a:ext uri="{FF2B5EF4-FFF2-40B4-BE49-F238E27FC236}">
-                <a16:creationId xmlns:a16="http://schemas.microsoft.com/office/drawing/2014/main" id="{10D330C2-52A4-1ABA-980B-56FBC97F350C}"/>
-              </a:ext>
-            </a:extLst>
-          </p:cNvPr>
-          <p:cNvSpPr>
-            <a:spLocks noGrp="1"/>
-          </p:cNvSpPr>
-          <p:nvPr>
-            <p:ph type="title"/>
-          </p:nvPr>
-        </p:nvSpPr>
-        <p:spPr/>
-        <p:txBody>
-          <a:bodyPr/>
-          <a:lstStyle/>
-          <a:p>
-            <a:r>
-              <a:rPr lang="en-US" dirty="0"/>
-              <a:t>Reminder!</a:t>
-            </a:r>
-          </a:p>
-        </p:txBody>
-      </p:sp>
-      <p:sp>
-        <p:nvSpPr>
-          <p:cNvPr id="3" name="Content Placeholder 2">
-            <a:extLst>
-              <a:ext uri="{FF2B5EF4-FFF2-40B4-BE49-F238E27FC236}">
-                <a16:creationId xmlns:a16="http://schemas.microsoft.com/office/drawing/2014/main" id="{9EAE50F6-429C-715A-C25C-1C7744AED1CF}"/>
-              </a:ext>
-            </a:extLst>
-          </p:cNvPr>
-          <p:cNvSpPr>
-            <a:spLocks noGrp="1"/>
-          </p:cNvSpPr>
-          <p:nvPr>
-            <p:ph idx="1"/>
-          </p:nvPr>
-        </p:nvSpPr>
-        <p:spPr/>
-        <p:txBody>
-          <a:bodyPr>
-            <a:normAutofit/>
-          </a:bodyPr>
-          <a:lstStyle/>
-          <a:p>
-            <a:r>
-              <a:rPr lang="en-US" sz="2400" dirty="0"/>
-              <a:t>First homework is out today! </a:t>
-            </a:r>
-          </a:p>
-          <a:p>
-            <a:r>
-              <a:rPr lang="en-US" sz="2400" dirty="0" err="1"/>
-              <a:t>Homeworks</a:t>
-            </a:r>
-            <a:r>
-              <a:rPr lang="en-US" sz="2400" dirty="0"/>
-              <a:t> (and quizzes) are </a:t>
-            </a:r>
-            <a:r>
-              <a:rPr lang="en-US" sz="2400" i="1" dirty="0"/>
-              <a:t>week long </a:t>
-            </a:r>
-            <a:r>
-              <a:rPr lang="en-US" sz="2400" dirty="0"/>
-              <a:t>assignments; expect to spend 5-7 hours </a:t>
-            </a:r>
-            <a:r>
-              <a:rPr lang="en-US" sz="2400"/>
-              <a:t>on them </a:t>
-            </a:r>
-            <a:r>
-              <a:rPr lang="en-US" sz="2400" dirty="0"/>
-              <a:t>(this is standard for a college class) </a:t>
-            </a:r>
-          </a:p>
-        </p:txBody>
-      </p:sp>
-    </p:spTree>
-    <p:extLst>
-      <p:ext uri="{BB962C8B-B14F-4D97-AF65-F5344CB8AC3E}">
-        <p14:creationId xmlns:p14="http://schemas.microsoft.com/office/powerpoint/2010/main" val="400641738"/>
-      </p:ext>
-    </p:extLst>
-  </p:cSld>
-  <p:clrMapOvr>
-    <a:masterClrMapping/>
-  </p:clrMapOvr>
-</p:sld>
-</file>
-
-<file path=ppt/slides/slide20.xml><?xml version="1.0" encoding="utf-8"?>
+<file path=ppt/slides/slide21.xml><?xml version="1.0" encoding="utf-8"?>
 <p:sld xmlns:a="http://schemas.openxmlformats.org/drawingml/2006/main" xmlns:r="http://schemas.openxmlformats.org/officeDocument/2006/relationships" xmlns:p="http://schemas.openxmlformats.org/presentationml/2006/main">
   <p:cSld>
     <p:spTree>
@@ -13442,7 +13526,7 @@
 </p:sld>
 </file>
 
-<file path=ppt/slides/slide21.xml><?xml version="1.0" encoding="utf-8"?>
+<file path=ppt/slides/slide22.xml><?xml version="1.0" encoding="utf-8"?>
 <p:sld xmlns:a="http://schemas.openxmlformats.org/drawingml/2006/main" xmlns:r="http://schemas.openxmlformats.org/officeDocument/2006/relationships" xmlns:p="http://schemas.openxmlformats.org/presentationml/2006/main">
   <p:cSld>
     <p:spTree>
@@ -14634,7 +14718,7 @@
 </p:sld>
 </file>
 
-<file path=ppt/slides/slide22.xml><?xml version="1.0" encoding="utf-8"?>
+<file path=ppt/slides/slide23.xml><?xml version="1.0" encoding="utf-8"?>
 <p:sld xmlns:a="http://schemas.openxmlformats.org/drawingml/2006/main" xmlns:r="http://schemas.openxmlformats.org/officeDocument/2006/relationships" xmlns:p="http://schemas.openxmlformats.org/presentationml/2006/main">
   <p:cSld>
     <p:spTree>
@@ -16083,7 +16167,7 @@
 </p:sld>
 </file>
 
-<file path=ppt/slides/slide23.xml><?xml version="1.0" encoding="utf-8"?>
+<file path=ppt/slides/slide24.xml><?xml version="1.0" encoding="utf-8"?>
 <p:sld xmlns:a="http://schemas.openxmlformats.org/drawingml/2006/main" xmlns:r="http://schemas.openxmlformats.org/officeDocument/2006/relationships" xmlns:p="http://schemas.openxmlformats.org/presentationml/2006/main">
   <p:cSld>
     <p:spTree>
@@ -16603,7 +16687,7 @@
 </p:sld>
 </file>
 
-<file path=ppt/slides/slide24.xml><?xml version="1.0" encoding="utf-8"?>
+<file path=ppt/slides/slide25.xml><?xml version="1.0" encoding="utf-8"?>
 <p:sld xmlns:a="http://schemas.openxmlformats.org/drawingml/2006/main" xmlns:r="http://schemas.openxmlformats.org/officeDocument/2006/relationships" xmlns:p="http://schemas.openxmlformats.org/presentationml/2006/main">
   <p:cSld>
     <p:spTree>
@@ -17314,7 +17398,7 @@
 </p:sld>
 </file>
 
-<file path=ppt/slides/slide25.xml><?xml version="1.0" encoding="utf-8"?>
+<file path=ppt/slides/slide26.xml><?xml version="1.0" encoding="utf-8"?>
 <p:sld xmlns:a="http://schemas.openxmlformats.org/drawingml/2006/main" xmlns:r="http://schemas.openxmlformats.org/officeDocument/2006/relationships" xmlns:p="http://schemas.openxmlformats.org/presentationml/2006/main">
   <p:cSld>
     <p:spTree>
@@ -17992,7 +18076,7 @@
 </p:sld>
 </file>
 
-<file path=ppt/slides/slide26.xml><?xml version="1.0" encoding="utf-8"?>
+<file path=ppt/slides/slide27.xml><?xml version="1.0" encoding="utf-8"?>
 <p:sld xmlns:a="http://schemas.openxmlformats.org/drawingml/2006/main" xmlns:r="http://schemas.openxmlformats.org/officeDocument/2006/relationships" xmlns:p="http://schemas.openxmlformats.org/presentationml/2006/main">
   <p:cSld>
     <p:spTree>
@@ -18741,7 +18825,7 @@
 </p:sld>
 </file>
 
-<file path=ppt/slides/slide27.xml><?xml version="1.0" encoding="utf-8"?>
+<file path=ppt/slides/slide28.xml><?xml version="1.0" encoding="utf-8"?>
 <p:sld xmlns:a="http://schemas.openxmlformats.org/drawingml/2006/main" xmlns:r="http://schemas.openxmlformats.org/officeDocument/2006/relationships" xmlns:p="http://schemas.openxmlformats.org/presentationml/2006/main">
   <p:cSld>
     <p:spTree>
@@ -19322,7 +19406,7 @@
 </p:sld>
 </file>
 
-<file path=ppt/slides/slide28.xml><?xml version="1.0" encoding="utf-8"?>
+<file path=ppt/slides/slide29.xml><?xml version="1.0" encoding="utf-8"?>
 <p:sld xmlns:a="http://schemas.openxmlformats.org/drawingml/2006/main" xmlns:r="http://schemas.openxmlformats.org/officeDocument/2006/relationships" xmlns:p="http://schemas.openxmlformats.org/presentationml/2006/main">
   <p:cSld>
     <p:spTree>
@@ -20141,7 +20225,107 @@
 </p:sld>
 </file>
 
-<file path=ppt/slides/slide29.xml><?xml version="1.0" encoding="utf-8"?>
+<file path=ppt/slides/slide3.xml><?xml version="1.0" encoding="utf-8"?>
+<p:sld xmlns:a="http://schemas.openxmlformats.org/drawingml/2006/main" xmlns:r="http://schemas.openxmlformats.org/officeDocument/2006/relationships" xmlns:p="http://schemas.openxmlformats.org/presentationml/2006/main">
+  <p:cSld>
+    <p:spTree>
+      <p:nvGrpSpPr>
+        <p:cNvPr id="1" name=""/>
+        <p:cNvGrpSpPr/>
+        <p:nvPr/>
+      </p:nvGrpSpPr>
+      <p:grpSpPr>
+        <a:xfrm>
+          <a:off x="0" y="0"/>
+          <a:ext cx="0" cy="0"/>
+          <a:chOff x="0" y="0"/>
+          <a:chExt cx="0" cy="0"/>
+        </a:xfrm>
+      </p:grpSpPr>
+      <p:sp>
+        <p:nvSpPr>
+          <p:cNvPr id="2" name="Title 1">
+            <a:extLst>
+              <a:ext uri="{FF2B5EF4-FFF2-40B4-BE49-F238E27FC236}">
+                <a16:creationId xmlns:a16="http://schemas.microsoft.com/office/drawing/2014/main" id="{10D330C2-52A4-1ABA-980B-56FBC97F350C}"/>
+              </a:ext>
+            </a:extLst>
+          </p:cNvPr>
+          <p:cNvSpPr>
+            <a:spLocks noGrp="1"/>
+          </p:cNvSpPr>
+          <p:nvPr>
+            <p:ph type="title"/>
+          </p:nvPr>
+        </p:nvSpPr>
+        <p:spPr/>
+        <p:txBody>
+          <a:bodyPr/>
+          <a:lstStyle/>
+          <a:p>
+            <a:r>
+              <a:rPr lang="en-US" dirty="0"/>
+              <a:t>Plan for Today</a:t>
+            </a:r>
+          </a:p>
+        </p:txBody>
+      </p:sp>
+      <p:sp>
+        <p:nvSpPr>
+          <p:cNvPr id="3" name="Content Placeholder 2">
+            <a:extLst>
+              <a:ext uri="{FF2B5EF4-FFF2-40B4-BE49-F238E27FC236}">
+                <a16:creationId xmlns:a16="http://schemas.microsoft.com/office/drawing/2014/main" id="{9EAE50F6-429C-715A-C25C-1C7744AED1CF}"/>
+              </a:ext>
+            </a:extLst>
+          </p:cNvPr>
+          <p:cNvSpPr>
+            <a:spLocks noGrp="1"/>
+          </p:cNvSpPr>
+          <p:nvPr>
+            <p:ph idx="1"/>
+          </p:nvPr>
+        </p:nvSpPr>
+        <p:spPr/>
+        <p:txBody>
+          <a:bodyPr>
+            <a:normAutofit/>
+          </a:bodyPr>
+          <a:lstStyle/>
+          <a:p>
+            <a:r>
+              <a:rPr lang="en-US" sz="2400" dirty="0"/>
+              <a:t>What is a proof? </a:t>
+            </a:r>
+          </a:p>
+          <a:p>
+            <a:r>
+              <a:rPr lang="en-US" sz="2400" dirty="0"/>
+              <a:t>Direct proofs</a:t>
+            </a:r>
+          </a:p>
+          <a:p>
+            <a:r>
+              <a:rPr lang="en-US" sz="2400" dirty="0"/>
+              <a:t>Proof by contrapositive</a:t>
+            </a:r>
+          </a:p>
+        </p:txBody>
+      </p:sp>
+    </p:spTree>
+    <p:extLst>
+      <p:ext uri="{BB962C8B-B14F-4D97-AF65-F5344CB8AC3E}">
+        <p14:creationId xmlns:p14="http://schemas.microsoft.com/office/powerpoint/2010/main" val="1085546165"/>
+      </p:ext>
+    </p:extLst>
+  </p:cSld>
+  <p:clrMapOvr>
+    <a:masterClrMapping/>
+  </p:clrMapOvr>
+</p:sld>
+</file>
+
+<file path=ppt/slides/slide30.xml><?xml version="1.0" encoding="utf-8"?>
 <p:sld xmlns:a="http://schemas.openxmlformats.org/drawingml/2006/main" xmlns:r="http://schemas.openxmlformats.org/officeDocument/2006/relationships" xmlns:p="http://schemas.openxmlformats.org/presentationml/2006/main">
   <p:cSld>
     <p:spTree>
@@ -20454,106 +20638,6 @@
     <p:extLst>
       <p:ext uri="{BB962C8B-B14F-4D97-AF65-F5344CB8AC3E}">
         <p14:creationId xmlns:p14="http://schemas.microsoft.com/office/powerpoint/2010/main" val="477372706"/>
-      </p:ext>
-    </p:extLst>
-  </p:cSld>
-  <p:clrMapOvr>
-    <a:masterClrMapping/>
-  </p:clrMapOvr>
-</p:sld>
-</file>
-
-<file path=ppt/slides/slide3.xml><?xml version="1.0" encoding="utf-8"?>
-<p:sld xmlns:a="http://schemas.openxmlformats.org/drawingml/2006/main" xmlns:r="http://schemas.openxmlformats.org/officeDocument/2006/relationships" xmlns:p="http://schemas.openxmlformats.org/presentationml/2006/main">
-  <p:cSld>
-    <p:spTree>
-      <p:nvGrpSpPr>
-        <p:cNvPr id="1" name=""/>
-        <p:cNvGrpSpPr/>
-        <p:nvPr/>
-      </p:nvGrpSpPr>
-      <p:grpSpPr>
-        <a:xfrm>
-          <a:off x="0" y="0"/>
-          <a:ext cx="0" cy="0"/>
-          <a:chOff x="0" y="0"/>
-          <a:chExt cx="0" cy="0"/>
-        </a:xfrm>
-      </p:grpSpPr>
-      <p:sp>
-        <p:nvSpPr>
-          <p:cNvPr id="2" name="Title 1">
-            <a:extLst>
-              <a:ext uri="{FF2B5EF4-FFF2-40B4-BE49-F238E27FC236}">
-                <a16:creationId xmlns:a16="http://schemas.microsoft.com/office/drawing/2014/main" id="{10D330C2-52A4-1ABA-980B-56FBC97F350C}"/>
-              </a:ext>
-            </a:extLst>
-          </p:cNvPr>
-          <p:cNvSpPr>
-            <a:spLocks noGrp="1"/>
-          </p:cNvSpPr>
-          <p:nvPr>
-            <p:ph type="title"/>
-          </p:nvPr>
-        </p:nvSpPr>
-        <p:spPr/>
-        <p:txBody>
-          <a:bodyPr/>
-          <a:lstStyle/>
-          <a:p>
-            <a:r>
-              <a:rPr lang="en-US" dirty="0"/>
-              <a:t>Plan for Today</a:t>
-            </a:r>
-          </a:p>
-        </p:txBody>
-      </p:sp>
-      <p:sp>
-        <p:nvSpPr>
-          <p:cNvPr id="3" name="Content Placeholder 2">
-            <a:extLst>
-              <a:ext uri="{FF2B5EF4-FFF2-40B4-BE49-F238E27FC236}">
-                <a16:creationId xmlns:a16="http://schemas.microsoft.com/office/drawing/2014/main" id="{9EAE50F6-429C-715A-C25C-1C7744AED1CF}"/>
-              </a:ext>
-            </a:extLst>
-          </p:cNvPr>
-          <p:cNvSpPr>
-            <a:spLocks noGrp="1"/>
-          </p:cNvSpPr>
-          <p:nvPr>
-            <p:ph idx="1"/>
-          </p:nvPr>
-        </p:nvSpPr>
-        <p:spPr/>
-        <p:txBody>
-          <a:bodyPr>
-            <a:normAutofit/>
-          </a:bodyPr>
-          <a:lstStyle/>
-          <a:p>
-            <a:r>
-              <a:rPr lang="en-US" sz="2400" dirty="0"/>
-              <a:t>What is a proof? </a:t>
-            </a:r>
-          </a:p>
-          <a:p>
-            <a:r>
-              <a:rPr lang="en-US" sz="2400" dirty="0"/>
-              <a:t>Direct proofs</a:t>
-            </a:r>
-          </a:p>
-          <a:p>
-            <a:r>
-              <a:rPr lang="en-US" sz="2400" dirty="0"/>
-              <a:t>Proof by contrapositive</a:t>
-            </a:r>
-          </a:p>
-        </p:txBody>
-      </p:sp>
-    </p:spTree>
-    <p:extLst>
-      <p:ext uri="{BB962C8B-B14F-4D97-AF65-F5344CB8AC3E}">
-        <p14:creationId xmlns:p14="http://schemas.microsoft.com/office/powerpoint/2010/main" val="1085546165"/>
       </p:ext>
     </p:extLst>
   </p:cSld>

--- a/slides/04-direct-contrapositive.pptx
+++ b/slides/04-direct-contrapositive.pptx
@@ -226,7 +226,7 @@
           <a:p>
             <a:fld id="{3CBB8A52-8AC5-C74C-97FB-632C448F3674}" type="datetimeFigureOut">
               <a:rPr lang="en-US" smtClean="0"/>
-              <a:t>1/25/24</a:t>
+              <a:t>2/1/24</a:t>
             </a:fld>
             <a:endParaRPr lang="en-US"/>
           </a:p>
@@ -3210,7 +3210,7 @@
             <a:fld id="{5586B75A-687E-405C-8A0B-8D00578BA2C3}" type="datetimeFigureOut">
               <a:rPr lang="en-US" smtClean="0"/>
               <a:pPr/>
-              <a:t>1/25/24</a:t>
+              <a:t>2/1/24</a:t>
             </a:fld>
             <a:endParaRPr lang="en-US" dirty="0"/>
           </a:p>
@@ -3382,7 +3382,7 @@
             <a:fld id="{5586B75A-687E-405C-8A0B-8D00578BA2C3}" type="datetimeFigureOut">
               <a:rPr lang="en-US" smtClean="0"/>
               <a:pPr/>
-              <a:t>1/25/24</a:t>
+              <a:t>2/1/24</a:t>
             </a:fld>
             <a:endParaRPr lang="en-US" dirty="0"/>
           </a:p>
@@ -3564,7 +3564,7 @@
             <a:fld id="{5586B75A-687E-405C-8A0B-8D00578BA2C3}" type="datetimeFigureOut">
               <a:rPr lang="en-US" smtClean="0"/>
               <a:pPr/>
-              <a:t>1/25/24</a:t>
+              <a:t>2/1/24</a:t>
             </a:fld>
             <a:endParaRPr lang="en-US" dirty="0"/>
           </a:p>
@@ -3736,7 +3736,7 @@
             <a:fld id="{5586B75A-687E-405C-8A0B-8D00578BA2C3}" type="datetimeFigureOut">
               <a:rPr lang="en-US" smtClean="0"/>
               <a:pPr/>
-              <a:t>1/25/24</a:t>
+              <a:t>2/1/24</a:t>
             </a:fld>
             <a:endParaRPr lang="en-US" dirty="0"/>
           </a:p>
@@ -3992,7 +3992,7 @@
             <a:fld id="{5586B75A-687E-405C-8A0B-8D00578BA2C3}" type="datetimeFigureOut">
               <a:rPr lang="en-US" smtClean="0"/>
               <a:pPr/>
-              <a:t>1/25/24</a:t>
+              <a:t>2/1/24</a:t>
             </a:fld>
             <a:endParaRPr lang="en-US" dirty="0"/>
           </a:p>
@@ -4282,7 +4282,7 @@
             <a:fld id="{5586B75A-687E-405C-8A0B-8D00578BA2C3}" type="datetimeFigureOut">
               <a:rPr lang="en-US" smtClean="0"/>
               <a:pPr/>
-              <a:t>1/25/24</a:t>
+              <a:t>2/1/24</a:t>
             </a:fld>
             <a:endParaRPr lang="en-US" dirty="0"/>
           </a:p>
@@ -4726,7 +4726,7 @@
             <a:fld id="{5586B75A-687E-405C-8A0B-8D00578BA2C3}" type="datetimeFigureOut">
               <a:rPr lang="en-US" smtClean="0"/>
               <a:pPr/>
-              <a:t>1/25/24</a:t>
+              <a:t>2/1/24</a:t>
             </a:fld>
             <a:endParaRPr lang="en-US" dirty="0"/>
           </a:p>
@@ -4846,7 +4846,7 @@
             <a:fld id="{5586B75A-687E-405C-8A0B-8D00578BA2C3}" type="datetimeFigureOut">
               <a:rPr lang="en-US" smtClean="0"/>
               <a:pPr/>
-              <a:t>1/25/24</a:t>
+              <a:t>2/1/24</a:t>
             </a:fld>
             <a:endParaRPr lang="en-US" dirty="0"/>
           </a:p>
@@ -4943,7 +4943,7 @@
             <a:fld id="{5586B75A-687E-405C-8A0B-8D00578BA2C3}" type="datetimeFigureOut">
               <a:rPr lang="en-US" smtClean="0"/>
               <a:pPr/>
-              <a:t>1/25/24</a:t>
+              <a:t>2/1/24</a:t>
             </a:fld>
             <a:endParaRPr lang="en-US" dirty="0"/>
           </a:p>
@@ -5233,7 +5233,7 @@
             <a:fld id="{5586B75A-687E-405C-8A0B-8D00578BA2C3}" type="datetimeFigureOut">
               <a:rPr lang="en-US" smtClean="0"/>
               <a:pPr/>
-              <a:t>1/25/24</a:t>
+              <a:t>2/1/24</a:t>
             </a:fld>
             <a:endParaRPr lang="en-US" dirty="0"/>
           </a:p>
@@ -5508,7 +5508,7 @@
             <a:fld id="{5586B75A-687E-405C-8A0B-8D00578BA2C3}" type="datetimeFigureOut">
               <a:rPr lang="en-US" smtClean="0"/>
               <a:pPr/>
-              <a:t>1/25/24</a:t>
+              <a:t>2/1/24</a:t>
             </a:fld>
             <a:endParaRPr lang="en-US" dirty="0"/>
           </a:p>
@@ -5807,7 +5807,7 @@
             <a:fld id="{5586B75A-687E-405C-8A0B-8D00578BA2C3}" type="datetimeFigureOut">
               <a:rPr lang="en-US" smtClean="0"/>
               <a:pPr/>
-              <a:t>1/25/24</a:t>
+              <a:t>2/1/24</a:t>
             </a:fld>
             <a:endParaRPr lang="en-US" dirty="0"/>
           </a:p>
@@ -18583,8 +18583,8 @@
           </p:sp>
         </mc:Fallback>
       </mc:AlternateContent>
-      <mc:AlternateContent xmlns:mc="http://schemas.openxmlformats.org/markup-compatibility/2006" xmlns:a14="http://schemas.microsoft.com/office/drawing/2010/main">
-        <mc:Choice Requires="a14">
+      <mc:AlternateContent xmlns:mc="http://schemas.openxmlformats.org/markup-compatibility/2006">
+        <mc:Choice xmlns:a14="http://schemas.microsoft.com/office/drawing/2010/main" Requires="a14">
           <p:sp>
             <p:nvSpPr>
               <p:cNvPr id="3" name="Rounded Rectangle 2">
@@ -18733,7 +18733,15 @@
                 </a14:m>
                 <a:r>
                   <a:rPr lang="en-US" sz="2400" dirty="0"/>
-                  <a:t> is off, then </a:t>
+                  <a:t> </a:t>
+                </a:r>
+                <a:r>
+                  <a:rPr lang="en-US" sz="2400"/>
+                  <a:t>is odd, </a:t>
+                </a:r>
+                <a:r>
+                  <a:rPr lang="en-US" sz="2400" dirty="0"/>
+                  <a:t>then </a:t>
                 </a:r>
                 <a14:m>
                   <m:oMath xmlns:m="http://schemas.openxmlformats.org/officeDocument/2006/math">
@@ -18767,7 +18775,7 @@
             </p:txBody>
           </p:sp>
         </mc:Choice>
-        <mc:Fallback xmlns="">
+        <mc:Fallback>
           <p:sp>
             <p:nvSpPr>
               <p:cNvPr id="3" name="Rounded Rectangle 2">
